--- a/簡報1.pptx
+++ b/簡報1.pptx
@@ -5,10 +5,21 @@
     <p:sldMasterId id="2147483648" r:id="rId1"/>
   </p:sldMasterIdLst>
   <p:sldIdLst>
-    <p:sldId id="256" r:id="rId2"/>
-    <p:sldId id="257" r:id="rId3"/>
-    <p:sldId id="258" r:id="rId4"/>
-    <p:sldId id="259" r:id="rId5"/>
+    <p:sldId id="258" r:id="rId2"/>
+    <p:sldId id="259" r:id="rId3"/>
+    <p:sldId id="260" r:id="rId4"/>
+    <p:sldId id="257" r:id="rId5"/>
+    <p:sldId id="256" r:id="rId6"/>
+    <p:sldId id="262" r:id="rId7"/>
+    <p:sldId id="264" r:id="rId8"/>
+    <p:sldId id="265" r:id="rId9"/>
+    <p:sldId id="263" r:id="rId10"/>
+    <p:sldId id="266" r:id="rId11"/>
+    <p:sldId id="267" r:id="rId12"/>
+    <p:sldId id="268" r:id="rId13"/>
+    <p:sldId id="269" r:id="rId14"/>
+    <p:sldId id="270" r:id="rId15"/>
+    <p:sldId id="271" r:id="rId16"/>
   </p:sldIdLst>
   <p:sldSz cx="12192000" cy="6858000"/>
   <p:notesSz cx="6858000" cy="9144000"/>
@@ -107,6 +118,11 @@
       </a:defRPr>
     </a:lvl9pPr>
   </p:defaultTextStyle>
+  <p:extLst>
+    <p:ext uri="{EFAFB233-063F-42B5-8137-9DF3F51BA10A}">
+      <p15:sldGuideLst xmlns:p15="http://schemas.microsoft.com/office/powerpoint/2012/main"/>
+    </p:ext>
+  </p:extLst>
 </p:presentation>
 </file>
 
@@ -257,7 +273,7 @@
           <a:p>
             <a:fld id="{C7A5310E-9695-475E-B393-6B9AF2BFB22A}" type="datetimeFigureOut">
               <a:rPr lang="zh-TW" altLang="en-US" smtClean="0"/>
-              <a:t>2023/8/12</a:t>
+              <a:t>2023/10/12</a:t>
             </a:fld>
             <a:endParaRPr lang="zh-TW" altLang="en-US"/>
           </a:p>
@@ -455,7 +471,7 @@
           <a:p>
             <a:fld id="{C7A5310E-9695-475E-B393-6B9AF2BFB22A}" type="datetimeFigureOut">
               <a:rPr lang="zh-TW" altLang="en-US" smtClean="0"/>
-              <a:t>2023/8/12</a:t>
+              <a:t>2023/10/12</a:t>
             </a:fld>
             <a:endParaRPr lang="zh-TW" altLang="en-US"/>
           </a:p>
@@ -663,7 +679,7 @@
           <a:p>
             <a:fld id="{C7A5310E-9695-475E-B393-6B9AF2BFB22A}" type="datetimeFigureOut">
               <a:rPr lang="zh-TW" altLang="en-US" smtClean="0"/>
-              <a:t>2023/8/12</a:t>
+              <a:t>2023/10/12</a:t>
             </a:fld>
             <a:endParaRPr lang="zh-TW" altLang="en-US"/>
           </a:p>
@@ -861,7 +877,7 @@
           <a:p>
             <a:fld id="{C7A5310E-9695-475E-B393-6B9AF2BFB22A}" type="datetimeFigureOut">
               <a:rPr lang="zh-TW" altLang="en-US" smtClean="0"/>
-              <a:t>2023/8/12</a:t>
+              <a:t>2023/10/12</a:t>
             </a:fld>
             <a:endParaRPr lang="zh-TW" altLang="en-US"/>
           </a:p>
@@ -1136,7 +1152,7 @@
           <a:p>
             <a:fld id="{C7A5310E-9695-475E-B393-6B9AF2BFB22A}" type="datetimeFigureOut">
               <a:rPr lang="zh-TW" altLang="en-US" smtClean="0"/>
-              <a:t>2023/8/12</a:t>
+              <a:t>2023/10/12</a:t>
             </a:fld>
             <a:endParaRPr lang="zh-TW" altLang="en-US"/>
           </a:p>
@@ -1401,7 +1417,7 @@
           <a:p>
             <a:fld id="{C7A5310E-9695-475E-B393-6B9AF2BFB22A}" type="datetimeFigureOut">
               <a:rPr lang="zh-TW" altLang="en-US" smtClean="0"/>
-              <a:t>2023/8/12</a:t>
+              <a:t>2023/10/12</a:t>
             </a:fld>
             <a:endParaRPr lang="zh-TW" altLang="en-US"/>
           </a:p>
@@ -1813,7 +1829,7 @@
           <a:p>
             <a:fld id="{C7A5310E-9695-475E-B393-6B9AF2BFB22A}" type="datetimeFigureOut">
               <a:rPr lang="zh-TW" altLang="en-US" smtClean="0"/>
-              <a:t>2023/8/12</a:t>
+              <a:t>2023/10/12</a:t>
             </a:fld>
             <a:endParaRPr lang="zh-TW" altLang="en-US"/>
           </a:p>
@@ -1954,7 +1970,7 @@
           <a:p>
             <a:fld id="{C7A5310E-9695-475E-B393-6B9AF2BFB22A}" type="datetimeFigureOut">
               <a:rPr lang="zh-TW" altLang="en-US" smtClean="0"/>
-              <a:t>2023/8/12</a:t>
+              <a:t>2023/10/12</a:t>
             </a:fld>
             <a:endParaRPr lang="zh-TW" altLang="en-US"/>
           </a:p>
@@ -2067,7 +2083,7 @@
           <a:p>
             <a:fld id="{C7A5310E-9695-475E-B393-6B9AF2BFB22A}" type="datetimeFigureOut">
               <a:rPr lang="zh-TW" altLang="en-US" smtClean="0"/>
-              <a:t>2023/8/12</a:t>
+              <a:t>2023/10/12</a:t>
             </a:fld>
             <a:endParaRPr lang="zh-TW" altLang="en-US"/>
           </a:p>
@@ -2378,7 +2394,7 @@
           <a:p>
             <a:fld id="{C7A5310E-9695-475E-B393-6B9AF2BFB22A}" type="datetimeFigureOut">
               <a:rPr lang="zh-TW" altLang="en-US" smtClean="0"/>
-              <a:t>2023/8/12</a:t>
+              <a:t>2023/10/12</a:t>
             </a:fld>
             <a:endParaRPr lang="zh-TW" altLang="en-US"/>
           </a:p>
@@ -2666,7 +2682,7 @@
           <a:p>
             <a:fld id="{C7A5310E-9695-475E-B393-6B9AF2BFB22A}" type="datetimeFigureOut">
               <a:rPr lang="zh-TW" altLang="en-US" smtClean="0"/>
-              <a:t>2023/8/12</a:t>
+              <a:t>2023/10/12</a:t>
             </a:fld>
             <a:endParaRPr lang="zh-TW" altLang="en-US"/>
           </a:p>
@@ -2743,9 +2759,12 @@
 <p:sldMaster xmlns:a="http://schemas.openxmlformats.org/drawingml/2006/main" xmlns:r="http://schemas.openxmlformats.org/officeDocument/2006/relationships" xmlns:p="http://schemas.openxmlformats.org/presentationml/2006/main">
   <p:cSld>
     <p:bg>
-      <p:bgRef idx="1001">
-        <a:schemeClr val="bg1"/>
-      </p:bgRef>
+      <p:bgPr>
+        <a:solidFill>
+          <a:srgbClr val="FFF7DD"/>
+        </a:solidFill>
+        <a:effectLst/>
+      </p:bgPr>
     </p:bg>
     <p:spTree>
       <p:nvGrpSpPr>
@@ -2907,7 +2926,7 @@
           <a:p>
             <a:fld id="{C7A5310E-9695-475E-B393-6B9AF2BFB22A}" type="datetimeFigureOut">
               <a:rPr lang="zh-TW" altLang="en-US" smtClean="0"/>
-              <a:t>2023/8/12</a:t>
+              <a:t>2023/10/12</a:t>
             </a:fld>
             <a:endParaRPr lang="zh-TW" altLang="en-US"/>
           </a:p>
@@ -3324,412 +3343,12 @@
           <a:chExt cx="0" cy="0"/>
         </a:xfrm>
       </p:grpSpPr>
-      <p:grpSp>
-        <p:nvGrpSpPr>
-          <p:cNvPr id="21" name="群組 20">
-            <a:extLst>
-              <a:ext uri="{FF2B5EF4-FFF2-40B4-BE49-F238E27FC236}">
-                <a16:creationId xmlns:a16="http://schemas.microsoft.com/office/drawing/2014/main" id="{53149E10-D217-774A-6B17-BF1B043779E4}"/>
-              </a:ext>
-            </a:extLst>
-          </p:cNvPr>
-          <p:cNvGrpSpPr/>
-          <p:nvPr/>
-        </p:nvGrpSpPr>
-        <p:grpSpPr>
-          <a:xfrm>
-            <a:off x="320705" y="681316"/>
-            <a:ext cx="5001694" cy="3496237"/>
-            <a:chOff x="722269" y="1147481"/>
-            <a:chExt cx="5001694" cy="3496237"/>
-          </a:xfrm>
-        </p:grpSpPr>
-        <p:sp>
-          <p:nvSpPr>
-            <p:cNvPr id="4" name="橢圓 3">
-              <a:extLst>
-                <a:ext uri="{FF2B5EF4-FFF2-40B4-BE49-F238E27FC236}">
-                  <a16:creationId xmlns:a16="http://schemas.microsoft.com/office/drawing/2014/main" id="{647697EE-0CEF-2DAF-2FD7-083DC7096D68}"/>
-                </a:ext>
-              </a:extLst>
-            </p:cNvPr>
-            <p:cNvSpPr/>
-            <p:nvPr/>
-          </p:nvSpPr>
-          <p:spPr>
-            <a:xfrm>
-              <a:off x="1174375" y="1147481"/>
-              <a:ext cx="1084730" cy="905436"/>
-            </a:xfrm>
-            <a:prstGeom prst="ellipse">
-              <a:avLst/>
-            </a:prstGeom>
-          </p:spPr>
-          <p:style>
-            <a:lnRef idx="2">
-              <a:schemeClr val="accent1">
-                <a:shade val="15000"/>
-              </a:schemeClr>
-            </a:lnRef>
-            <a:fillRef idx="1">
-              <a:schemeClr val="accent1"/>
-            </a:fillRef>
-            <a:effectRef idx="0">
-              <a:schemeClr val="accent1"/>
-            </a:effectRef>
-            <a:fontRef idx="minor">
-              <a:schemeClr val="lt1"/>
-            </a:fontRef>
-          </p:style>
-          <p:txBody>
-            <a:bodyPr rtlCol="0" anchor="ctr"/>
-            <a:lstStyle/>
-            <a:p>
-              <a:pPr algn="ctr"/>
-              <a:r>
-                <a:rPr lang="en-US" altLang="zh-TW" dirty="0"/>
-                <a:t>server</a:t>
-              </a:r>
-              <a:endParaRPr lang="zh-TW" altLang="en-US" dirty="0"/>
-            </a:p>
-          </p:txBody>
-        </p:sp>
-        <p:sp>
-          <p:nvSpPr>
-            <p:cNvPr id="5" name="橢圓 4">
-              <a:extLst>
-                <a:ext uri="{FF2B5EF4-FFF2-40B4-BE49-F238E27FC236}">
-                  <a16:creationId xmlns:a16="http://schemas.microsoft.com/office/drawing/2014/main" id="{70FE65DC-5F44-1D17-DEA4-60B6166DE0C0}"/>
-                </a:ext>
-              </a:extLst>
-            </p:cNvPr>
-            <p:cNvSpPr/>
-            <p:nvPr/>
-          </p:nvSpPr>
-          <p:spPr>
-            <a:xfrm>
-              <a:off x="4692932" y="1147481"/>
-              <a:ext cx="1031031" cy="860613"/>
-            </a:xfrm>
-            <a:prstGeom prst="ellipse">
-              <a:avLst/>
-            </a:prstGeom>
-          </p:spPr>
-          <p:style>
-            <a:lnRef idx="2">
-              <a:schemeClr val="accent4">
-                <a:shade val="15000"/>
-              </a:schemeClr>
-            </a:lnRef>
-            <a:fillRef idx="1">
-              <a:schemeClr val="accent4"/>
-            </a:fillRef>
-            <a:effectRef idx="0">
-              <a:schemeClr val="accent4"/>
-            </a:effectRef>
-            <a:fontRef idx="minor">
-              <a:schemeClr val="lt1"/>
-            </a:fontRef>
-          </p:style>
-          <p:txBody>
-            <a:bodyPr rtlCol="0" anchor="ctr"/>
-            <a:lstStyle/>
-            <a:p>
-              <a:pPr algn="ctr"/>
-              <a:r>
-                <a:rPr lang="en-US" altLang="zh-TW" dirty="0"/>
-                <a:t>UAV</a:t>
-              </a:r>
-              <a:endParaRPr lang="zh-TW" altLang="en-US" dirty="0"/>
-            </a:p>
-          </p:txBody>
-        </p:sp>
-        <p:cxnSp>
-          <p:nvCxnSpPr>
-            <p:cNvPr id="7" name="直線接點 6">
-              <a:extLst>
-                <a:ext uri="{FF2B5EF4-FFF2-40B4-BE49-F238E27FC236}">
-                  <a16:creationId xmlns:a16="http://schemas.microsoft.com/office/drawing/2014/main" id="{CF4CC5B4-579F-2271-8BA4-25234DEECB2D}"/>
-                </a:ext>
-              </a:extLst>
-            </p:cNvPr>
-            <p:cNvCxnSpPr>
-              <a:cxnSpLocks/>
-              <a:stCxn id="4" idx="4"/>
-            </p:cNvCxnSpPr>
-            <p:nvPr/>
-          </p:nvCxnSpPr>
-          <p:spPr>
-            <a:xfrm>
-              <a:off x="1716740" y="2052917"/>
-              <a:ext cx="20757" cy="2384613"/>
-            </a:xfrm>
-            <a:prstGeom prst="line">
-              <a:avLst/>
-            </a:prstGeom>
-            <a:ln w="57150"/>
-          </p:spPr>
-          <p:style>
-            <a:lnRef idx="1">
-              <a:schemeClr val="accent1"/>
-            </a:lnRef>
-            <a:fillRef idx="0">
-              <a:schemeClr val="accent1"/>
-            </a:fillRef>
-            <a:effectRef idx="0">
-              <a:schemeClr val="accent1"/>
-            </a:effectRef>
-            <a:fontRef idx="minor">
-              <a:schemeClr val="tx1"/>
-            </a:fontRef>
-          </p:style>
-        </p:cxnSp>
-        <p:cxnSp>
-          <p:nvCxnSpPr>
-            <p:cNvPr id="9" name="直線接點 8">
-              <a:extLst>
-                <a:ext uri="{FF2B5EF4-FFF2-40B4-BE49-F238E27FC236}">
-                  <a16:creationId xmlns:a16="http://schemas.microsoft.com/office/drawing/2014/main" id="{3E533CAB-135D-3E51-1F2A-10798704447C}"/>
-                </a:ext>
-              </a:extLst>
-            </p:cNvPr>
-            <p:cNvCxnSpPr>
-              <a:cxnSpLocks/>
-              <a:stCxn id="5" idx="4"/>
-            </p:cNvCxnSpPr>
-            <p:nvPr/>
-          </p:nvCxnSpPr>
-          <p:spPr>
-            <a:xfrm>
-              <a:off x="5208448" y="2008094"/>
-              <a:ext cx="0" cy="2635624"/>
-            </a:xfrm>
-            <a:prstGeom prst="line">
-              <a:avLst/>
-            </a:prstGeom>
-            <a:ln w="57150"/>
-          </p:spPr>
-          <p:style>
-            <a:lnRef idx="1">
-              <a:schemeClr val="accent4"/>
-            </a:lnRef>
-            <a:fillRef idx="0">
-              <a:schemeClr val="accent4"/>
-            </a:fillRef>
-            <a:effectRef idx="0">
-              <a:schemeClr val="accent4"/>
-            </a:effectRef>
-            <a:fontRef idx="minor">
-              <a:schemeClr val="tx1"/>
-            </a:fontRef>
-          </p:style>
-        </p:cxnSp>
-        <p:cxnSp>
-          <p:nvCxnSpPr>
-            <p:cNvPr id="11" name="直線單箭頭接點 10">
-              <a:extLst>
-                <a:ext uri="{FF2B5EF4-FFF2-40B4-BE49-F238E27FC236}">
-                  <a16:creationId xmlns:a16="http://schemas.microsoft.com/office/drawing/2014/main" id="{6726E6B1-27AB-4260-E892-F5F4C0E5C854}"/>
-                </a:ext>
-              </a:extLst>
-            </p:cNvPr>
-            <p:cNvCxnSpPr/>
-            <p:nvPr/>
-          </p:nvCxnSpPr>
-          <p:spPr>
-            <a:xfrm flipH="1">
-              <a:off x="1712259" y="2456329"/>
-              <a:ext cx="3487270" cy="0"/>
-            </a:xfrm>
-            <a:prstGeom prst="straightConnector1">
-              <a:avLst/>
-            </a:prstGeom>
-            <a:ln w="57150" cap="flat" cmpd="sng" algn="ctr">
-              <a:solidFill>
-                <a:schemeClr val="accent6"/>
-              </a:solidFill>
-              <a:prstDash val="solid"/>
-              <a:round/>
-              <a:headEnd type="none" w="med" len="med"/>
-              <a:tailEnd type="arrow" w="med" len="med"/>
-            </a:ln>
-          </p:spPr>
-          <p:style>
-            <a:lnRef idx="0">
-              <a:scrgbClr r="0" g="0" b="0"/>
-            </a:lnRef>
-            <a:fillRef idx="0">
-              <a:scrgbClr r="0" g="0" b="0"/>
-            </a:fillRef>
-            <a:effectRef idx="0">
-              <a:scrgbClr r="0" g="0" b="0"/>
-            </a:effectRef>
-            <a:fontRef idx="minor">
-              <a:schemeClr val="tx1"/>
-            </a:fontRef>
-          </p:style>
-        </p:cxnSp>
-        <p:cxnSp>
-          <p:nvCxnSpPr>
-            <p:cNvPr id="12" name="直線單箭頭接點 11">
-              <a:extLst>
-                <a:ext uri="{FF2B5EF4-FFF2-40B4-BE49-F238E27FC236}">
-                  <a16:creationId xmlns:a16="http://schemas.microsoft.com/office/drawing/2014/main" id="{CACC40D3-1DE2-0193-D1F9-6A72742F85F2}"/>
-                </a:ext>
-              </a:extLst>
-            </p:cNvPr>
-            <p:cNvCxnSpPr>
-              <a:cxnSpLocks/>
-            </p:cNvCxnSpPr>
-            <p:nvPr/>
-          </p:nvCxnSpPr>
-          <p:spPr>
-            <a:xfrm>
-              <a:off x="1758401" y="3262264"/>
-              <a:ext cx="3487270" cy="0"/>
-            </a:xfrm>
-            <a:prstGeom prst="straightConnector1">
-              <a:avLst/>
-            </a:prstGeom>
-            <a:ln w="57150" cap="flat" cmpd="sng" algn="ctr">
-              <a:solidFill>
-                <a:schemeClr val="accent6"/>
-              </a:solidFill>
-              <a:prstDash val="solid"/>
-              <a:round/>
-              <a:headEnd type="none" w="med" len="med"/>
-              <a:tailEnd type="arrow" w="med" len="med"/>
-            </a:ln>
-          </p:spPr>
-          <p:style>
-            <a:lnRef idx="0">
-              <a:scrgbClr r="0" g="0" b="0"/>
-            </a:lnRef>
-            <a:fillRef idx="0">
-              <a:scrgbClr r="0" g="0" b="0"/>
-            </a:fillRef>
-            <a:effectRef idx="0">
-              <a:scrgbClr r="0" g="0" b="0"/>
-            </a:effectRef>
-            <a:fontRef idx="minor">
-              <a:schemeClr val="tx1"/>
-            </a:fontRef>
-          </p:style>
-        </p:cxnSp>
-        <p:sp>
-          <p:nvSpPr>
-            <p:cNvPr id="13" name="文字方塊 12">
-              <a:extLst>
-                <a:ext uri="{FF2B5EF4-FFF2-40B4-BE49-F238E27FC236}">
-                  <a16:creationId xmlns:a16="http://schemas.microsoft.com/office/drawing/2014/main" id="{638564BF-F572-DCE6-506D-0B038BEC9A51}"/>
-                </a:ext>
-              </a:extLst>
-            </p:cNvPr>
-            <p:cNvSpPr txBox="1"/>
-            <p:nvPr/>
-          </p:nvSpPr>
-          <p:spPr>
-            <a:xfrm>
-              <a:off x="3012141" y="2052917"/>
-              <a:ext cx="526234" cy="369332"/>
-            </a:xfrm>
-            <a:prstGeom prst="rect">
-              <a:avLst/>
-            </a:prstGeom>
-            <a:noFill/>
-          </p:spPr>
-          <p:txBody>
-            <a:bodyPr wrap="none" rtlCol="0">
-              <a:spAutoFit/>
-            </a:bodyPr>
-            <a:lstStyle/>
-            <a:p>
-              <a:r>
-                <a:rPr lang="en-US" altLang="zh-TW" dirty="0"/>
-                <a:t>Tup</a:t>
-              </a:r>
-            </a:p>
-          </p:txBody>
-        </p:sp>
-        <p:sp>
-          <p:nvSpPr>
-            <p:cNvPr id="15" name="文字方塊 14">
-              <a:extLst>
-                <a:ext uri="{FF2B5EF4-FFF2-40B4-BE49-F238E27FC236}">
-                  <a16:creationId xmlns:a16="http://schemas.microsoft.com/office/drawing/2014/main" id="{786FE3C0-3E67-5B75-724F-2E922004C929}"/>
-                </a:ext>
-              </a:extLst>
-            </p:cNvPr>
-            <p:cNvSpPr txBox="1"/>
-            <p:nvPr/>
-          </p:nvSpPr>
-          <p:spPr>
-            <a:xfrm>
-              <a:off x="3012141" y="3341168"/>
-              <a:ext cx="810030" cy="369332"/>
-            </a:xfrm>
-            <a:prstGeom prst="rect">
-              <a:avLst/>
-            </a:prstGeom>
-            <a:noFill/>
-          </p:spPr>
-          <p:txBody>
-            <a:bodyPr wrap="none" rtlCol="0">
-              <a:spAutoFit/>
-            </a:bodyPr>
-            <a:lstStyle/>
-            <a:p>
-              <a:r>
-                <a:rPr lang="en-US" altLang="zh-TW" dirty="0" err="1"/>
-                <a:t>Tdown</a:t>
-              </a:r>
-              <a:endParaRPr lang="en-US" altLang="zh-TW" dirty="0"/>
-            </a:p>
-          </p:txBody>
-        </p:sp>
-        <p:sp>
-          <p:nvSpPr>
-            <p:cNvPr id="16" name="文字方塊 15">
-              <a:extLst>
-                <a:ext uri="{FF2B5EF4-FFF2-40B4-BE49-F238E27FC236}">
-                  <a16:creationId xmlns:a16="http://schemas.microsoft.com/office/drawing/2014/main" id="{7F979784-52AB-6A7C-AC70-B6A65BE5552C}"/>
-                </a:ext>
-              </a:extLst>
-            </p:cNvPr>
-            <p:cNvSpPr txBox="1"/>
-            <p:nvPr/>
-          </p:nvSpPr>
-          <p:spPr>
-            <a:xfrm>
-              <a:off x="722269" y="2691225"/>
-              <a:ext cx="602665" cy="369332"/>
-            </a:xfrm>
-            <a:prstGeom prst="rect">
-              <a:avLst/>
-            </a:prstGeom>
-            <a:noFill/>
-          </p:spPr>
-          <p:txBody>
-            <a:bodyPr wrap="none" rtlCol="0">
-              <a:spAutoFit/>
-            </a:bodyPr>
-            <a:lstStyle/>
-            <a:p>
-              <a:r>
-                <a:rPr lang="en-US" altLang="zh-TW" dirty="0" err="1"/>
-                <a:t>Tpro</a:t>
-              </a:r>
-              <a:endParaRPr lang="en-US" altLang="zh-TW" dirty="0"/>
-            </a:p>
-          </p:txBody>
-        </p:sp>
-      </p:grpSp>
-      <p:sp>
-        <p:nvSpPr>
-          <p:cNvPr id="17" name="文字方塊 16">
-            <a:extLst>
-              <a:ext uri="{FF2B5EF4-FFF2-40B4-BE49-F238E27FC236}">
-                <a16:creationId xmlns:a16="http://schemas.microsoft.com/office/drawing/2014/main" id="{AE33CC0B-6E14-27E6-AA48-4744A43755FE}"/>
+      <p:sp>
+        <p:nvSpPr>
+          <p:cNvPr id="2" name="文字方塊 1">
+            <a:extLst>
+              <a:ext uri="{FF2B5EF4-FFF2-40B4-BE49-F238E27FC236}">
+                <a16:creationId xmlns:a16="http://schemas.microsoft.com/office/drawing/2014/main" id="{FADF51B8-9767-CE57-C994-8982CF6FF898}"/>
               </a:ext>
             </a:extLst>
           </p:cNvPr>
@@ -3738,8 +3357,8 @@
         </p:nvSpPr>
         <p:spPr>
           <a:xfrm>
-            <a:off x="5847625" y="949368"/>
-            <a:ext cx="2258888" cy="369332"/>
+            <a:off x="4814046" y="295834"/>
+            <a:ext cx="1723549" cy="707886"/>
           </a:xfrm>
           <a:prstGeom prst="rect">
             <a:avLst/>
@@ -3753,170 +3372,29 @@
           <a:lstStyle/>
           <a:p>
             <a:r>
-              <a:rPr lang="zh-TW" altLang="en-US" dirty="0"/>
-              <a:t>△</a:t>
-            </a:r>
-            <a:r>
-              <a:rPr lang="en-US" altLang="zh-TW" dirty="0"/>
-              <a:t>T=</a:t>
-            </a:r>
-            <a:r>
-              <a:rPr lang="en-US" altLang="zh-TW" dirty="0" err="1"/>
-              <a:t>Tup+Tdown+Tpro</a:t>
-            </a:r>
-            <a:endParaRPr lang="en-US" altLang="zh-TW" dirty="0"/>
-          </a:p>
-        </p:txBody>
-      </p:sp>
-      <p:sp>
-        <p:nvSpPr>
-          <p:cNvPr id="22" name="弧形 21">
-            <a:extLst>
-              <a:ext uri="{FF2B5EF4-FFF2-40B4-BE49-F238E27FC236}">
-                <a16:creationId xmlns:a16="http://schemas.microsoft.com/office/drawing/2014/main" id="{6E6F0120-1DBE-FEEC-7723-0636D2D22614}"/>
-              </a:ext>
-            </a:extLst>
-          </p:cNvPr>
-          <p:cNvSpPr/>
+              <a:rPr lang="zh-TW" altLang="en-US" sz="4000" b="1" dirty="0"/>
+              <a:t>無預測</a:t>
+            </a:r>
+            <a:endParaRPr lang="en-US" altLang="zh-TW" sz="4000" b="1" dirty="0"/>
+          </a:p>
+        </p:txBody>
+      </p:sp>
+      <p:sp>
+        <p:nvSpPr>
+          <p:cNvPr id="4" name="文字方塊 3">
+            <a:extLst>
+              <a:ext uri="{FF2B5EF4-FFF2-40B4-BE49-F238E27FC236}">
+                <a16:creationId xmlns:a16="http://schemas.microsoft.com/office/drawing/2014/main" id="{8B161491-2716-6E74-CB4A-AF6607E199BB}"/>
+              </a:ext>
+            </a:extLst>
+          </p:cNvPr>
+          <p:cNvSpPr txBox="1"/>
           <p:nvPr/>
         </p:nvSpPr>
-        <p:spPr>
-          <a:xfrm flipH="1">
-            <a:off x="1006876" y="1990164"/>
-            <a:ext cx="581905" cy="805933"/>
-          </a:xfrm>
-          <a:prstGeom prst="arc">
-            <a:avLst>
-              <a:gd name="adj1" fmla="val 16070331"/>
-              <a:gd name="adj2" fmla="val 5387333"/>
-            </a:avLst>
-          </a:prstGeom>
-          <a:ln w="57150"/>
-        </p:spPr>
-        <p:style>
-          <a:lnRef idx="1">
-            <a:schemeClr val="accent6"/>
-          </a:lnRef>
-          <a:fillRef idx="0">
-            <a:schemeClr val="accent6"/>
-          </a:fillRef>
-          <a:effectRef idx="0">
-            <a:schemeClr val="accent6"/>
-          </a:effectRef>
-          <a:fontRef idx="minor">
-            <a:schemeClr val="tx1"/>
-          </a:fontRef>
-        </p:style>
-        <p:txBody>
-          <a:bodyPr rtlCol="0" anchor="ctr"/>
-          <a:lstStyle/>
-          <a:p>
-            <a:pPr algn="ctr"/>
-            <a:endParaRPr lang="zh-TW" altLang="en-US"/>
-          </a:p>
-        </p:txBody>
-      </p:sp>
-      <p:cxnSp>
-        <p:nvCxnSpPr>
-          <p:cNvPr id="24" name="直線接點 23">
-            <a:extLst>
-              <a:ext uri="{FF2B5EF4-FFF2-40B4-BE49-F238E27FC236}">
-                <a16:creationId xmlns:a16="http://schemas.microsoft.com/office/drawing/2014/main" id="{B6353651-F4C8-7674-9732-EABC3BA242DF}"/>
-              </a:ext>
-            </a:extLst>
-          </p:cNvPr>
-          <p:cNvCxnSpPr>
-            <a:cxnSpLocks/>
-          </p:cNvCxnSpPr>
-          <p:nvPr/>
-        </p:nvCxnSpPr>
         <p:spPr>
           <a:xfrm>
-            <a:off x="1588781" y="5369859"/>
-            <a:ext cx="9419878" cy="0"/>
-          </a:xfrm>
-          <a:prstGeom prst="line">
-            <a:avLst/>
-          </a:prstGeom>
-          <a:ln w="57150"/>
-        </p:spPr>
-        <p:style>
-          <a:lnRef idx="1">
-            <a:schemeClr val="dk1"/>
-          </a:lnRef>
-          <a:fillRef idx="0">
-            <a:schemeClr val="dk1"/>
-          </a:fillRef>
-          <a:effectRef idx="0">
-            <a:schemeClr val="dk1"/>
-          </a:effectRef>
-          <a:fontRef idx="minor">
-            <a:schemeClr val="tx1"/>
-          </a:fontRef>
-        </p:style>
-      </p:cxnSp>
-      <p:sp>
-        <p:nvSpPr>
-          <p:cNvPr id="28" name="橢圓 27">
-            <a:extLst>
-              <a:ext uri="{FF2B5EF4-FFF2-40B4-BE49-F238E27FC236}">
-                <a16:creationId xmlns:a16="http://schemas.microsoft.com/office/drawing/2014/main" id="{F351AE0D-21CB-8AB7-88F1-9E609F3F0879}"/>
-              </a:ext>
-            </a:extLst>
-          </p:cNvPr>
-          <p:cNvSpPr/>
-          <p:nvPr/>
-        </p:nvSpPr>
-        <p:spPr>
-          <a:xfrm>
-            <a:off x="1325554" y="5225535"/>
-            <a:ext cx="360435" cy="360435"/>
-          </a:xfrm>
-          <a:prstGeom prst="ellipse">
-            <a:avLst/>
-          </a:prstGeom>
-        </p:spPr>
-        <p:style>
-          <a:lnRef idx="2">
-            <a:schemeClr val="accent4">
-              <a:shade val="15000"/>
-            </a:schemeClr>
-          </a:lnRef>
-          <a:fillRef idx="1">
-            <a:schemeClr val="accent4"/>
-          </a:fillRef>
-          <a:effectRef idx="0">
-            <a:schemeClr val="accent4"/>
-          </a:effectRef>
-          <a:fontRef idx="minor">
-            <a:schemeClr val="lt1"/>
-          </a:fontRef>
-        </p:style>
-        <p:txBody>
-          <a:bodyPr rtlCol="0" anchor="ctr"/>
-          <a:lstStyle/>
-          <a:p>
-            <a:pPr algn="ctr"/>
-            <a:endParaRPr lang="zh-TW" altLang="en-US" dirty="0"/>
-          </a:p>
-        </p:txBody>
-      </p:sp>
-      <p:sp>
-        <p:nvSpPr>
-          <p:cNvPr id="30" name="文字方塊 29">
-            <a:extLst>
-              <a:ext uri="{FF2B5EF4-FFF2-40B4-BE49-F238E27FC236}">
-                <a16:creationId xmlns:a16="http://schemas.microsoft.com/office/drawing/2014/main" id="{4A2CBD90-DBC4-9742-592D-AE079665364A}"/>
-              </a:ext>
-            </a:extLst>
-          </p:cNvPr>
-          <p:cNvSpPr txBox="1"/>
-          <p:nvPr/>
-        </p:nvSpPr>
-        <p:spPr>
-          <a:xfrm>
-            <a:off x="1183041" y="4794343"/>
-            <a:ext cx="645459" cy="369328"/>
+            <a:off x="1139280" y="1017427"/>
+            <a:ext cx="10919369" cy="5194242"/>
           </a:xfrm>
           <a:prstGeom prst="rect">
             <a:avLst/>
@@ -3929,921 +3407,439 @@
           </a:bodyPr>
           <a:lstStyle/>
           <a:p>
-            <a:pPr algn="ctr"/>
-            <a:r>
-              <a:rPr lang="en-US" altLang="zh-TW" dirty="0"/>
+            <a:pPr marL="342900" indent="-342900">
+              <a:lnSpc>
+                <a:spcPct val="150000"/>
+              </a:lnSpc>
+              <a:buAutoNum type="arabicPeriod"/>
+            </a:pPr>
+            <a:r>
+              <a:rPr lang="zh-TW" altLang="en-US" sz="2800" dirty="0"/>
+              <a:t>初始設定無人機位置、車輛數</a:t>
+            </a:r>
+            <a:r>
+              <a:rPr lang="en-US" altLang="zh-TW" sz="2800" dirty="0"/>
+              <a:t>NUM</a:t>
+            </a:r>
+          </a:p>
+          <a:p>
+            <a:pPr marL="342900" indent="-342900">
+              <a:lnSpc>
+                <a:spcPct val="150000"/>
+              </a:lnSpc>
+              <a:buAutoNum type="arabicPeriod"/>
+            </a:pPr>
+            <a:r>
+              <a:rPr lang="zh-TW" altLang="en-US" sz="2800" dirty="0"/>
+              <a:t>創建</a:t>
+            </a:r>
+            <a:r>
+              <a:rPr lang="en-US" altLang="zh-TW" sz="2800" dirty="0" err="1"/>
+              <a:t>dataN</a:t>
+            </a:r>
+            <a:r>
+              <a:rPr lang="en-US" altLang="zh-TW" sz="2800" dirty="0"/>
+              <a:t>(</a:t>
+            </a:r>
+            <a:r>
+              <a:rPr lang="zh-TW" altLang="en-US" sz="2800" dirty="0"/>
+              <a:t>車輛資訊 </a:t>
+            </a:r>
+            <a:r>
+              <a:rPr lang="en-US" altLang="zh-TW" sz="2800" dirty="0"/>
+              <a:t>(</a:t>
+            </a:r>
+            <a:r>
+              <a:rPr lang="en-US" altLang="zh-TW" sz="2800" dirty="0" err="1"/>
+              <a:t>x,y,v</a:t>
+            </a:r>
+            <a:r>
+              <a:rPr lang="en-US" altLang="zh-TW" sz="2800" dirty="0"/>
+              <a:t>) )</a:t>
+            </a:r>
+          </a:p>
+          <a:p>
+            <a:pPr marL="342900" indent="-342900">
+              <a:lnSpc>
+                <a:spcPct val="150000"/>
+              </a:lnSpc>
+              <a:buFontTx/>
+              <a:buAutoNum type="arabicPeriod"/>
+            </a:pPr>
+            <a:r>
+              <a:rPr lang="zh-TW" altLang="en-US" sz="2800" dirty="0"/>
+              <a:t>找到</a:t>
+            </a:r>
+            <a:r>
+              <a:rPr lang="en-US" altLang="zh-TW" sz="2800" dirty="0" err="1"/>
+              <a:t>dataN</a:t>
+            </a:r>
+            <a:r>
+              <a:rPr lang="zh-TW" altLang="en-US" sz="2800" dirty="0"/>
+              <a:t>的 </a:t>
+            </a:r>
+            <a:r>
+              <a:rPr lang="en-US" altLang="zh-TW" sz="2800" dirty="0" err="1"/>
+              <a:t>Kmeans</a:t>
+            </a:r>
+            <a:r>
+              <a:rPr lang="zh-TW" altLang="en-US" sz="2800" dirty="0"/>
+              <a:t>中點座標</a:t>
+            </a:r>
+            <a:r>
+              <a:rPr lang="en-US" altLang="zh-TW" sz="2800" b="1" dirty="0" err="1"/>
+              <a:t>center_point</a:t>
+            </a:r>
+            <a:endParaRPr lang="en-US" altLang="zh-TW" sz="2800" b="1" dirty="0"/>
+          </a:p>
+          <a:p>
+            <a:pPr marL="342900" indent="-342900">
+              <a:lnSpc>
+                <a:spcPct val="150000"/>
+              </a:lnSpc>
+              <a:buFontTx/>
+              <a:buAutoNum type="arabicPeriod"/>
+            </a:pPr>
+            <a:r>
+              <a:rPr lang="zh-TW" altLang="en-US" sz="2800" dirty="0"/>
+              <a:t>計算</a:t>
+            </a:r>
+            <a:r>
+              <a:rPr lang="en-US" altLang="zh-TW" sz="2800" dirty="0"/>
               <a:t>UAV</a:t>
             </a:r>
-            <a:endParaRPr lang="zh-TW" altLang="en-US" dirty="0"/>
-          </a:p>
-        </p:txBody>
-      </p:sp>
-      <p:sp>
-        <p:nvSpPr>
-          <p:cNvPr id="31" name="橢圓 30">
-            <a:extLst>
-              <a:ext uri="{FF2B5EF4-FFF2-40B4-BE49-F238E27FC236}">
-                <a16:creationId xmlns:a16="http://schemas.microsoft.com/office/drawing/2014/main" id="{0D29F88F-5AED-1D24-43FC-8CE54CB45B09}"/>
-              </a:ext>
-            </a:extLst>
-          </p:cNvPr>
-          <p:cNvSpPr/>
-          <p:nvPr/>
-        </p:nvSpPr>
-        <p:spPr>
-          <a:xfrm>
-            <a:off x="3826707" y="5225535"/>
-            <a:ext cx="360435" cy="360435"/>
-          </a:xfrm>
-          <a:prstGeom prst="ellipse">
-            <a:avLst/>
-          </a:prstGeom>
-        </p:spPr>
-        <p:style>
-          <a:lnRef idx="2">
-            <a:schemeClr val="accent4">
-              <a:shade val="15000"/>
-            </a:schemeClr>
-          </a:lnRef>
-          <a:fillRef idx="1">
-            <a:schemeClr val="accent4"/>
-          </a:fillRef>
-          <a:effectRef idx="0">
-            <a:schemeClr val="accent4"/>
-          </a:effectRef>
-          <a:fontRef idx="minor">
-            <a:schemeClr val="lt1"/>
-          </a:fontRef>
-        </p:style>
-        <p:txBody>
-          <a:bodyPr rtlCol="0" anchor="ctr"/>
-          <a:lstStyle/>
-          <a:p>
-            <a:pPr algn="ctr"/>
-            <a:endParaRPr lang="zh-TW" altLang="en-US" dirty="0"/>
-          </a:p>
-        </p:txBody>
-      </p:sp>
-      <p:sp>
-        <p:nvSpPr>
-          <p:cNvPr id="33" name="文字方塊 32">
-            <a:extLst>
-              <a:ext uri="{FF2B5EF4-FFF2-40B4-BE49-F238E27FC236}">
-                <a16:creationId xmlns:a16="http://schemas.microsoft.com/office/drawing/2014/main" id="{735159E0-1D22-A25C-A7A9-D0776D790E3F}"/>
-              </a:ext>
-            </a:extLst>
-          </p:cNvPr>
-          <p:cNvSpPr txBox="1"/>
-          <p:nvPr/>
-        </p:nvSpPr>
-        <p:spPr>
-          <a:xfrm>
-            <a:off x="3612776" y="4767003"/>
-            <a:ext cx="1070059" cy="369332"/>
-          </a:xfrm>
-          <a:prstGeom prst="rect">
-            <a:avLst/>
-          </a:prstGeom>
-          <a:noFill/>
-        </p:spPr>
-        <p:txBody>
-          <a:bodyPr wrap="square">
-            <a:spAutoFit/>
-          </a:bodyPr>
-          <a:lstStyle/>
-          <a:p>
-            <a:r>
-              <a:rPr lang="en-US" altLang="zh-TW" dirty="0"/>
-              <a:t>Target(Lt</a:t>
-            </a:r>
-            <a:r>
-              <a:rPr lang="zh-TW" altLang="en-US" dirty="0"/>
+            <a:r>
+              <a:rPr lang="zh-TW" altLang="en-US" sz="2800" dirty="0"/>
+              <a:t>到</a:t>
+            </a:r>
+            <a:r>
+              <a:rPr lang="en-US" altLang="zh-TW" sz="2800" dirty="0" err="1"/>
+              <a:t>center_point</a:t>
+            </a:r>
+            <a:r>
+              <a:rPr lang="zh-TW" altLang="en-US" sz="2800" dirty="0"/>
+              <a:t> 的距離 </a:t>
+            </a:r>
+            <a:r>
+              <a:rPr lang="en-US" altLang="zh-TW" sz="2800" dirty="0"/>
+              <a:t>d</a:t>
+            </a:r>
+          </a:p>
+          <a:p>
+            <a:pPr marL="342900" indent="-342900">
+              <a:lnSpc>
+                <a:spcPct val="150000"/>
+              </a:lnSpc>
+              <a:buFontTx/>
+              <a:buAutoNum type="arabicPeriod"/>
+            </a:pPr>
+            <a:r>
+              <a:rPr lang="zh-TW" altLang="en-US" sz="2800" dirty="0"/>
+              <a:t>計算無人機飛行至</a:t>
+            </a:r>
+            <a:r>
+              <a:rPr lang="en-US" altLang="zh-TW" sz="2800" dirty="0" err="1"/>
+              <a:t>center_point</a:t>
+            </a:r>
+            <a:r>
+              <a:rPr lang="zh-TW" altLang="en-US" sz="2800" dirty="0"/>
+              <a:t>的時間 </a:t>
+            </a:r>
+            <a:r>
+              <a:rPr lang="en-US" altLang="zh-TW" sz="2800" dirty="0"/>
+              <a:t>t</a:t>
+            </a:r>
+          </a:p>
+          <a:p>
+            <a:pPr marL="342900" indent="-342900">
+              <a:lnSpc>
+                <a:spcPct val="150000"/>
+              </a:lnSpc>
+              <a:buFontTx/>
+              <a:buAutoNum type="arabicPeriod"/>
+            </a:pPr>
+            <a:r>
+              <a:rPr lang="zh-TW" altLang="en-US" sz="2800" dirty="0"/>
+              <a:t>實際情形中，經過時間</a:t>
+            </a:r>
+            <a:r>
+              <a:rPr lang="en-US" altLang="zh-TW" sz="2800" dirty="0"/>
+              <a:t>t</a:t>
+            </a:r>
+            <a:r>
+              <a:rPr lang="zh-TW" altLang="en-US" sz="2800" dirty="0"/>
+              <a:t>秒後，無人機飛行至</a:t>
+            </a:r>
+            <a:r>
+              <a:rPr lang="en-US" altLang="zh-TW" sz="2800" dirty="0" err="1"/>
+              <a:t>center_point</a:t>
+            </a:r>
+            <a:r>
+              <a:rPr lang="en-US" altLang="zh-TW" sz="2800" dirty="0"/>
               <a:t> </a:t>
             </a:r>
             <a:r>
-              <a:rPr lang="en-US" altLang="zh-TW" dirty="0"/>
-              <a:t>)</a:t>
-            </a:r>
-          </a:p>
-        </p:txBody>
-      </p:sp>
-      <p:sp>
-        <p:nvSpPr>
-          <p:cNvPr id="34" name="文字方塊 33">
-            <a:extLst>
-              <a:ext uri="{FF2B5EF4-FFF2-40B4-BE49-F238E27FC236}">
-                <a16:creationId xmlns:a16="http://schemas.microsoft.com/office/drawing/2014/main" id="{DE13AFD2-2E0B-B44C-486D-24E89CE4095D}"/>
-              </a:ext>
-            </a:extLst>
-          </p:cNvPr>
-          <p:cNvSpPr txBox="1"/>
-          <p:nvPr/>
-        </p:nvSpPr>
-        <p:spPr>
-          <a:xfrm>
-            <a:off x="5847625" y="2779058"/>
-            <a:ext cx="4209885" cy="1754326"/>
-          </a:xfrm>
-          <a:prstGeom prst="rect">
-            <a:avLst/>
-          </a:prstGeom>
-          <a:noFill/>
-        </p:spPr>
-        <p:txBody>
-          <a:bodyPr wrap="square" rtlCol="0">
-            <a:spAutoFit/>
-          </a:bodyPr>
-          <a:lstStyle/>
-          <a:p>
-            <a:r>
-              <a:rPr lang="zh-TW" altLang="en-US" dirty="0"/>
-              <a:t>無人機接收到</a:t>
-            </a:r>
-            <a:r>
-              <a:rPr lang="en-US" altLang="zh-TW" dirty="0"/>
-              <a:t>Target</a:t>
-            </a:r>
-            <a:r>
-              <a:rPr lang="zh-TW" altLang="en-US" dirty="0"/>
-              <a:t>時</a:t>
-            </a:r>
-            <a:r>
-              <a:rPr lang="en-US" altLang="zh-TW" dirty="0"/>
-              <a:t>(Lt)</a:t>
-            </a:r>
-            <a:r>
-              <a:rPr lang="zh-TW" altLang="en-US" dirty="0"/>
-              <a:t>，車輛又已經移動△</a:t>
-            </a:r>
-            <a:r>
-              <a:rPr lang="en-US" altLang="zh-TW" dirty="0"/>
-              <a:t>T</a:t>
-            </a:r>
-            <a:r>
-              <a:rPr lang="zh-TW" altLang="en-US" dirty="0"/>
-              <a:t>的時間，故讓</a:t>
-            </a:r>
-            <a:r>
-              <a:rPr lang="en-US" altLang="zh-TW" dirty="0"/>
-              <a:t>UAV</a:t>
-            </a:r>
-            <a:r>
-              <a:rPr lang="zh-TW" altLang="en-US" dirty="0"/>
-              <a:t>多移動</a:t>
-            </a:r>
-            <a:r>
-              <a:rPr lang="en-US" altLang="zh-TW" dirty="0" err="1"/>
-              <a:t>Vuav</a:t>
-            </a:r>
-            <a:r>
-              <a:rPr lang="zh-TW" altLang="en-US" dirty="0"/>
-              <a:t>* △</a:t>
-            </a:r>
-            <a:r>
-              <a:rPr lang="en-US" altLang="zh-TW" dirty="0"/>
-              <a:t>T</a:t>
-            </a:r>
-            <a:r>
-              <a:rPr lang="zh-TW" altLang="en-US" dirty="0"/>
+              <a:rPr lang="zh-TW" altLang="en-US" sz="2800" dirty="0"/>
+              <a:t>，但因經過</a:t>
+            </a:r>
+            <a:r>
+              <a:rPr lang="en-US" altLang="zh-TW" sz="2800" dirty="0"/>
+              <a:t>t</a:t>
+            </a:r>
+            <a:r>
+              <a:rPr lang="zh-TW" altLang="en-US" sz="2800" dirty="0"/>
+              <a:t>秒，</a:t>
+            </a:r>
+            <a:r>
+              <a:rPr lang="en-US" altLang="zh-TW" sz="2800" dirty="0" err="1"/>
+              <a:t>dataN</a:t>
+            </a:r>
+            <a:r>
+              <a:rPr lang="zh-TW" altLang="en-US" sz="2800" dirty="0"/>
+              <a:t>已移動</a:t>
+            </a:r>
+            <a:r>
+              <a:rPr lang="en-US" altLang="zh-TW" sz="2800" dirty="0"/>
+              <a:t>t</a:t>
+            </a:r>
+            <a:r>
+              <a:rPr lang="zh-TW" altLang="en-US" sz="2800" dirty="0"/>
+              <a:t>秒，有計算新的</a:t>
+            </a:r>
+            <a:r>
+              <a:rPr lang="en-US" altLang="zh-TW" sz="2800" dirty="0" err="1"/>
+              <a:t>Kmeans</a:t>
+            </a:r>
+            <a:r>
+              <a:rPr lang="zh-TW" altLang="en-US" sz="2800" dirty="0"/>
+              <a:t>中點座標 </a:t>
+            </a:r>
+            <a:r>
+              <a:rPr lang="en-US" altLang="zh-TW" sz="2800" b="1" dirty="0" err="1"/>
+              <a:t>New_center</a:t>
+            </a:r>
+            <a:endParaRPr lang="en-US" altLang="zh-TW" sz="2800" b="1" dirty="0"/>
+          </a:p>
+          <a:p>
+            <a:pPr marL="342900" indent="-342900">
+              <a:lnSpc>
+                <a:spcPct val="150000"/>
+              </a:lnSpc>
+              <a:buFontTx/>
+              <a:buAutoNum type="arabicPeriod"/>
+            </a:pPr>
+            <a:r>
+              <a:rPr lang="zh-TW" altLang="en-US" sz="2800" b="1" dirty="0"/>
+              <a:t>計算初始</a:t>
+            </a:r>
+            <a:r>
+              <a:rPr lang="en-US" altLang="zh-TW" sz="2800" b="1" dirty="0" err="1"/>
+              <a:t>center_point</a:t>
+            </a:r>
+            <a:r>
+              <a:rPr lang="en-US" altLang="zh-TW" sz="2800" b="1" dirty="0"/>
+              <a:t> </a:t>
+            </a:r>
+            <a:r>
+              <a:rPr lang="zh-TW" altLang="en-US" sz="2800" b="1" dirty="0"/>
+              <a:t>及</a:t>
+            </a:r>
+            <a:r>
+              <a:rPr lang="en-US" altLang="zh-TW" sz="2800" b="1" dirty="0" err="1"/>
+              <a:t>New_center</a:t>
+            </a:r>
+            <a:r>
+              <a:rPr lang="zh-TW" altLang="en-US" sz="2800" b="1" dirty="0"/>
               <a:t>的距離</a:t>
             </a:r>
-            <a:r>
-              <a:rPr lang="en-US" altLang="zh-TW" dirty="0"/>
-              <a:t>(Lt+</a:t>
-            </a:r>
-            <a:r>
-              <a:rPr lang="zh-TW" altLang="en-US" dirty="0"/>
-              <a:t>△</a:t>
-            </a:r>
-            <a:r>
-              <a:rPr lang="en-US" altLang="zh-TW" dirty="0"/>
-              <a:t>T</a:t>
-            </a:r>
-            <a:r>
-              <a:rPr lang="zh-TW" altLang="en-US" dirty="0"/>
-              <a:t> </a:t>
-            </a:r>
-            <a:r>
-              <a:rPr lang="en-US" altLang="zh-TW" dirty="0"/>
-              <a:t>)</a:t>
-            </a:r>
-            <a:r>
-              <a:rPr lang="zh-TW" altLang="en-US" dirty="0"/>
-              <a:t>，但</a:t>
-            </a:r>
-            <a:r>
-              <a:rPr lang="en-US" altLang="zh-TW" dirty="0"/>
-              <a:t>UAV</a:t>
-            </a:r>
-            <a:r>
-              <a:rPr lang="zh-TW" altLang="en-US" dirty="0"/>
-              <a:t>飛行至</a:t>
-            </a:r>
-            <a:r>
-              <a:rPr lang="en-US" altLang="zh-TW" dirty="0"/>
-              <a:t>(Lt+</a:t>
-            </a:r>
-            <a:r>
-              <a:rPr lang="zh-TW" altLang="en-US" dirty="0"/>
-              <a:t>△</a:t>
-            </a:r>
-            <a:r>
-              <a:rPr lang="en-US" altLang="zh-TW" dirty="0"/>
-              <a:t>T</a:t>
-            </a:r>
-            <a:r>
-              <a:rPr lang="zh-TW" altLang="en-US" dirty="0"/>
-              <a:t> </a:t>
-            </a:r>
-            <a:r>
-              <a:rPr lang="en-US" altLang="zh-TW" dirty="0"/>
-              <a:t>)</a:t>
-            </a:r>
-            <a:r>
-              <a:rPr lang="zh-TW" altLang="en-US" dirty="0"/>
-              <a:t>的時間，設為</a:t>
-            </a:r>
-            <a:r>
-              <a:rPr lang="en-US" altLang="zh-TW" dirty="0"/>
-              <a:t>δ </a:t>
-            </a:r>
-            <a:r>
-              <a:rPr lang="zh-TW" altLang="en-US" dirty="0"/>
-              <a:t>，無人機接收到的一棟的座標為</a:t>
-            </a:r>
-            <a:r>
-              <a:rPr lang="en-US" altLang="zh-TW" dirty="0"/>
-              <a:t>Lt+</a:t>
-            </a:r>
-            <a:r>
-              <a:rPr lang="zh-TW" altLang="en-US" dirty="0"/>
-              <a:t>△</a:t>
-            </a:r>
-            <a:r>
-              <a:rPr lang="en-US" altLang="zh-TW" dirty="0" err="1"/>
-              <a:t>T+δ</a:t>
-            </a:r>
-            <a:r>
-              <a:rPr lang="zh-TW" altLang="en-US" dirty="0"/>
-              <a:t>，</a:t>
-            </a:r>
-            <a:endParaRPr lang="en-US" altLang="zh-TW" dirty="0"/>
-          </a:p>
-          <a:p>
-            <a:r>
-              <a:rPr lang="zh-TW" altLang="en-US" dirty="0"/>
-              <a:t>令</a:t>
-            </a:r>
-            <a:r>
-              <a:rPr lang="en-US" altLang="zh-TW" dirty="0"/>
-              <a:t>δ</a:t>
-            </a:r>
-            <a:r>
-              <a:rPr lang="zh-TW" altLang="en-US" dirty="0"/>
-              <a:t>為一變數，</a:t>
-            </a:r>
-          </a:p>
-        </p:txBody>
-      </p:sp>
-      <p:sp>
-        <p:nvSpPr>
-          <p:cNvPr id="35" name="文字方塊 34">
-            <a:extLst>
-              <a:ext uri="{FF2B5EF4-FFF2-40B4-BE49-F238E27FC236}">
-                <a16:creationId xmlns:a16="http://schemas.microsoft.com/office/drawing/2014/main" id="{E0FDF1FA-3153-A9A1-C186-7B4AAA8CB243}"/>
-              </a:ext>
-            </a:extLst>
-          </p:cNvPr>
-          <p:cNvSpPr txBox="1"/>
-          <p:nvPr/>
-        </p:nvSpPr>
-        <p:spPr>
-          <a:xfrm>
-            <a:off x="5863028" y="1402086"/>
-            <a:ext cx="2854179" cy="923330"/>
-          </a:xfrm>
-          <a:prstGeom prst="rect">
-            <a:avLst/>
-          </a:prstGeom>
-          <a:noFill/>
-        </p:spPr>
-        <p:txBody>
-          <a:bodyPr wrap="none" rtlCol="0">
-            <a:spAutoFit/>
-          </a:bodyPr>
-          <a:lstStyle/>
-          <a:p>
-            <a:r>
-              <a:rPr lang="en-US" altLang="zh-TW" dirty="0"/>
-              <a:t>Lt</a:t>
-            </a:r>
-            <a:r>
-              <a:rPr lang="zh-TW" altLang="en-US" dirty="0"/>
-              <a:t> </a:t>
-            </a:r>
-            <a:r>
-              <a:rPr lang="en-US" altLang="zh-TW" dirty="0"/>
-              <a:t>(Target</a:t>
-            </a:r>
-            <a:r>
-              <a:rPr lang="zh-TW" altLang="en-US" dirty="0"/>
-              <a:t>點</a:t>
-            </a:r>
-            <a:r>
-              <a:rPr lang="en-US" altLang="zh-TW" dirty="0"/>
-              <a:t>)</a:t>
-            </a:r>
-          </a:p>
-          <a:p>
-            <a:r>
-              <a:rPr lang="en-US" altLang="zh-TW" dirty="0"/>
-              <a:t>Lt+</a:t>
-            </a:r>
-            <a:r>
-              <a:rPr lang="zh-TW" altLang="en-US" dirty="0"/>
-              <a:t>△</a:t>
-            </a:r>
-            <a:r>
-              <a:rPr lang="en-US" altLang="zh-TW" dirty="0"/>
-              <a:t>T</a:t>
-            </a:r>
-            <a:r>
-              <a:rPr lang="zh-TW" altLang="en-US" dirty="0"/>
-              <a:t> </a:t>
-            </a:r>
-            <a:r>
-              <a:rPr lang="en-US" altLang="zh-TW" dirty="0"/>
-              <a:t>(</a:t>
-            </a:r>
-            <a:r>
-              <a:rPr lang="zh-TW" altLang="en-US" dirty="0"/>
-              <a:t>包含訊息傳遞時間</a:t>
-            </a:r>
-            <a:r>
-              <a:rPr lang="en-US" altLang="zh-TW" dirty="0"/>
-              <a:t>)</a:t>
-            </a:r>
-          </a:p>
-          <a:p>
-            <a:r>
-              <a:rPr lang="en-US" altLang="zh-TW" dirty="0"/>
-              <a:t>Lt+</a:t>
-            </a:r>
-            <a:r>
-              <a:rPr lang="zh-TW" altLang="en-US" dirty="0"/>
-              <a:t>△</a:t>
-            </a:r>
-            <a:r>
-              <a:rPr lang="en-US" altLang="zh-TW" dirty="0" err="1"/>
-              <a:t>T+δ</a:t>
-            </a:r>
-            <a:endParaRPr lang="en-US" altLang="zh-TW" dirty="0"/>
-          </a:p>
-        </p:txBody>
-      </p:sp>
-      <p:sp>
-        <p:nvSpPr>
-          <p:cNvPr id="38" name="文字方塊 37">
-            <a:extLst>
-              <a:ext uri="{FF2B5EF4-FFF2-40B4-BE49-F238E27FC236}">
-                <a16:creationId xmlns:a16="http://schemas.microsoft.com/office/drawing/2014/main" id="{E8C7AC31-B588-D294-90A3-7662B83D9F48}"/>
-              </a:ext>
-            </a:extLst>
-          </p:cNvPr>
-          <p:cNvSpPr txBox="1"/>
-          <p:nvPr/>
-        </p:nvSpPr>
-        <p:spPr>
-          <a:xfrm>
-            <a:off x="2384332" y="5419875"/>
-            <a:ext cx="544020" cy="367018"/>
-          </a:xfrm>
-          <a:prstGeom prst="rect">
-            <a:avLst/>
-          </a:prstGeom>
-          <a:noFill/>
-        </p:spPr>
-        <p:txBody>
-          <a:bodyPr wrap="square">
-            <a:spAutoFit/>
-          </a:bodyPr>
-          <a:lstStyle/>
-          <a:p>
-            <a:r>
-              <a:rPr lang="en-US" altLang="zh-TW" dirty="0"/>
-              <a:t>t</a:t>
-            </a:r>
-            <a:endParaRPr lang="zh-TW" altLang="en-US" dirty="0"/>
-          </a:p>
-        </p:txBody>
-      </p:sp>
-      <p:sp>
-        <p:nvSpPr>
-          <p:cNvPr id="39" name="橢圓 38">
-            <a:extLst>
-              <a:ext uri="{FF2B5EF4-FFF2-40B4-BE49-F238E27FC236}">
-                <a16:creationId xmlns:a16="http://schemas.microsoft.com/office/drawing/2014/main" id="{63B42238-B269-12BC-6B69-83867B0DCA52}"/>
-              </a:ext>
-            </a:extLst>
-          </p:cNvPr>
-          <p:cNvSpPr/>
-          <p:nvPr/>
-        </p:nvSpPr>
-        <p:spPr>
-          <a:xfrm>
-            <a:off x="6685361" y="5225234"/>
-            <a:ext cx="360435" cy="360435"/>
-          </a:xfrm>
-          <a:prstGeom prst="ellipse">
-            <a:avLst/>
-          </a:prstGeom>
-        </p:spPr>
-        <p:style>
-          <a:lnRef idx="2">
-            <a:schemeClr val="accent4">
-              <a:shade val="15000"/>
-            </a:schemeClr>
-          </a:lnRef>
-          <a:fillRef idx="1">
-            <a:schemeClr val="accent4"/>
-          </a:fillRef>
-          <a:effectRef idx="0">
-            <a:schemeClr val="accent4"/>
-          </a:effectRef>
-          <a:fontRef idx="minor">
-            <a:schemeClr val="lt1"/>
-          </a:fontRef>
-        </p:style>
-        <p:txBody>
-          <a:bodyPr rtlCol="0" anchor="ctr"/>
-          <a:lstStyle/>
-          <a:p>
-            <a:pPr algn="ctr"/>
-            <a:endParaRPr lang="zh-TW" altLang="en-US"/>
-          </a:p>
-        </p:txBody>
-      </p:sp>
-      <p:sp>
-        <p:nvSpPr>
-          <p:cNvPr id="41" name="文字方塊 40">
-            <a:extLst>
-              <a:ext uri="{FF2B5EF4-FFF2-40B4-BE49-F238E27FC236}">
-                <a16:creationId xmlns:a16="http://schemas.microsoft.com/office/drawing/2014/main" id="{70BDED64-BE70-F4F3-8641-0C3CB68B423A}"/>
-              </a:ext>
-            </a:extLst>
-          </p:cNvPr>
-          <p:cNvSpPr txBox="1"/>
-          <p:nvPr/>
-        </p:nvSpPr>
-        <p:spPr>
-          <a:xfrm>
-            <a:off x="6519678" y="4776815"/>
-            <a:ext cx="914782" cy="369332"/>
-          </a:xfrm>
-          <a:prstGeom prst="rect">
-            <a:avLst/>
-          </a:prstGeom>
-          <a:noFill/>
-        </p:spPr>
-        <p:txBody>
-          <a:bodyPr wrap="square">
-            <a:spAutoFit/>
-          </a:bodyPr>
-          <a:lstStyle/>
-          <a:p>
-            <a:r>
-              <a:rPr lang="en-US" altLang="zh-TW" dirty="0"/>
-              <a:t>Lt+</a:t>
-            </a:r>
-            <a:r>
-              <a:rPr lang="zh-TW" altLang="en-US" dirty="0"/>
-              <a:t>△</a:t>
-            </a:r>
-            <a:r>
-              <a:rPr lang="en-US" altLang="zh-TW" dirty="0"/>
-              <a:t>T</a:t>
-            </a:r>
-            <a:r>
-              <a:rPr lang="zh-TW" altLang="en-US" dirty="0"/>
-              <a:t> </a:t>
-            </a:r>
-          </a:p>
-        </p:txBody>
-      </p:sp>
-      <p:sp>
-        <p:nvSpPr>
-          <p:cNvPr id="45" name="文字方塊 44">
-            <a:extLst>
-              <a:ext uri="{FF2B5EF4-FFF2-40B4-BE49-F238E27FC236}">
-                <a16:creationId xmlns:a16="http://schemas.microsoft.com/office/drawing/2014/main" id="{A84EE50D-CBA7-95C9-4202-ECCCA9AE3C65}"/>
-              </a:ext>
-            </a:extLst>
-          </p:cNvPr>
-          <p:cNvSpPr txBox="1"/>
-          <p:nvPr/>
-        </p:nvSpPr>
-        <p:spPr>
-          <a:xfrm>
-            <a:off x="3048000" y="3246643"/>
-            <a:ext cx="6096000" cy="369332"/>
-          </a:xfrm>
-          <a:prstGeom prst="rect">
-            <a:avLst/>
-          </a:prstGeom>
-          <a:noFill/>
-        </p:spPr>
-        <p:txBody>
-          <a:bodyPr wrap="square">
-            <a:spAutoFit/>
-          </a:bodyPr>
-          <a:lstStyle/>
-          <a:p>
-            <a:r>
-              <a:rPr lang="zh-TW" altLang="en-US" dirty="0"/>
-              <a:t>△</a:t>
-            </a:r>
-            <a:r>
-              <a:rPr lang="en-US" altLang="zh-TW" dirty="0"/>
-              <a:t>T</a:t>
-            </a:r>
-            <a:r>
-              <a:rPr lang="zh-TW" altLang="en-US" dirty="0"/>
-              <a:t> </a:t>
-            </a:r>
-          </a:p>
-        </p:txBody>
-      </p:sp>
-      <p:sp>
-        <p:nvSpPr>
-          <p:cNvPr id="46" name="文字方塊 45">
-            <a:extLst>
-              <a:ext uri="{FF2B5EF4-FFF2-40B4-BE49-F238E27FC236}">
-                <a16:creationId xmlns:a16="http://schemas.microsoft.com/office/drawing/2014/main" id="{EBB4FFCA-06C6-B6B5-34E4-19BDE657E910}"/>
-              </a:ext>
-            </a:extLst>
-          </p:cNvPr>
-          <p:cNvSpPr txBox="1"/>
-          <p:nvPr/>
-        </p:nvSpPr>
-        <p:spPr>
-          <a:xfrm>
-            <a:off x="5273508" y="5419875"/>
-            <a:ext cx="544020" cy="367018"/>
-          </a:xfrm>
-          <a:prstGeom prst="rect">
-            <a:avLst/>
-          </a:prstGeom>
-          <a:noFill/>
-        </p:spPr>
-        <p:txBody>
-          <a:bodyPr wrap="square">
-            <a:spAutoFit/>
-          </a:bodyPr>
-          <a:lstStyle/>
-          <a:p>
-            <a:r>
-              <a:rPr lang="zh-TW" altLang="en-US" dirty="0"/>
-              <a:t>△</a:t>
-            </a:r>
-            <a:r>
-              <a:rPr lang="en-US" altLang="zh-TW" dirty="0"/>
-              <a:t>T</a:t>
-            </a:r>
-            <a:endParaRPr lang="zh-TW" altLang="en-US" dirty="0"/>
-          </a:p>
-        </p:txBody>
-      </p:sp>
-      <p:sp>
-        <p:nvSpPr>
-          <p:cNvPr id="47" name="橢圓 46">
-            <a:extLst>
-              <a:ext uri="{FF2B5EF4-FFF2-40B4-BE49-F238E27FC236}">
-                <a16:creationId xmlns:a16="http://schemas.microsoft.com/office/drawing/2014/main" id="{E2F4D7C6-56F4-32A4-A4A9-FF317B1FC253}"/>
-              </a:ext>
-            </a:extLst>
-          </p:cNvPr>
-          <p:cNvSpPr/>
-          <p:nvPr/>
-        </p:nvSpPr>
-        <p:spPr>
-          <a:xfrm>
-            <a:off x="9807668" y="5163671"/>
-            <a:ext cx="360435" cy="360435"/>
-          </a:xfrm>
-          <a:prstGeom prst="ellipse">
-            <a:avLst/>
-          </a:prstGeom>
-        </p:spPr>
-        <p:style>
-          <a:lnRef idx="2">
-            <a:schemeClr val="accent4">
-              <a:shade val="15000"/>
-            </a:schemeClr>
-          </a:lnRef>
-          <a:fillRef idx="1">
-            <a:schemeClr val="accent4"/>
-          </a:fillRef>
-          <a:effectRef idx="0">
-            <a:schemeClr val="accent4"/>
-          </a:effectRef>
-          <a:fontRef idx="minor">
-            <a:schemeClr val="lt1"/>
-          </a:fontRef>
-        </p:style>
-        <p:txBody>
-          <a:bodyPr rtlCol="0" anchor="ctr"/>
-          <a:lstStyle/>
-          <a:p>
-            <a:pPr algn="ctr"/>
-            <a:endParaRPr lang="zh-TW" altLang="en-US"/>
-          </a:p>
-        </p:txBody>
-      </p:sp>
-      <p:sp>
-        <p:nvSpPr>
-          <p:cNvPr id="49" name="文字方塊 48">
-            <a:extLst>
-              <a:ext uri="{FF2B5EF4-FFF2-40B4-BE49-F238E27FC236}">
-                <a16:creationId xmlns:a16="http://schemas.microsoft.com/office/drawing/2014/main" id="{BDB4652A-6F66-9EDB-1B62-57C77D564B1F}"/>
-              </a:ext>
-            </a:extLst>
-          </p:cNvPr>
-          <p:cNvSpPr txBox="1"/>
-          <p:nvPr/>
-        </p:nvSpPr>
-        <p:spPr>
-          <a:xfrm>
-            <a:off x="7952567" y="5463727"/>
-            <a:ext cx="1785048" cy="646331"/>
-          </a:xfrm>
-          <a:prstGeom prst="rect">
-            <a:avLst/>
-          </a:prstGeom>
-          <a:noFill/>
-        </p:spPr>
-        <p:txBody>
-          <a:bodyPr wrap="square">
-            <a:spAutoFit/>
-          </a:bodyPr>
-          <a:lstStyle/>
-          <a:p>
-            <a:r>
-              <a:rPr lang="en-US" altLang="zh-TW" dirty="0"/>
-              <a:t>δ=</a:t>
-            </a:r>
-            <a:r>
-              <a:rPr lang="zh-TW" altLang="en-US" dirty="0"/>
-              <a:t> </a:t>
-            </a:r>
-            <a:r>
-              <a:rPr lang="en-US" altLang="zh-TW" dirty="0"/>
-              <a:t>1,2,3…. δ </a:t>
-            </a:r>
-            <a:endParaRPr lang="zh-TW" altLang="en-US" dirty="0"/>
-          </a:p>
-          <a:p>
-            <a:r>
-              <a:rPr lang="en-US" altLang="zh-TW" dirty="0"/>
-              <a:t> </a:t>
-            </a:r>
-            <a:endParaRPr lang="zh-TW" altLang="en-US" dirty="0"/>
-          </a:p>
-        </p:txBody>
-      </p:sp>
-      <p:sp>
-        <p:nvSpPr>
-          <p:cNvPr id="50" name="文字方塊 49">
-            <a:extLst>
-              <a:ext uri="{FF2B5EF4-FFF2-40B4-BE49-F238E27FC236}">
-                <a16:creationId xmlns:a16="http://schemas.microsoft.com/office/drawing/2014/main" id="{FE9B9538-DEC4-DC71-285F-FE187A45CDE5}"/>
-              </a:ext>
-            </a:extLst>
-          </p:cNvPr>
-          <p:cNvSpPr txBox="1"/>
-          <p:nvPr/>
-        </p:nvSpPr>
-        <p:spPr>
-          <a:xfrm>
-            <a:off x="9461459" y="4789010"/>
-            <a:ext cx="1547200" cy="369332"/>
-          </a:xfrm>
-          <a:prstGeom prst="rect">
-            <a:avLst/>
-          </a:prstGeom>
-          <a:noFill/>
-        </p:spPr>
-        <p:txBody>
-          <a:bodyPr wrap="square">
-            <a:spAutoFit/>
-          </a:bodyPr>
-          <a:lstStyle/>
-          <a:p>
-            <a:r>
-              <a:rPr lang="en-US" altLang="zh-TW" dirty="0"/>
-              <a:t>L(t+</a:t>
-            </a:r>
-            <a:r>
-              <a:rPr lang="zh-TW" altLang="en-US" dirty="0"/>
-              <a:t>△</a:t>
-            </a:r>
-            <a:r>
-              <a:rPr lang="en-US" altLang="zh-TW" dirty="0" err="1"/>
-              <a:t>T+δ</a:t>
-            </a:r>
-            <a:r>
-              <a:rPr lang="en-US" altLang="zh-TW" dirty="0"/>
-              <a:t>) </a:t>
-            </a:r>
-            <a:endParaRPr lang="zh-TW" altLang="en-US" dirty="0"/>
-          </a:p>
-        </p:txBody>
-      </p:sp>
-      <p:sp>
-        <p:nvSpPr>
-          <p:cNvPr id="52" name="文字方塊 51">
-            <a:extLst>
-              <a:ext uri="{FF2B5EF4-FFF2-40B4-BE49-F238E27FC236}">
-                <a16:creationId xmlns:a16="http://schemas.microsoft.com/office/drawing/2014/main" id="{ED6534AB-F8EC-7D55-6DF5-2DDF63484EA4}"/>
-              </a:ext>
-            </a:extLst>
-          </p:cNvPr>
-          <p:cNvSpPr txBox="1"/>
-          <p:nvPr/>
-        </p:nvSpPr>
-        <p:spPr>
-          <a:xfrm>
-            <a:off x="6413459" y="5969121"/>
-            <a:ext cx="6096000" cy="523220"/>
-          </a:xfrm>
-          <a:prstGeom prst="rect">
-            <a:avLst/>
-          </a:prstGeom>
-          <a:noFill/>
-        </p:spPr>
-        <p:txBody>
-          <a:bodyPr wrap="square">
-            <a:spAutoFit/>
-          </a:bodyPr>
-          <a:lstStyle/>
-          <a:p>
-            <a:r>
-              <a:rPr lang="en-US" altLang="zh-TW" sz="2800" dirty="0" err="1"/>
-              <a:t>dδ</a:t>
-            </a:r>
-            <a:r>
-              <a:rPr lang="en-US" altLang="zh-TW" sz="2800" dirty="0"/>
-              <a:t>/</a:t>
-            </a:r>
-            <a:r>
-              <a:rPr lang="en-US" altLang="zh-TW" sz="2800" dirty="0" err="1"/>
-              <a:t>Vuav</a:t>
-            </a:r>
-            <a:r>
-              <a:rPr lang="en-US" altLang="zh-TW" sz="2800" dirty="0"/>
-              <a:t> &lt;= δ</a:t>
-            </a:r>
-            <a:endParaRPr lang="zh-TW" altLang="en-US" sz="2800" dirty="0"/>
-          </a:p>
-        </p:txBody>
-      </p:sp>
-      <p:sp>
-        <p:nvSpPr>
-          <p:cNvPr id="53" name="矩形 52">
-            <a:extLst>
-              <a:ext uri="{FF2B5EF4-FFF2-40B4-BE49-F238E27FC236}">
-                <a16:creationId xmlns:a16="http://schemas.microsoft.com/office/drawing/2014/main" id="{0E1AD623-72AA-A1E8-300F-E673771ED30C}"/>
-              </a:ext>
-            </a:extLst>
-          </p:cNvPr>
-          <p:cNvSpPr/>
-          <p:nvPr/>
-        </p:nvSpPr>
-        <p:spPr>
-          <a:xfrm>
-            <a:off x="7434460" y="5185175"/>
-            <a:ext cx="109663" cy="403733"/>
-          </a:xfrm>
-          <a:prstGeom prst="rect">
-            <a:avLst/>
-          </a:prstGeom>
-        </p:spPr>
-        <p:style>
-          <a:lnRef idx="2">
-            <a:schemeClr val="accent1">
-              <a:shade val="15000"/>
-            </a:schemeClr>
-          </a:lnRef>
-          <a:fillRef idx="1">
-            <a:schemeClr val="accent1"/>
-          </a:fillRef>
-          <a:effectRef idx="0">
-            <a:schemeClr val="accent1"/>
-          </a:effectRef>
-          <a:fontRef idx="minor">
-            <a:schemeClr val="lt1"/>
-          </a:fontRef>
-        </p:style>
-        <p:txBody>
-          <a:bodyPr rtlCol="0" anchor="ctr"/>
-          <a:lstStyle/>
-          <a:p>
-            <a:pPr algn="ctr"/>
-            <a:endParaRPr lang="zh-TW" altLang="en-US"/>
-          </a:p>
-        </p:txBody>
-      </p:sp>
-      <p:sp>
-        <p:nvSpPr>
-          <p:cNvPr id="55" name="文字方塊 54">
-            <a:extLst>
-              <a:ext uri="{FF2B5EF4-FFF2-40B4-BE49-F238E27FC236}">
-                <a16:creationId xmlns:a16="http://schemas.microsoft.com/office/drawing/2014/main" id="{5AC32FE9-4EEE-131C-D48E-517296ED4E69}"/>
-              </a:ext>
-            </a:extLst>
-          </p:cNvPr>
-          <p:cNvSpPr txBox="1"/>
-          <p:nvPr/>
-        </p:nvSpPr>
-        <p:spPr>
-          <a:xfrm>
-            <a:off x="11276723" y="5554544"/>
-            <a:ext cx="401787" cy="400110"/>
-          </a:xfrm>
-          <a:prstGeom prst="rect">
-            <a:avLst/>
-          </a:prstGeom>
-          <a:noFill/>
-        </p:spPr>
-        <p:txBody>
-          <a:bodyPr wrap="square">
-            <a:spAutoFit/>
-          </a:bodyPr>
-          <a:lstStyle/>
-          <a:p>
-            <a:r>
-              <a:rPr lang="en-US" altLang="zh-TW" sz="2000" b="1" dirty="0">
-                <a:solidFill>
-                  <a:srgbClr val="FF0000"/>
-                </a:solidFill>
-              </a:rPr>
-              <a:t>δ</a:t>
-            </a:r>
-            <a:endParaRPr lang="zh-TW" altLang="en-US" sz="2000" b="1" dirty="0">
-              <a:solidFill>
-                <a:srgbClr val="FF0000"/>
-              </a:solidFill>
-            </a:endParaRPr>
-          </a:p>
-        </p:txBody>
-      </p:sp>
-      <p:sp>
-        <p:nvSpPr>
-          <p:cNvPr id="56" name="文字方塊 55">
-            <a:extLst>
-              <a:ext uri="{FF2B5EF4-FFF2-40B4-BE49-F238E27FC236}">
-                <a16:creationId xmlns:a16="http://schemas.microsoft.com/office/drawing/2014/main" id="{814D7BA3-79D5-2994-740E-15FAD041FDC8}"/>
-              </a:ext>
-            </a:extLst>
-          </p:cNvPr>
-          <p:cNvSpPr txBox="1"/>
-          <p:nvPr/>
-        </p:nvSpPr>
-        <p:spPr>
-          <a:xfrm>
-            <a:off x="7087504" y="5488428"/>
-            <a:ext cx="401787" cy="400110"/>
-          </a:xfrm>
-          <a:prstGeom prst="rect">
-            <a:avLst/>
-          </a:prstGeom>
-          <a:noFill/>
-        </p:spPr>
-        <p:txBody>
-          <a:bodyPr wrap="square">
-            <a:spAutoFit/>
-          </a:bodyPr>
-          <a:lstStyle/>
-          <a:p>
-            <a:r>
-              <a:rPr lang="en-US" altLang="zh-TW" sz="2000" b="1" dirty="0">
-                <a:solidFill>
-                  <a:srgbClr val="FF0000"/>
-                </a:solidFill>
-              </a:rPr>
-              <a:t>1</a:t>
-            </a:r>
-            <a:endParaRPr lang="zh-TW" altLang="en-US" sz="2000" b="1" dirty="0">
-              <a:solidFill>
-                <a:srgbClr val="FF0000"/>
-              </a:solidFill>
-            </a:endParaRPr>
+            <a:endParaRPr lang="en-US" altLang="zh-TW" sz="2800" b="1" dirty="0"/>
           </a:p>
         </p:txBody>
       </p:sp>
     </p:spTree>
     <p:extLst>
       <p:ext uri="{BB962C8B-B14F-4D97-AF65-F5344CB8AC3E}">
-        <p14:creationId xmlns:p14="http://schemas.microsoft.com/office/powerpoint/2010/main" val="2877091609"/>
+        <p14:creationId xmlns:p14="http://schemas.microsoft.com/office/powerpoint/2010/main" val="457658384"/>
+      </p:ext>
+    </p:extLst>
+  </p:cSld>
+  <p:clrMapOvr>
+    <a:masterClrMapping/>
+  </p:clrMapOvr>
+</p:sld>
+</file>
+
+<file path=ppt/slides/slide10.xml><?xml version="1.0" encoding="utf-8"?>
+<p:sld xmlns:a="http://schemas.openxmlformats.org/drawingml/2006/main" xmlns:r="http://schemas.openxmlformats.org/officeDocument/2006/relationships" xmlns:p="http://schemas.openxmlformats.org/presentationml/2006/main">
+  <p:cSld>
+    <p:spTree>
+      <p:nvGrpSpPr>
+        <p:cNvPr id="1" name=""/>
+        <p:cNvGrpSpPr/>
+        <p:nvPr/>
+      </p:nvGrpSpPr>
+      <p:grpSpPr>
+        <a:xfrm>
+          <a:off x="0" y="0"/>
+          <a:ext cx="0" cy="0"/>
+          <a:chOff x="0" y="0"/>
+          <a:chExt cx="0" cy="0"/>
+        </a:xfrm>
+      </p:grpSpPr>
+    </p:spTree>
+    <p:extLst>
+      <p:ext uri="{BB962C8B-B14F-4D97-AF65-F5344CB8AC3E}">
+        <p14:creationId xmlns:p14="http://schemas.microsoft.com/office/powerpoint/2010/main" val="3447988354"/>
+      </p:ext>
+    </p:extLst>
+  </p:cSld>
+  <p:clrMapOvr>
+    <a:masterClrMapping/>
+  </p:clrMapOvr>
+</p:sld>
+</file>
+
+<file path=ppt/slides/slide11.xml><?xml version="1.0" encoding="utf-8"?>
+<p:sld xmlns:a="http://schemas.openxmlformats.org/drawingml/2006/main" xmlns:r="http://schemas.openxmlformats.org/officeDocument/2006/relationships" xmlns:p="http://schemas.openxmlformats.org/presentationml/2006/main">
+  <p:cSld>
+    <p:spTree>
+      <p:nvGrpSpPr>
+        <p:cNvPr id="1" name=""/>
+        <p:cNvGrpSpPr/>
+        <p:nvPr/>
+      </p:nvGrpSpPr>
+      <p:grpSpPr>
+        <a:xfrm>
+          <a:off x="0" y="0"/>
+          <a:ext cx="0" cy="0"/>
+          <a:chOff x="0" y="0"/>
+          <a:chExt cx="0" cy="0"/>
+        </a:xfrm>
+      </p:grpSpPr>
+    </p:spTree>
+    <p:extLst>
+      <p:ext uri="{BB962C8B-B14F-4D97-AF65-F5344CB8AC3E}">
+        <p14:creationId xmlns:p14="http://schemas.microsoft.com/office/powerpoint/2010/main" val="1303805499"/>
+      </p:ext>
+    </p:extLst>
+  </p:cSld>
+  <p:clrMapOvr>
+    <a:masterClrMapping/>
+  </p:clrMapOvr>
+</p:sld>
+</file>
+
+<file path=ppt/slides/slide12.xml><?xml version="1.0" encoding="utf-8"?>
+<p:sld xmlns:a="http://schemas.openxmlformats.org/drawingml/2006/main" xmlns:r="http://schemas.openxmlformats.org/officeDocument/2006/relationships" xmlns:p="http://schemas.openxmlformats.org/presentationml/2006/main">
+  <p:cSld>
+    <p:spTree>
+      <p:nvGrpSpPr>
+        <p:cNvPr id="1" name=""/>
+        <p:cNvGrpSpPr/>
+        <p:nvPr/>
+      </p:nvGrpSpPr>
+      <p:grpSpPr>
+        <a:xfrm>
+          <a:off x="0" y="0"/>
+          <a:ext cx="0" cy="0"/>
+          <a:chOff x="0" y="0"/>
+          <a:chExt cx="0" cy="0"/>
+        </a:xfrm>
+      </p:grpSpPr>
+    </p:spTree>
+    <p:extLst>
+      <p:ext uri="{BB962C8B-B14F-4D97-AF65-F5344CB8AC3E}">
+        <p14:creationId xmlns:p14="http://schemas.microsoft.com/office/powerpoint/2010/main" val="977064228"/>
+      </p:ext>
+    </p:extLst>
+  </p:cSld>
+  <p:clrMapOvr>
+    <a:masterClrMapping/>
+  </p:clrMapOvr>
+</p:sld>
+</file>
+
+<file path=ppt/slides/slide13.xml><?xml version="1.0" encoding="utf-8"?>
+<p:sld xmlns:a="http://schemas.openxmlformats.org/drawingml/2006/main" xmlns:r="http://schemas.openxmlformats.org/officeDocument/2006/relationships" xmlns:p="http://schemas.openxmlformats.org/presentationml/2006/main">
+  <p:cSld>
+    <p:spTree>
+      <p:nvGrpSpPr>
+        <p:cNvPr id="1" name=""/>
+        <p:cNvGrpSpPr/>
+        <p:nvPr/>
+      </p:nvGrpSpPr>
+      <p:grpSpPr>
+        <a:xfrm>
+          <a:off x="0" y="0"/>
+          <a:ext cx="0" cy="0"/>
+          <a:chOff x="0" y="0"/>
+          <a:chExt cx="0" cy="0"/>
+        </a:xfrm>
+      </p:grpSpPr>
+    </p:spTree>
+    <p:extLst>
+      <p:ext uri="{BB962C8B-B14F-4D97-AF65-F5344CB8AC3E}">
+        <p14:creationId xmlns:p14="http://schemas.microsoft.com/office/powerpoint/2010/main" val="4033430372"/>
+      </p:ext>
+    </p:extLst>
+  </p:cSld>
+  <p:clrMapOvr>
+    <a:masterClrMapping/>
+  </p:clrMapOvr>
+</p:sld>
+</file>
+
+<file path=ppt/slides/slide14.xml><?xml version="1.0" encoding="utf-8"?>
+<p:sld xmlns:a="http://schemas.openxmlformats.org/drawingml/2006/main" xmlns:r="http://schemas.openxmlformats.org/officeDocument/2006/relationships" xmlns:p="http://schemas.openxmlformats.org/presentationml/2006/main">
+  <p:cSld>
+    <p:spTree>
+      <p:nvGrpSpPr>
+        <p:cNvPr id="1" name=""/>
+        <p:cNvGrpSpPr/>
+        <p:nvPr/>
+      </p:nvGrpSpPr>
+      <p:grpSpPr>
+        <a:xfrm>
+          <a:off x="0" y="0"/>
+          <a:ext cx="0" cy="0"/>
+          <a:chOff x="0" y="0"/>
+          <a:chExt cx="0" cy="0"/>
+        </a:xfrm>
+      </p:grpSpPr>
+    </p:spTree>
+    <p:extLst>
+      <p:ext uri="{BB962C8B-B14F-4D97-AF65-F5344CB8AC3E}">
+        <p14:creationId xmlns:p14="http://schemas.microsoft.com/office/powerpoint/2010/main" val="2020784378"/>
+      </p:ext>
+    </p:extLst>
+  </p:cSld>
+  <p:clrMapOvr>
+    <a:masterClrMapping/>
+  </p:clrMapOvr>
+</p:sld>
+</file>
+
+<file path=ppt/slides/slide15.xml><?xml version="1.0" encoding="utf-8"?>
+<p:sld xmlns:a="http://schemas.openxmlformats.org/drawingml/2006/main" xmlns:r="http://schemas.openxmlformats.org/officeDocument/2006/relationships" xmlns:p="http://schemas.openxmlformats.org/presentationml/2006/main">
+  <p:cSld>
+    <p:spTree>
+      <p:nvGrpSpPr>
+        <p:cNvPr id="1" name=""/>
+        <p:cNvGrpSpPr/>
+        <p:nvPr/>
+      </p:nvGrpSpPr>
+      <p:grpSpPr>
+        <a:xfrm>
+          <a:off x="0" y="0"/>
+          <a:ext cx="0" cy="0"/>
+          <a:chOff x="0" y="0"/>
+          <a:chExt cx="0" cy="0"/>
+        </a:xfrm>
+      </p:grpSpPr>
+    </p:spTree>
+    <p:extLst>
+      <p:ext uri="{BB962C8B-B14F-4D97-AF65-F5344CB8AC3E}">
+        <p14:creationId xmlns:p14="http://schemas.microsoft.com/office/powerpoint/2010/main" val="2393633646"/>
       </p:ext>
     </p:extLst>
   </p:cSld>
@@ -4872,10 +3868,581 @@
       </p:grpSpPr>
       <p:sp>
         <p:nvSpPr>
-          <p:cNvPr id="2" name="文字方塊 1">
-            <a:extLst>
-              <a:ext uri="{FF2B5EF4-FFF2-40B4-BE49-F238E27FC236}">
-                <a16:creationId xmlns:a16="http://schemas.microsoft.com/office/drawing/2014/main" id="{645293E8-B442-6214-E2B4-8FE5FE20AAD1}"/>
+          <p:cNvPr id="3" name="矩形: 圓角 2">
+            <a:extLst>
+              <a:ext uri="{FF2B5EF4-FFF2-40B4-BE49-F238E27FC236}">
+                <a16:creationId xmlns:a16="http://schemas.microsoft.com/office/drawing/2014/main" id="{796B3A47-02F5-2C16-F416-E5B55E66806F}"/>
+              </a:ext>
+            </a:extLst>
+          </p:cNvPr>
+          <p:cNvSpPr/>
+          <p:nvPr/>
+        </p:nvSpPr>
+        <p:spPr>
+          <a:xfrm>
+            <a:off x="1188103" y="3603812"/>
+            <a:ext cx="4168588" cy="2357718"/>
+          </a:xfrm>
+          <a:prstGeom prst="roundRect">
+            <a:avLst/>
+          </a:prstGeom>
+          <a:solidFill>
+            <a:schemeClr val="bg1"/>
+          </a:solidFill>
+          <a:ln w="76200"/>
+        </p:spPr>
+        <p:style>
+          <a:lnRef idx="2">
+            <a:schemeClr val="accent1">
+              <a:shade val="15000"/>
+            </a:schemeClr>
+          </a:lnRef>
+          <a:fillRef idx="1">
+            <a:schemeClr val="accent1"/>
+          </a:fillRef>
+          <a:effectRef idx="0">
+            <a:schemeClr val="accent1"/>
+          </a:effectRef>
+          <a:fontRef idx="minor">
+            <a:schemeClr val="lt1"/>
+          </a:fontRef>
+        </p:style>
+        <p:txBody>
+          <a:bodyPr rtlCol="0" anchor="ctr"/>
+          <a:lstStyle/>
+          <a:p>
+            <a:pPr algn="ctr"/>
+            <a:endParaRPr lang="zh-TW" altLang="en-US"/>
+          </a:p>
+        </p:txBody>
+      </p:sp>
+      <p:sp>
+        <p:nvSpPr>
+          <p:cNvPr id="4" name="橢圓 3">
+            <a:extLst>
+              <a:ext uri="{FF2B5EF4-FFF2-40B4-BE49-F238E27FC236}">
+                <a16:creationId xmlns:a16="http://schemas.microsoft.com/office/drawing/2014/main" id="{453C77A7-BEE0-8DF8-4B57-7675AA2E4188}"/>
+              </a:ext>
+            </a:extLst>
+          </p:cNvPr>
+          <p:cNvSpPr/>
+          <p:nvPr/>
+        </p:nvSpPr>
+        <p:spPr>
+          <a:xfrm>
+            <a:off x="1976717" y="4047566"/>
+            <a:ext cx="206188" cy="206188"/>
+          </a:xfrm>
+          <a:prstGeom prst="ellipse">
+            <a:avLst/>
+          </a:prstGeom>
+        </p:spPr>
+        <p:style>
+          <a:lnRef idx="2">
+            <a:schemeClr val="accent1">
+              <a:shade val="15000"/>
+            </a:schemeClr>
+          </a:lnRef>
+          <a:fillRef idx="1">
+            <a:schemeClr val="accent1"/>
+          </a:fillRef>
+          <a:effectRef idx="0">
+            <a:schemeClr val="accent1"/>
+          </a:effectRef>
+          <a:fontRef idx="minor">
+            <a:schemeClr val="lt1"/>
+          </a:fontRef>
+        </p:style>
+        <p:txBody>
+          <a:bodyPr rtlCol="0" anchor="ctr"/>
+          <a:lstStyle/>
+          <a:p>
+            <a:pPr algn="ctr"/>
+            <a:endParaRPr lang="zh-TW" altLang="en-US"/>
+          </a:p>
+        </p:txBody>
+      </p:sp>
+      <p:sp>
+        <p:nvSpPr>
+          <p:cNvPr id="5" name="橢圓 4">
+            <a:extLst>
+              <a:ext uri="{FF2B5EF4-FFF2-40B4-BE49-F238E27FC236}">
+                <a16:creationId xmlns:a16="http://schemas.microsoft.com/office/drawing/2014/main" id="{5931089D-FF8A-160B-183A-5DEF5632CCC9}"/>
+              </a:ext>
+            </a:extLst>
+          </p:cNvPr>
+          <p:cNvSpPr/>
+          <p:nvPr/>
+        </p:nvSpPr>
+        <p:spPr>
+          <a:xfrm rot="2727784">
+            <a:off x="1541929" y="4500284"/>
+            <a:ext cx="206188" cy="206188"/>
+          </a:xfrm>
+          <a:prstGeom prst="ellipse">
+            <a:avLst/>
+          </a:prstGeom>
+        </p:spPr>
+        <p:style>
+          <a:lnRef idx="2">
+            <a:schemeClr val="accent1">
+              <a:shade val="15000"/>
+            </a:schemeClr>
+          </a:lnRef>
+          <a:fillRef idx="1">
+            <a:schemeClr val="accent1"/>
+          </a:fillRef>
+          <a:effectRef idx="0">
+            <a:schemeClr val="accent1"/>
+          </a:effectRef>
+          <a:fontRef idx="minor">
+            <a:schemeClr val="lt1"/>
+          </a:fontRef>
+        </p:style>
+        <p:txBody>
+          <a:bodyPr rtlCol="0" anchor="ctr"/>
+          <a:lstStyle/>
+          <a:p>
+            <a:pPr algn="ctr"/>
+            <a:endParaRPr lang="zh-TW" altLang="en-US"/>
+          </a:p>
+        </p:txBody>
+      </p:sp>
+      <p:sp>
+        <p:nvSpPr>
+          <p:cNvPr id="6" name="橢圓 5">
+            <a:extLst>
+              <a:ext uri="{FF2B5EF4-FFF2-40B4-BE49-F238E27FC236}">
+                <a16:creationId xmlns:a16="http://schemas.microsoft.com/office/drawing/2014/main" id="{1D75437A-1DCC-C5C2-BBC8-66563A35525D}"/>
+              </a:ext>
+            </a:extLst>
+          </p:cNvPr>
+          <p:cNvSpPr/>
+          <p:nvPr/>
+        </p:nvSpPr>
+        <p:spPr>
+          <a:xfrm>
+            <a:off x="2821222" y="4520574"/>
+            <a:ext cx="206188" cy="206188"/>
+          </a:xfrm>
+          <a:prstGeom prst="ellipse">
+            <a:avLst/>
+          </a:prstGeom>
+        </p:spPr>
+        <p:style>
+          <a:lnRef idx="2">
+            <a:schemeClr val="accent1">
+              <a:shade val="15000"/>
+            </a:schemeClr>
+          </a:lnRef>
+          <a:fillRef idx="1">
+            <a:schemeClr val="accent1"/>
+          </a:fillRef>
+          <a:effectRef idx="0">
+            <a:schemeClr val="accent1"/>
+          </a:effectRef>
+          <a:fontRef idx="minor">
+            <a:schemeClr val="lt1"/>
+          </a:fontRef>
+        </p:style>
+        <p:txBody>
+          <a:bodyPr rtlCol="0" anchor="ctr"/>
+          <a:lstStyle/>
+          <a:p>
+            <a:pPr algn="ctr"/>
+            <a:endParaRPr lang="zh-TW" altLang="en-US"/>
+          </a:p>
+        </p:txBody>
+      </p:sp>
+      <p:sp>
+        <p:nvSpPr>
+          <p:cNvPr id="7" name="橢圓 6">
+            <a:extLst>
+              <a:ext uri="{FF2B5EF4-FFF2-40B4-BE49-F238E27FC236}">
+                <a16:creationId xmlns:a16="http://schemas.microsoft.com/office/drawing/2014/main" id="{99DCCBCF-DD1E-9B27-5A55-C71FE763F072}"/>
+              </a:ext>
+            </a:extLst>
+          </p:cNvPr>
+          <p:cNvSpPr/>
+          <p:nvPr/>
+        </p:nvSpPr>
+        <p:spPr>
+          <a:xfrm>
+            <a:off x="1797423" y="4953001"/>
+            <a:ext cx="206188" cy="206188"/>
+          </a:xfrm>
+          <a:prstGeom prst="ellipse">
+            <a:avLst/>
+          </a:prstGeom>
+        </p:spPr>
+        <p:style>
+          <a:lnRef idx="2">
+            <a:schemeClr val="accent1">
+              <a:shade val="15000"/>
+            </a:schemeClr>
+          </a:lnRef>
+          <a:fillRef idx="1">
+            <a:schemeClr val="accent1"/>
+          </a:fillRef>
+          <a:effectRef idx="0">
+            <a:schemeClr val="accent1"/>
+          </a:effectRef>
+          <a:fontRef idx="minor">
+            <a:schemeClr val="lt1"/>
+          </a:fontRef>
+        </p:style>
+        <p:txBody>
+          <a:bodyPr rtlCol="0" anchor="ctr"/>
+          <a:lstStyle/>
+          <a:p>
+            <a:pPr algn="ctr"/>
+            <a:endParaRPr lang="zh-TW" altLang="en-US"/>
+          </a:p>
+        </p:txBody>
+      </p:sp>
+      <p:sp>
+        <p:nvSpPr>
+          <p:cNvPr id="8" name="橢圓 7">
+            <a:extLst>
+              <a:ext uri="{FF2B5EF4-FFF2-40B4-BE49-F238E27FC236}">
+                <a16:creationId xmlns:a16="http://schemas.microsoft.com/office/drawing/2014/main" id="{1DA37C8D-2AB9-EF9D-79CE-E1E7F8AECED4}"/>
+              </a:ext>
+            </a:extLst>
+          </p:cNvPr>
+          <p:cNvSpPr/>
+          <p:nvPr/>
+        </p:nvSpPr>
+        <p:spPr>
+          <a:xfrm>
+            <a:off x="1999129" y="5298143"/>
+            <a:ext cx="206188" cy="206188"/>
+          </a:xfrm>
+          <a:prstGeom prst="ellipse">
+            <a:avLst/>
+          </a:prstGeom>
+        </p:spPr>
+        <p:style>
+          <a:lnRef idx="2">
+            <a:schemeClr val="accent1">
+              <a:shade val="15000"/>
+            </a:schemeClr>
+          </a:lnRef>
+          <a:fillRef idx="1">
+            <a:schemeClr val="accent1"/>
+          </a:fillRef>
+          <a:effectRef idx="0">
+            <a:schemeClr val="accent1"/>
+          </a:effectRef>
+          <a:fontRef idx="minor">
+            <a:schemeClr val="lt1"/>
+          </a:fontRef>
+        </p:style>
+        <p:txBody>
+          <a:bodyPr rtlCol="0" anchor="ctr"/>
+          <a:lstStyle/>
+          <a:p>
+            <a:pPr algn="ctr"/>
+            <a:endParaRPr lang="zh-TW" altLang="en-US"/>
+          </a:p>
+        </p:txBody>
+      </p:sp>
+      <p:sp>
+        <p:nvSpPr>
+          <p:cNvPr id="9" name="橢圓 8">
+            <a:extLst>
+              <a:ext uri="{FF2B5EF4-FFF2-40B4-BE49-F238E27FC236}">
+                <a16:creationId xmlns:a16="http://schemas.microsoft.com/office/drawing/2014/main" id="{9F9C565E-8925-7CC2-A6AF-A2A4898F8E70}"/>
+              </a:ext>
+            </a:extLst>
+          </p:cNvPr>
+          <p:cNvSpPr/>
+          <p:nvPr/>
+        </p:nvSpPr>
+        <p:spPr>
+          <a:xfrm>
+            <a:off x="3200121" y="5136780"/>
+            <a:ext cx="206188" cy="206188"/>
+          </a:xfrm>
+          <a:prstGeom prst="ellipse">
+            <a:avLst/>
+          </a:prstGeom>
+          <a:solidFill>
+            <a:srgbClr val="FFC000"/>
+          </a:solidFill>
+        </p:spPr>
+        <p:style>
+          <a:lnRef idx="2">
+            <a:schemeClr val="accent4">
+              <a:shade val="15000"/>
+            </a:schemeClr>
+          </a:lnRef>
+          <a:fillRef idx="1">
+            <a:schemeClr val="accent4"/>
+          </a:fillRef>
+          <a:effectRef idx="0">
+            <a:schemeClr val="accent4"/>
+          </a:effectRef>
+          <a:fontRef idx="minor">
+            <a:schemeClr val="lt1"/>
+          </a:fontRef>
+        </p:style>
+        <p:txBody>
+          <a:bodyPr rtlCol="0" anchor="ctr"/>
+          <a:lstStyle/>
+          <a:p>
+            <a:pPr algn="ctr"/>
+            <a:endParaRPr lang="zh-TW" altLang="en-US"/>
+          </a:p>
+        </p:txBody>
+      </p:sp>
+      <p:sp>
+        <p:nvSpPr>
+          <p:cNvPr id="10" name="橢圓 9">
+            <a:extLst>
+              <a:ext uri="{FF2B5EF4-FFF2-40B4-BE49-F238E27FC236}">
+                <a16:creationId xmlns:a16="http://schemas.microsoft.com/office/drawing/2014/main" id="{DE6B16C6-B84A-73D5-2456-E76213A588D3}"/>
+              </a:ext>
+            </a:extLst>
+          </p:cNvPr>
+          <p:cNvSpPr/>
+          <p:nvPr/>
+        </p:nvSpPr>
+        <p:spPr>
+          <a:xfrm>
+            <a:off x="3989294" y="4123768"/>
+            <a:ext cx="206188" cy="206188"/>
+          </a:xfrm>
+          <a:prstGeom prst="ellipse">
+            <a:avLst/>
+          </a:prstGeom>
+          <a:solidFill>
+            <a:srgbClr val="FFC000"/>
+          </a:solidFill>
+        </p:spPr>
+        <p:style>
+          <a:lnRef idx="2">
+            <a:schemeClr val="accent4">
+              <a:shade val="15000"/>
+            </a:schemeClr>
+          </a:lnRef>
+          <a:fillRef idx="1">
+            <a:schemeClr val="accent4"/>
+          </a:fillRef>
+          <a:effectRef idx="0">
+            <a:schemeClr val="accent4"/>
+          </a:effectRef>
+          <a:fontRef idx="minor">
+            <a:schemeClr val="lt1"/>
+          </a:fontRef>
+        </p:style>
+        <p:txBody>
+          <a:bodyPr rtlCol="0" anchor="ctr"/>
+          <a:lstStyle/>
+          <a:p>
+            <a:pPr algn="ctr"/>
+            <a:endParaRPr lang="zh-TW" altLang="en-US"/>
+          </a:p>
+        </p:txBody>
+      </p:sp>
+      <p:sp>
+        <p:nvSpPr>
+          <p:cNvPr id="11" name="橢圓 10">
+            <a:extLst>
+              <a:ext uri="{FF2B5EF4-FFF2-40B4-BE49-F238E27FC236}">
+                <a16:creationId xmlns:a16="http://schemas.microsoft.com/office/drawing/2014/main" id="{B4F21FAC-348A-7BAE-608C-31780C03AF56}"/>
+              </a:ext>
+            </a:extLst>
+          </p:cNvPr>
+          <p:cNvSpPr/>
+          <p:nvPr/>
+        </p:nvSpPr>
+        <p:spPr>
+          <a:xfrm>
+            <a:off x="4175312" y="5029206"/>
+            <a:ext cx="206188" cy="206188"/>
+          </a:xfrm>
+          <a:prstGeom prst="ellipse">
+            <a:avLst/>
+          </a:prstGeom>
+          <a:solidFill>
+            <a:srgbClr val="FFC000"/>
+          </a:solidFill>
+        </p:spPr>
+        <p:style>
+          <a:lnRef idx="2">
+            <a:schemeClr val="accent4">
+              <a:shade val="15000"/>
+            </a:schemeClr>
+          </a:lnRef>
+          <a:fillRef idx="1">
+            <a:schemeClr val="accent4"/>
+          </a:fillRef>
+          <a:effectRef idx="0">
+            <a:schemeClr val="accent4"/>
+          </a:effectRef>
+          <a:fontRef idx="minor">
+            <a:schemeClr val="lt1"/>
+          </a:fontRef>
+        </p:style>
+        <p:txBody>
+          <a:bodyPr rtlCol="0" anchor="ctr"/>
+          <a:lstStyle/>
+          <a:p>
+            <a:pPr algn="ctr"/>
+            <a:endParaRPr lang="zh-TW" altLang="en-US"/>
+          </a:p>
+        </p:txBody>
+      </p:sp>
+      <p:sp>
+        <p:nvSpPr>
+          <p:cNvPr id="12" name="橢圓 11">
+            <a:extLst>
+              <a:ext uri="{FF2B5EF4-FFF2-40B4-BE49-F238E27FC236}">
+                <a16:creationId xmlns:a16="http://schemas.microsoft.com/office/drawing/2014/main" id="{0CD8CD2D-EFE4-9EFB-AD5A-5B5ADCDB3993}"/>
+              </a:ext>
+            </a:extLst>
+          </p:cNvPr>
+          <p:cNvSpPr/>
+          <p:nvPr/>
+        </p:nvSpPr>
+        <p:spPr>
+          <a:xfrm>
+            <a:off x="3410791" y="4563039"/>
+            <a:ext cx="206188" cy="206188"/>
+          </a:xfrm>
+          <a:prstGeom prst="ellipse">
+            <a:avLst/>
+          </a:prstGeom>
+          <a:solidFill>
+            <a:srgbClr val="FFC000"/>
+          </a:solidFill>
+        </p:spPr>
+        <p:style>
+          <a:lnRef idx="2">
+            <a:schemeClr val="accent4">
+              <a:shade val="15000"/>
+            </a:schemeClr>
+          </a:lnRef>
+          <a:fillRef idx="1">
+            <a:schemeClr val="accent4"/>
+          </a:fillRef>
+          <a:effectRef idx="0">
+            <a:schemeClr val="accent4"/>
+          </a:effectRef>
+          <a:fontRef idx="minor">
+            <a:schemeClr val="lt1"/>
+          </a:fontRef>
+        </p:style>
+        <p:txBody>
+          <a:bodyPr rtlCol="0" anchor="ctr"/>
+          <a:lstStyle/>
+          <a:p>
+            <a:pPr algn="ctr"/>
+            <a:endParaRPr lang="zh-TW" altLang="en-US"/>
+          </a:p>
+        </p:txBody>
+      </p:sp>
+      <p:sp>
+        <p:nvSpPr>
+          <p:cNvPr id="13" name="橢圓 12">
+            <a:extLst>
+              <a:ext uri="{FF2B5EF4-FFF2-40B4-BE49-F238E27FC236}">
+                <a16:creationId xmlns:a16="http://schemas.microsoft.com/office/drawing/2014/main" id="{FBA4172A-7229-7CD8-045C-FC85BA124157}"/>
+              </a:ext>
+            </a:extLst>
+          </p:cNvPr>
+          <p:cNvSpPr/>
+          <p:nvPr/>
+        </p:nvSpPr>
+        <p:spPr>
+          <a:xfrm>
+            <a:off x="4383741" y="4715437"/>
+            <a:ext cx="206188" cy="206188"/>
+          </a:xfrm>
+          <a:prstGeom prst="ellipse">
+            <a:avLst/>
+          </a:prstGeom>
+          <a:solidFill>
+            <a:srgbClr val="FFC000"/>
+          </a:solidFill>
+        </p:spPr>
+        <p:style>
+          <a:lnRef idx="2">
+            <a:schemeClr val="accent4">
+              <a:shade val="15000"/>
+            </a:schemeClr>
+          </a:lnRef>
+          <a:fillRef idx="1">
+            <a:schemeClr val="accent4"/>
+          </a:fillRef>
+          <a:effectRef idx="0">
+            <a:schemeClr val="accent4"/>
+          </a:effectRef>
+          <a:fontRef idx="minor">
+            <a:schemeClr val="lt1"/>
+          </a:fontRef>
+        </p:style>
+        <p:txBody>
+          <a:bodyPr rtlCol="0" anchor="ctr"/>
+          <a:lstStyle/>
+          <a:p>
+            <a:pPr algn="ctr"/>
+            <a:endParaRPr lang="zh-TW" altLang="en-US"/>
+          </a:p>
+        </p:txBody>
+      </p:sp>
+      <p:sp>
+        <p:nvSpPr>
+          <p:cNvPr id="14" name="橢圓 13">
+            <a:extLst>
+              <a:ext uri="{FF2B5EF4-FFF2-40B4-BE49-F238E27FC236}">
+                <a16:creationId xmlns:a16="http://schemas.microsoft.com/office/drawing/2014/main" id="{87FC0CD4-EC06-CCFE-538F-9E9890015A19}"/>
+              </a:ext>
+            </a:extLst>
+          </p:cNvPr>
+          <p:cNvSpPr/>
+          <p:nvPr/>
+        </p:nvSpPr>
+        <p:spPr>
+          <a:xfrm>
+            <a:off x="3077343" y="4752696"/>
+            <a:ext cx="328966" cy="337857"/>
+          </a:xfrm>
+          <a:prstGeom prst="ellipse">
+            <a:avLst/>
+          </a:prstGeom>
+        </p:spPr>
+        <p:style>
+          <a:lnRef idx="2">
+            <a:schemeClr val="accent2">
+              <a:shade val="15000"/>
+            </a:schemeClr>
+          </a:lnRef>
+          <a:fillRef idx="1">
+            <a:schemeClr val="accent2"/>
+          </a:fillRef>
+          <a:effectRef idx="0">
+            <a:schemeClr val="accent2"/>
+          </a:effectRef>
+          <a:fontRef idx="minor">
+            <a:schemeClr val="lt1"/>
+          </a:fontRef>
+        </p:style>
+        <p:txBody>
+          <a:bodyPr rtlCol="0" anchor="ctr"/>
+          <a:lstStyle/>
+          <a:p>
+            <a:pPr algn="ctr"/>
+            <a:endParaRPr lang="zh-TW" altLang="en-US"/>
+          </a:p>
+        </p:txBody>
+      </p:sp>
+      <p:sp>
+        <p:nvSpPr>
+          <p:cNvPr id="15" name="文字方塊 14">
+            <a:extLst>
+              <a:ext uri="{FF2B5EF4-FFF2-40B4-BE49-F238E27FC236}">
+                <a16:creationId xmlns:a16="http://schemas.microsoft.com/office/drawing/2014/main" id="{81815385-7B07-E96A-B800-E00CB8DEF0B2}"/>
               </a:ext>
             </a:extLst>
           </p:cNvPr>
@@ -4884,8 +4451,8 @@
         </p:nvSpPr>
         <p:spPr>
           <a:xfrm>
-            <a:off x="4652682" y="1640541"/>
-            <a:ext cx="3877985" cy="369332"/>
+            <a:off x="3027410" y="4282118"/>
+            <a:ext cx="1972236" cy="369332"/>
           </a:xfrm>
           <a:prstGeom prst="rect">
             <a:avLst/>
@@ -4893,22 +4460,756 @@
           <a:noFill/>
         </p:spPr>
         <p:txBody>
-          <a:bodyPr wrap="none" rtlCol="0">
+          <a:bodyPr wrap="square">
             <a:spAutoFit/>
           </a:bodyPr>
           <a:lstStyle/>
           <a:p>
             <a:r>
-              <a:rPr lang="zh-TW" altLang="en-US" dirty="0"/>
-              <a:t>比較使用預測跟沒有使用預測的區別</a:t>
-            </a:r>
+              <a:rPr lang="en-US" altLang="zh-TW" b="0" dirty="0" err="1">
+                <a:solidFill>
+                  <a:srgbClr val="FFC000"/>
+                </a:solidFill>
+                <a:effectLst/>
+                <a:latin typeface="Consolas" panose="020B0609020204030204" pitchFamily="49" charset="0"/>
+              </a:rPr>
+              <a:t>center_point</a:t>
+            </a:r>
+            <a:endParaRPr lang="en-US" altLang="zh-TW" b="0" dirty="0">
+              <a:solidFill>
+                <a:srgbClr val="FFC000"/>
+              </a:solidFill>
+              <a:effectLst/>
+              <a:latin typeface="Consolas" panose="020B0609020204030204" pitchFamily="49" charset="0"/>
+            </a:endParaRPr>
+          </a:p>
+        </p:txBody>
+      </p:sp>
+      <p:sp>
+        <p:nvSpPr>
+          <p:cNvPr id="17" name="文字方塊 16">
+            <a:extLst>
+              <a:ext uri="{FF2B5EF4-FFF2-40B4-BE49-F238E27FC236}">
+                <a16:creationId xmlns:a16="http://schemas.microsoft.com/office/drawing/2014/main" id="{DD2D634E-5337-5E99-9342-08CDEF02DC52}"/>
+              </a:ext>
+            </a:extLst>
+          </p:cNvPr>
+          <p:cNvSpPr txBox="1"/>
+          <p:nvPr/>
+        </p:nvSpPr>
+        <p:spPr>
+          <a:xfrm>
+            <a:off x="733425" y="1591432"/>
+            <a:ext cx="5311273" cy="1141403"/>
+          </a:xfrm>
+          <a:prstGeom prst="rect">
+            <a:avLst/>
+          </a:prstGeom>
+          <a:noFill/>
+        </p:spPr>
+        <p:txBody>
+          <a:bodyPr wrap="square">
+            <a:spAutoFit/>
+          </a:bodyPr>
+          <a:lstStyle/>
+          <a:p>
+            <a:pPr marL="342900" indent="-342900">
+              <a:lnSpc>
+                <a:spcPct val="150000"/>
+              </a:lnSpc>
+              <a:buAutoNum type="arabicPeriod"/>
+            </a:pPr>
+            <a:r>
+              <a:rPr lang="zh-TW" altLang="en-US" sz="2400" b="1" dirty="0"/>
+              <a:t>初始設定無人機位置、車輛數</a:t>
+            </a:r>
+            <a:r>
+              <a:rPr lang="en-US" altLang="zh-TW" sz="2400" b="1" dirty="0"/>
+              <a:t>NUM</a:t>
+            </a:r>
+          </a:p>
+          <a:p>
+            <a:pPr marL="342900" indent="-342900">
+              <a:lnSpc>
+                <a:spcPct val="150000"/>
+              </a:lnSpc>
+              <a:buAutoNum type="arabicPeriod"/>
+            </a:pPr>
+            <a:r>
+              <a:rPr lang="zh-TW" altLang="en-US" sz="2400" b="1" dirty="0"/>
+              <a:t>創建</a:t>
+            </a:r>
+            <a:r>
+              <a:rPr lang="en-US" altLang="zh-TW" sz="2400" b="1" dirty="0" err="1"/>
+              <a:t>dataN</a:t>
+            </a:r>
+            <a:r>
+              <a:rPr lang="en-US" altLang="zh-TW" sz="2400" b="1" dirty="0"/>
+              <a:t>(</a:t>
+            </a:r>
+            <a:r>
+              <a:rPr lang="zh-TW" altLang="en-US" sz="2400" b="1" dirty="0"/>
+              <a:t>車輛資訊 </a:t>
+            </a:r>
+            <a:r>
+              <a:rPr lang="en-US" altLang="zh-TW" sz="2400" b="1" dirty="0"/>
+              <a:t>(</a:t>
+            </a:r>
+            <a:r>
+              <a:rPr lang="en-US" altLang="zh-TW" sz="2400" b="1" dirty="0" err="1"/>
+              <a:t>x,y,v</a:t>
+            </a:r>
+            <a:r>
+              <a:rPr lang="en-US" altLang="zh-TW" sz="2400" b="1" dirty="0"/>
+              <a:t>) )</a:t>
+            </a:r>
+          </a:p>
+        </p:txBody>
+      </p:sp>
+      <p:sp>
+        <p:nvSpPr>
+          <p:cNvPr id="18" name="矩形: 圓角 17">
+            <a:extLst>
+              <a:ext uri="{FF2B5EF4-FFF2-40B4-BE49-F238E27FC236}">
+                <a16:creationId xmlns:a16="http://schemas.microsoft.com/office/drawing/2014/main" id="{BA7827EC-E4F5-16CF-E100-3071A31BF29C}"/>
+              </a:ext>
+            </a:extLst>
+          </p:cNvPr>
+          <p:cNvSpPr/>
+          <p:nvPr/>
+        </p:nvSpPr>
+        <p:spPr>
+          <a:xfrm>
+            <a:off x="6310874" y="887507"/>
+            <a:ext cx="4168588" cy="2357718"/>
+          </a:xfrm>
+          <a:prstGeom prst="roundRect">
+            <a:avLst/>
+          </a:prstGeom>
+          <a:solidFill>
+            <a:schemeClr val="bg1"/>
+          </a:solidFill>
+          <a:ln w="76200"/>
+        </p:spPr>
+        <p:style>
+          <a:lnRef idx="2">
+            <a:schemeClr val="accent1">
+              <a:shade val="15000"/>
+            </a:schemeClr>
+          </a:lnRef>
+          <a:fillRef idx="1">
+            <a:schemeClr val="accent1"/>
+          </a:fillRef>
+          <a:effectRef idx="0">
+            <a:schemeClr val="accent1"/>
+          </a:effectRef>
+          <a:fontRef idx="minor">
+            <a:schemeClr val="lt1"/>
+          </a:fontRef>
+        </p:style>
+        <p:txBody>
+          <a:bodyPr rtlCol="0" anchor="ctr"/>
+          <a:lstStyle/>
+          <a:p>
+            <a:pPr algn="ctr"/>
+            <a:endParaRPr lang="zh-TW" altLang="en-US"/>
+          </a:p>
+        </p:txBody>
+      </p:sp>
+      <p:sp>
+        <p:nvSpPr>
+          <p:cNvPr id="19" name="橢圓 18">
+            <a:extLst>
+              <a:ext uri="{FF2B5EF4-FFF2-40B4-BE49-F238E27FC236}">
+                <a16:creationId xmlns:a16="http://schemas.microsoft.com/office/drawing/2014/main" id="{63BADA24-200E-CFCE-6A14-66F186306200}"/>
+              </a:ext>
+            </a:extLst>
+          </p:cNvPr>
+          <p:cNvSpPr/>
+          <p:nvPr/>
+        </p:nvSpPr>
+        <p:spPr>
+          <a:xfrm>
+            <a:off x="7099488" y="1331261"/>
+            <a:ext cx="206188" cy="206188"/>
+          </a:xfrm>
+          <a:prstGeom prst="ellipse">
+            <a:avLst/>
+          </a:prstGeom>
+          <a:solidFill>
+            <a:srgbClr val="00B050"/>
+          </a:solidFill>
+        </p:spPr>
+        <p:style>
+          <a:lnRef idx="2">
+            <a:schemeClr val="accent1">
+              <a:shade val="15000"/>
+            </a:schemeClr>
+          </a:lnRef>
+          <a:fillRef idx="1">
+            <a:schemeClr val="accent1"/>
+          </a:fillRef>
+          <a:effectRef idx="0">
+            <a:schemeClr val="accent1"/>
+          </a:effectRef>
+          <a:fontRef idx="minor">
+            <a:schemeClr val="lt1"/>
+          </a:fontRef>
+        </p:style>
+        <p:txBody>
+          <a:bodyPr rtlCol="0" anchor="ctr"/>
+          <a:lstStyle/>
+          <a:p>
+            <a:pPr algn="ctr"/>
+            <a:endParaRPr lang="zh-TW" altLang="en-US"/>
+          </a:p>
+        </p:txBody>
+      </p:sp>
+      <p:sp>
+        <p:nvSpPr>
+          <p:cNvPr id="20" name="橢圓 19">
+            <a:extLst>
+              <a:ext uri="{FF2B5EF4-FFF2-40B4-BE49-F238E27FC236}">
+                <a16:creationId xmlns:a16="http://schemas.microsoft.com/office/drawing/2014/main" id="{D5F37706-617F-DB30-9683-A381B767114A}"/>
+              </a:ext>
+            </a:extLst>
+          </p:cNvPr>
+          <p:cNvSpPr/>
+          <p:nvPr/>
+        </p:nvSpPr>
+        <p:spPr>
+          <a:xfrm rot="2727784">
+            <a:off x="6664700" y="1783979"/>
+            <a:ext cx="206188" cy="206188"/>
+          </a:xfrm>
+          <a:prstGeom prst="ellipse">
+            <a:avLst/>
+          </a:prstGeom>
+          <a:solidFill>
+            <a:srgbClr val="00B050"/>
+          </a:solidFill>
+        </p:spPr>
+        <p:style>
+          <a:lnRef idx="2">
+            <a:schemeClr val="accent1">
+              <a:shade val="15000"/>
+            </a:schemeClr>
+          </a:lnRef>
+          <a:fillRef idx="1">
+            <a:schemeClr val="accent1"/>
+          </a:fillRef>
+          <a:effectRef idx="0">
+            <a:schemeClr val="accent1"/>
+          </a:effectRef>
+          <a:fontRef idx="minor">
+            <a:schemeClr val="lt1"/>
+          </a:fontRef>
+        </p:style>
+        <p:txBody>
+          <a:bodyPr rtlCol="0" anchor="ctr"/>
+          <a:lstStyle/>
+          <a:p>
+            <a:pPr algn="ctr"/>
+            <a:endParaRPr lang="zh-TW" altLang="en-US"/>
+          </a:p>
+        </p:txBody>
+      </p:sp>
+      <p:sp>
+        <p:nvSpPr>
+          <p:cNvPr id="21" name="橢圓 20">
+            <a:extLst>
+              <a:ext uri="{FF2B5EF4-FFF2-40B4-BE49-F238E27FC236}">
+                <a16:creationId xmlns:a16="http://schemas.microsoft.com/office/drawing/2014/main" id="{F8488880-CB82-30D4-BFF3-7F78ADED4F53}"/>
+              </a:ext>
+            </a:extLst>
+          </p:cNvPr>
+          <p:cNvSpPr/>
+          <p:nvPr/>
+        </p:nvSpPr>
+        <p:spPr>
+          <a:xfrm>
+            <a:off x="7943993" y="1804269"/>
+            <a:ext cx="206188" cy="206188"/>
+          </a:xfrm>
+          <a:prstGeom prst="ellipse">
+            <a:avLst/>
+          </a:prstGeom>
+          <a:solidFill>
+            <a:srgbClr val="00B050"/>
+          </a:solidFill>
+        </p:spPr>
+        <p:style>
+          <a:lnRef idx="2">
+            <a:schemeClr val="accent1">
+              <a:shade val="15000"/>
+            </a:schemeClr>
+          </a:lnRef>
+          <a:fillRef idx="1">
+            <a:schemeClr val="accent1"/>
+          </a:fillRef>
+          <a:effectRef idx="0">
+            <a:schemeClr val="accent1"/>
+          </a:effectRef>
+          <a:fontRef idx="minor">
+            <a:schemeClr val="lt1"/>
+          </a:fontRef>
+        </p:style>
+        <p:txBody>
+          <a:bodyPr rtlCol="0" anchor="ctr"/>
+          <a:lstStyle/>
+          <a:p>
+            <a:pPr algn="ctr"/>
+            <a:endParaRPr lang="zh-TW" altLang="en-US"/>
+          </a:p>
+        </p:txBody>
+      </p:sp>
+      <p:sp>
+        <p:nvSpPr>
+          <p:cNvPr id="22" name="橢圓 21">
+            <a:extLst>
+              <a:ext uri="{FF2B5EF4-FFF2-40B4-BE49-F238E27FC236}">
+                <a16:creationId xmlns:a16="http://schemas.microsoft.com/office/drawing/2014/main" id="{F2262672-ACBF-1C41-448E-E2412F12F21D}"/>
+              </a:ext>
+            </a:extLst>
+          </p:cNvPr>
+          <p:cNvSpPr/>
+          <p:nvPr/>
+        </p:nvSpPr>
+        <p:spPr>
+          <a:xfrm>
+            <a:off x="6920194" y="2236696"/>
+            <a:ext cx="206188" cy="206188"/>
+          </a:xfrm>
+          <a:prstGeom prst="ellipse">
+            <a:avLst/>
+          </a:prstGeom>
+          <a:solidFill>
+            <a:srgbClr val="00B050"/>
+          </a:solidFill>
+        </p:spPr>
+        <p:style>
+          <a:lnRef idx="2">
+            <a:schemeClr val="accent1">
+              <a:shade val="15000"/>
+            </a:schemeClr>
+          </a:lnRef>
+          <a:fillRef idx="1">
+            <a:schemeClr val="accent1"/>
+          </a:fillRef>
+          <a:effectRef idx="0">
+            <a:schemeClr val="accent1"/>
+          </a:effectRef>
+          <a:fontRef idx="minor">
+            <a:schemeClr val="lt1"/>
+          </a:fontRef>
+        </p:style>
+        <p:txBody>
+          <a:bodyPr rtlCol="0" anchor="ctr"/>
+          <a:lstStyle/>
+          <a:p>
+            <a:pPr algn="ctr"/>
+            <a:endParaRPr lang="zh-TW" altLang="en-US"/>
+          </a:p>
+        </p:txBody>
+      </p:sp>
+      <p:sp>
+        <p:nvSpPr>
+          <p:cNvPr id="23" name="橢圓 22">
+            <a:extLst>
+              <a:ext uri="{FF2B5EF4-FFF2-40B4-BE49-F238E27FC236}">
+                <a16:creationId xmlns:a16="http://schemas.microsoft.com/office/drawing/2014/main" id="{D816E17E-9211-F340-7D35-567B64CE7134}"/>
+              </a:ext>
+            </a:extLst>
+          </p:cNvPr>
+          <p:cNvSpPr/>
+          <p:nvPr/>
+        </p:nvSpPr>
+        <p:spPr>
+          <a:xfrm>
+            <a:off x="7121900" y="2581838"/>
+            <a:ext cx="206188" cy="206188"/>
+          </a:xfrm>
+          <a:prstGeom prst="ellipse">
+            <a:avLst/>
+          </a:prstGeom>
+          <a:solidFill>
+            <a:srgbClr val="00B050"/>
+          </a:solidFill>
+        </p:spPr>
+        <p:style>
+          <a:lnRef idx="2">
+            <a:schemeClr val="accent1">
+              <a:shade val="15000"/>
+            </a:schemeClr>
+          </a:lnRef>
+          <a:fillRef idx="1">
+            <a:schemeClr val="accent1"/>
+          </a:fillRef>
+          <a:effectRef idx="0">
+            <a:schemeClr val="accent1"/>
+          </a:effectRef>
+          <a:fontRef idx="minor">
+            <a:schemeClr val="lt1"/>
+          </a:fontRef>
+        </p:style>
+        <p:txBody>
+          <a:bodyPr rtlCol="0" anchor="ctr"/>
+          <a:lstStyle/>
+          <a:p>
+            <a:pPr algn="ctr"/>
+            <a:endParaRPr lang="zh-TW" altLang="en-US"/>
+          </a:p>
+        </p:txBody>
+      </p:sp>
+      <p:sp>
+        <p:nvSpPr>
+          <p:cNvPr id="24" name="橢圓 23">
+            <a:extLst>
+              <a:ext uri="{FF2B5EF4-FFF2-40B4-BE49-F238E27FC236}">
+                <a16:creationId xmlns:a16="http://schemas.microsoft.com/office/drawing/2014/main" id="{A989F461-D5BE-590A-584F-8C857198FC91}"/>
+              </a:ext>
+            </a:extLst>
+          </p:cNvPr>
+          <p:cNvSpPr/>
+          <p:nvPr/>
+        </p:nvSpPr>
+        <p:spPr>
+          <a:xfrm>
+            <a:off x="8322892" y="2420475"/>
+            <a:ext cx="206188" cy="206188"/>
+          </a:xfrm>
+          <a:prstGeom prst="ellipse">
+            <a:avLst/>
+          </a:prstGeom>
+          <a:solidFill>
+            <a:srgbClr val="00B050"/>
+          </a:solidFill>
+        </p:spPr>
+        <p:style>
+          <a:lnRef idx="2">
+            <a:schemeClr val="accent4">
+              <a:shade val="15000"/>
+            </a:schemeClr>
+          </a:lnRef>
+          <a:fillRef idx="1">
+            <a:schemeClr val="accent4"/>
+          </a:fillRef>
+          <a:effectRef idx="0">
+            <a:schemeClr val="accent4"/>
+          </a:effectRef>
+          <a:fontRef idx="minor">
+            <a:schemeClr val="lt1"/>
+          </a:fontRef>
+        </p:style>
+        <p:txBody>
+          <a:bodyPr rtlCol="0" anchor="ctr"/>
+          <a:lstStyle/>
+          <a:p>
+            <a:pPr algn="ctr"/>
+            <a:endParaRPr lang="zh-TW" altLang="en-US"/>
+          </a:p>
+        </p:txBody>
+      </p:sp>
+      <p:sp>
+        <p:nvSpPr>
+          <p:cNvPr id="25" name="橢圓 24">
+            <a:extLst>
+              <a:ext uri="{FF2B5EF4-FFF2-40B4-BE49-F238E27FC236}">
+                <a16:creationId xmlns:a16="http://schemas.microsoft.com/office/drawing/2014/main" id="{394A5EEB-C415-9B5C-05C3-04288264DD74}"/>
+              </a:ext>
+            </a:extLst>
+          </p:cNvPr>
+          <p:cNvSpPr/>
+          <p:nvPr/>
+        </p:nvSpPr>
+        <p:spPr>
+          <a:xfrm>
+            <a:off x="9112065" y="1407463"/>
+            <a:ext cx="206188" cy="206188"/>
+          </a:xfrm>
+          <a:prstGeom prst="ellipse">
+            <a:avLst/>
+          </a:prstGeom>
+          <a:solidFill>
+            <a:srgbClr val="00B050"/>
+          </a:solidFill>
+        </p:spPr>
+        <p:style>
+          <a:lnRef idx="2">
+            <a:schemeClr val="accent4">
+              <a:shade val="15000"/>
+            </a:schemeClr>
+          </a:lnRef>
+          <a:fillRef idx="1">
+            <a:schemeClr val="accent4"/>
+          </a:fillRef>
+          <a:effectRef idx="0">
+            <a:schemeClr val="accent4"/>
+          </a:effectRef>
+          <a:fontRef idx="minor">
+            <a:schemeClr val="lt1"/>
+          </a:fontRef>
+        </p:style>
+        <p:txBody>
+          <a:bodyPr rtlCol="0" anchor="ctr"/>
+          <a:lstStyle/>
+          <a:p>
+            <a:pPr algn="ctr"/>
+            <a:endParaRPr lang="zh-TW" altLang="en-US"/>
+          </a:p>
+        </p:txBody>
+      </p:sp>
+      <p:sp>
+        <p:nvSpPr>
+          <p:cNvPr id="26" name="橢圓 25">
+            <a:extLst>
+              <a:ext uri="{FF2B5EF4-FFF2-40B4-BE49-F238E27FC236}">
+                <a16:creationId xmlns:a16="http://schemas.microsoft.com/office/drawing/2014/main" id="{57E21460-6E76-3C8C-BAE6-022DF7F25B9A}"/>
+              </a:ext>
+            </a:extLst>
+          </p:cNvPr>
+          <p:cNvSpPr/>
+          <p:nvPr/>
+        </p:nvSpPr>
+        <p:spPr>
+          <a:xfrm>
+            <a:off x="9298083" y="2312901"/>
+            <a:ext cx="206188" cy="206188"/>
+          </a:xfrm>
+          <a:prstGeom prst="ellipse">
+            <a:avLst/>
+          </a:prstGeom>
+          <a:solidFill>
+            <a:srgbClr val="00B050"/>
+          </a:solidFill>
+        </p:spPr>
+        <p:style>
+          <a:lnRef idx="2">
+            <a:schemeClr val="accent4">
+              <a:shade val="15000"/>
+            </a:schemeClr>
+          </a:lnRef>
+          <a:fillRef idx="1">
+            <a:schemeClr val="accent4"/>
+          </a:fillRef>
+          <a:effectRef idx="0">
+            <a:schemeClr val="accent4"/>
+          </a:effectRef>
+          <a:fontRef idx="minor">
+            <a:schemeClr val="lt1"/>
+          </a:fontRef>
+        </p:style>
+        <p:txBody>
+          <a:bodyPr rtlCol="0" anchor="ctr"/>
+          <a:lstStyle/>
+          <a:p>
+            <a:pPr algn="ctr"/>
+            <a:endParaRPr lang="zh-TW" altLang="en-US"/>
+          </a:p>
+        </p:txBody>
+      </p:sp>
+      <p:sp>
+        <p:nvSpPr>
+          <p:cNvPr id="27" name="橢圓 26">
+            <a:extLst>
+              <a:ext uri="{FF2B5EF4-FFF2-40B4-BE49-F238E27FC236}">
+                <a16:creationId xmlns:a16="http://schemas.microsoft.com/office/drawing/2014/main" id="{47060C9D-5A1A-3505-E7E3-BFCC10AAED0C}"/>
+              </a:ext>
+            </a:extLst>
+          </p:cNvPr>
+          <p:cNvSpPr/>
+          <p:nvPr/>
+        </p:nvSpPr>
+        <p:spPr>
+          <a:xfrm>
+            <a:off x="8533562" y="1846734"/>
+            <a:ext cx="206188" cy="206188"/>
+          </a:xfrm>
+          <a:prstGeom prst="ellipse">
+            <a:avLst/>
+          </a:prstGeom>
+          <a:solidFill>
+            <a:srgbClr val="00B050"/>
+          </a:solidFill>
+        </p:spPr>
+        <p:style>
+          <a:lnRef idx="2">
+            <a:schemeClr val="accent4">
+              <a:shade val="15000"/>
+            </a:schemeClr>
+          </a:lnRef>
+          <a:fillRef idx="1">
+            <a:schemeClr val="accent4"/>
+          </a:fillRef>
+          <a:effectRef idx="0">
+            <a:schemeClr val="accent4"/>
+          </a:effectRef>
+          <a:fontRef idx="minor">
+            <a:schemeClr val="lt1"/>
+          </a:fontRef>
+        </p:style>
+        <p:txBody>
+          <a:bodyPr rtlCol="0" anchor="ctr"/>
+          <a:lstStyle/>
+          <a:p>
+            <a:pPr algn="ctr"/>
+            <a:endParaRPr lang="zh-TW" altLang="en-US"/>
+          </a:p>
+        </p:txBody>
+      </p:sp>
+      <p:sp>
+        <p:nvSpPr>
+          <p:cNvPr id="28" name="橢圓 27">
+            <a:extLst>
+              <a:ext uri="{FF2B5EF4-FFF2-40B4-BE49-F238E27FC236}">
+                <a16:creationId xmlns:a16="http://schemas.microsoft.com/office/drawing/2014/main" id="{7BBAB281-8EF7-69C4-FB6E-8E87563D0A32}"/>
+              </a:ext>
+            </a:extLst>
+          </p:cNvPr>
+          <p:cNvSpPr/>
+          <p:nvPr/>
+        </p:nvSpPr>
+        <p:spPr>
+          <a:xfrm>
+            <a:off x="9506512" y="1999132"/>
+            <a:ext cx="206188" cy="206188"/>
+          </a:xfrm>
+          <a:prstGeom prst="ellipse">
+            <a:avLst/>
+          </a:prstGeom>
+          <a:solidFill>
+            <a:srgbClr val="00B050"/>
+          </a:solidFill>
+        </p:spPr>
+        <p:style>
+          <a:lnRef idx="2">
+            <a:schemeClr val="accent4">
+              <a:shade val="15000"/>
+            </a:schemeClr>
+          </a:lnRef>
+          <a:fillRef idx="1">
+            <a:schemeClr val="accent4"/>
+          </a:fillRef>
+          <a:effectRef idx="0">
+            <a:schemeClr val="accent4"/>
+          </a:effectRef>
+          <a:fontRef idx="minor">
+            <a:schemeClr val="lt1"/>
+          </a:fontRef>
+        </p:style>
+        <p:txBody>
+          <a:bodyPr rtlCol="0" anchor="ctr"/>
+          <a:lstStyle/>
+          <a:p>
+            <a:pPr algn="ctr"/>
+            <a:endParaRPr lang="zh-TW" altLang="en-US"/>
+          </a:p>
+        </p:txBody>
+      </p:sp>
+      <p:sp>
+        <p:nvSpPr>
+          <p:cNvPr id="32" name="文字方塊 31">
+            <a:extLst>
+              <a:ext uri="{FF2B5EF4-FFF2-40B4-BE49-F238E27FC236}">
+                <a16:creationId xmlns:a16="http://schemas.microsoft.com/office/drawing/2014/main" id="{38C9C8B7-BAB7-335F-396E-92760DC4383C}"/>
+              </a:ext>
+            </a:extLst>
+          </p:cNvPr>
+          <p:cNvSpPr txBox="1"/>
+          <p:nvPr/>
+        </p:nvSpPr>
+        <p:spPr>
+          <a:xfrm>
+            <a:off x="6123459" y="316042"/>
+            <a:ext cx="2988606" cy="461665"/>
+          </a:xfrm>
+          <a:prstGeom prst="rect">
+            <a:avLst/>
+          </a:prstGeom>
+          <a:noFill/>
+        </p:spPr>
+        <p:txBody>
+          <a:bodyPr wrap="square">
+            <a:spAutoFit/>
+          </a:bodyPr>
+          <a:lstStyle/>
+          <a:p>
+            <a:r>
+              <a:rPr lang="en-US" altLang="zh-TW" sz="2400" b="1" dirty="0"/>
+              <a:t>t = 0 , </a:t>
+            </a:r>
+            <a:r>
+              <a:rPr lang="en-US" altLang="zh-TW" sz="2400" b="1" dirty="0" err="1"/>
+              <a:t>dataN</a:t>
+            </a:r>
+            <a:endParaRPr lang="zh-TW" altLang="en-US" sz="2400" dirty="0"/>
+          </a:p>
+        </p:txBody>
+      </p:sp>
+      <p:sp>
+        <p:nvSpPr>
+          <p:cNvPr id="34" name="文字方塊 33">
+            <a:extLst>
+              <a:ext uri="{FF2B5EF4-FFF2-40B4-BE49-F238E27FC236}">
+                <a16:creationId xmlns:a16="http://schemas.microsoft.com/office/drawing/2014/main" id="{F5C7508B-5142-82C3-BE9E-42902F5EF6E3}"/>
+              </a:ext>
+            </a:extLst>
+          </p:cNvPr>
+          <p:cNvSpPr txBox="1"/>
+          <p:nvPr/>
+        </p:nvSpPr>
+        <p:spPr>
+          <a:xfrm>
+            <a:off x="5628997" y="4457585"/>
+            <a:ext cx="6096000" cy="461665"/>
+          </a:xfrm>
+          <a:prstGeom prst="rect">
+            <a:avLst/>
+          </a:prstGeom>
+          <a:noFill/>
+        </p:spPr>
+        <p:txBody>
+          <a:bodyPr wrap="square">
+            <a:spAutoFit/>
+          </a:bodyPr>
+          <a:lstStyle/>
+          <a:p>
+            <a:r>
+              <a:rPr lang="en-US" altLang="zh-TW" sz="2400" b="1" dirty="0"/>
+              <a:t>3. </a:t>
+            </a:r>
+            <a:r>
+              <a:rPr lang="zh-TW" altLang="en-US" sz="2400" b="1" dirty="0"/>
+              <a:t>找到</a:t>
+            </a:r>
+            <a:r>
+              <a:rPr lang="en-US" altLang="zh-TW" sz="2400" b="1" dirty="0" err="1"/>
+              <a:t>dataN</a:t>
+            </a:r>
+            <a:r>
+              <a:rPr lang="zh-TW" altLang="en-US" sz="2400" b="1" dirty="0"/>
+              <a:t>的 </a:t>
+            </a:r>
+            <a:r>
+              <a:rPr lang="en-US" altLang="zh-TW" sz="2400" b="1" dirty="0" err="1"/>
+              <a:t>Kmeans</a:t>
+            </a:r>
+            <a:r>
+              <a:rPr lang="zh-TW" altLang="en-US" sz="2400" b="1" dirty="0"/>
+              <a:t>中點座標</a:t>
+            </a:r>
+            <a:r>
+              <a:rPr lang="en-US" altLang="zh-TW" sz="2400" b="1" dirty="0" err="1"/>
+              <a:t>center_point</a:t>
+            </a:r>
+            <a:endParaRPr lang="zh-TW" altLang="en-US" sz="2400" b="1" dirty="0"/>
           </a:p>
         </p:txBody>
       </p:sp>
     </p:spTree>
     <p:extLst>
       <p:ext uri="{BB962C8B-B14F-4D97-AF65-F5344CB8AC3E}">
-        <p14:creationId xmlns:p14="http://schemas.microsoft.com/office/powerpoint/2010/main" val="3802405366"/>
+        <p14:creationId xmlns:p14="http://schemas.microsoft.com/office/powerpoint/2010/main" val="1617317362"/>
       </p:ext>
     </p:extLst>
   </p:cSld>
@@ -4935,10 +5236,493 @@
           <a:chExt cx="0" cy="0"/>
         </a:xfrm>
       </p:grpSpPr>
+      <p:grpSp>
+        <p:nvGrpSpPr>
+          <p:cNvPr id="40" name="群組 39">
+            <a:extLst>
+              <a:ext uri="{FF2B5EF4-FFF2-40B4-BE49-F238E27FC236}">
+                <a16:creationId xmlns:a16="http://schemas.microsoft.com/office/drawing/2014/main" id="{57CC470D-3E2F-4F23-3779-73C6204875B6}"/>
+              </a:ext>
+            </a:extLst>
+          </p:cNvPr>
+          <p:cNvGrpSpPr/>
+          <p:nvPr/>
+        </p:nvGrpSpPr>
+        <p:grpSpPr>
+          <a:xfrm>
+            <a:off x="532279" y="2814917"/>
+            <a:ext cx="5362294" cy="2357718"/>
+            <a:chOff x="191620" y="528917"/>
+            <a:chExt cx="5362294" cy="2357718"/>
+          </a:xfrm>
+          <a:noFill/>
+        </p:grpSpPr>
+        <p:sp>
+          <p:nvSpPr>
+            <p:cNvPr id="6" name="矩形: 圓角 5">
+              <a:extLst>
+                <a:ext uri="{FF2B5EF4-FFF2-40B4-BE49-F238E27FC236}">
+                  <a16:creationId xmlns:a16="http://schemas.microsoft.com/office/drawing/2014/main" id="{B9307428-3370-AC1D-ECF3-58921BF955C1}"/>
+                </a:ext>
+              </a:extLst>
+            </p:cNvPr>
+            <p:cNvSpPr/>
+            <p:nvPr/>
+          </p:nvSpPr>
+          <p:spPr>
+            <a:xfrm>
+              <a:off x="1385326" y="528917"/>
+              <a:ext cx="4168588" cy="2357718"/>
+            </a:xfrm>
+            <a:prstGeom prst="roundRect">
+              <a:avLst/>
+            </a:prstGeom>
+            <a:solidFill>
+              <a:schemeClr val="bg1"/>
+            </a:solidFill>
+            <a:ln w="76200"/>
+          </p:spPr>
+          <p:style>
+            <a:lnRef idx="2">
+              <a:schemeClr val="accent1">
+                <a:shade val="15000"/>
+              </a:schemeClr>
+            </a:lnRef>
+            <a:fillRef idx="1">
+              <a:schemeClr val="accent1"/>
+            </a:fillRef>
+            <a:effectRef idx="0">
+              <a:schemeClr val="accent1"/>
+            </a:effectRef>
+            <a:fontRef idx="minor">
+              <a:schemeClr val="lt1"/>
+            </a:fontRef>
+          </p:style>
+          <p:txBody>
+            <a:bodyPr rtlCol="0" anchor="ctr"/>
+            <a:lstStyle/>
+            <a:p>
+              <a:pPr algn="ctr"/>
+              <a:endParaRPr lang="zh-TW" altLang="en-US"/>
+            </a:p>
+          </p:txBody>
+        </p:sp>
+        <p:sp>
+          <p:nvSpPr>
+            <p:cNvPr id="8" name="文字方塊 7">
+              <a:extLst>
+                <a:ext uri="{FF2B5EF4-FFF2-40B4-BE49-F238E27FC236}">
+                  <a16:creationId xmlns:a16="http://schemas.microsoft.com/office/drawing/2014/main" id="{230FA324-DE4E-114E-7954-4F86430D50B0}"/>
+                </a:ext>
+              </a:extLst>
+            </p:cNvPr>
+            <p:cNvSpPr txBox="1"/>
+            <p:nvPr/>
+          </p:nvSpPr>
+          <p:spPr>
+            <a:xfrm>
+              <a:off x="3021105" y="1136737"/>
+              <a:ext cx="1972236" cy="369332"/>
+            </a:xfrm>
+            <a:prstGeom prst="rect">
+              <a:avLst/>
+            </a:prstGeom>
+            <a:grpFill/>
+          </p:spPr>
+          <p:txBody>
+            <a:bodyPr wrap="square">
+              <a:spAutoFit/>
+            </a:bodyPr>
+            <a:lstStyle/>
+            <a:p>
+              <a:r>
+                <a:rPr lang="en-US" altLang="zh-TW" b="0" dirty="0" err="1">
+                  <a:solidFill>
+                    <a:srgbClr val="CE9178"/>
+                  </a:solidFill>
+                  <a:effectLst/>
+                  <a:latin typeface="Consolas" panose="020B0609020204030204" pitchFamily="49" charset="0"/>
+                </a:rPr>
+                <a:t>center_point</a:t>
+              </a:r>
+              <a:endParaRPr lang="en-US" altLang="zh-TW" b="0" dirty="0">
+                <a:solidFill>
+                  <a:srgbClr val="CCCCCC"/>
+                </a:solidFill>
+                <a:effectLst/>
+                <a:latin typeface="Consolas" panose="020B0609020204030204" pitchFamily="49" charset="0"/>
+              </a:endParaRPr>
+            </a:p>
+          </p:txBody>
+        </p:sp>
+        <p:sp>
+          <p:nvSpPr>
+            <p:cNvPr id="3" name="文字方塊 2">
+              <a:extLst>
+                <a:ext uri="{FF2B5EF4-FFF2-40B4-BE49-F238E27FC236}">
+                  <a16:creationId xmlns:a16="http://schemas.microsoft.com/office/drawing/2014/main" id="{D0D92529-F11E-120E-08E1-569C4A8A9C81}"/>
+                </a:ext>
+              </a:extLst>
+            </p:cNvPr>
+            <p:cNvSpPr txBox="1"/>
+            <p:nvPr/>
+          </p:nvSpPr>
+          <p:spPr>
+            <a:xfrm>
+              <a:off x="191620" y="706201"/>
+              <a:ext cx="1574427" cy="369332"/>
+            </a:xfrm>
+            <a:prstGeom prst="rect">
+              <a:avLst/>
+            </a:prstGeom>
+            <a:grpFill/>
+          </p:spPr>
+          <p:txBody>
+            <a:bodyPr wrap="square">
+              <a:spAutoFit/>
+            </a:bodyPr>
+            <a:lstStyle/>
+            <a:p>
+              <a:r>
+                <a:rPr lang="en-US" altLang="zh-TW" b="0" dirty="0">
+                  <a:solidFill>
+                    <a:schemeClr val="accent1">
+                      <a:lumMod val="75000"/>
+                    </a:schemeClr>
+                  </a:solidFill>
+                  <a:effectLst/>
+                  <a:latin typeface="Consolas" panose="020B0609020204030204" pitchFamily="49" charset="0"/>
+                </a:rPr>
+                <a:t>UAV(0,0)</a:t>
+              </a:r>
+            </a:p>
+          </p:txBody>
+        </p:sp>
+        <p:sp>
+          <p:nvSpPr>
+            <p:cNvPr id="7" name="箭號: 左-右雙向 6">
+              <a:extLst>
+                <a:ext uri="{FF2B5EF4-FFF2-40B4-BE49-F238E27FC236}">
+                  <a16:creationId xmlns:a16="http://schemas.microsoft.com/office/drawing/2014/main" id="{579A12DE-D058-F74D-CDC6-473FC3135F1F}"/>
+                </a:ext>
+              </a:extLst>
+            </p:cNvPr>
+            <p:cNvSpPr/>
+            <p:nvPr/>
+          </p:nvSpPr>
+          <p:spPr>
+            <a:xfrm rot="1649751">
+              <a:off x="1380249" y="1045989"/>
+              <a:ext cx="1950443" cy="181498"/>
+            </a:xfrm>
+            <a:prstGeom prst="leftRightArrow">
+              <a:avLst/>
+            </a:prstGeom>
+            <a:solidFill>
+              <a:srgbClr val="92D050"/>
+            </a:solidFill>
+            <a:ln>
+              <a:solidFill>
+                <a:schemeClr val="bg2">
+                  <a:lumMod val="10000"/>
+                </a:schemeClr>
+              </a:solidFill>
+            </a:ln>
+          </p:spPr>
+          <p:style>
+            <a:lnRef idx="2">
+              <a:schemeClr val="accent6">
+                <a:shade val="15000"/>
+              </a:schemeClr>
+            </a:lnRef>
+            <a:fillRef idx="1">
+              <a:schemeClr val="accent6"/>
+            </a:fillRef>
+            <a:effectRef idx="0">
+              <a:schemeClr val="accent6"/>
+            </a:effectRef>
+            <a:fontRef idx="minor">
+              <a:schemeClr val="lt1"/>
+            </a:fontRef>
+          </p:style>
+          <p:txBody>
+            <a:bodyPr rtlCol="0" anchor="ctr"/>
+            <a:lstStyle/>
+            <a:p>
+              <a:pPr algn="ctr"/>
+              <a:endParaRPr lang="zh-TW" altLang="en-US"/>
+            </a:p>
+          </p:txBody>
+        </p:sp>
+      </p:grpSp>
+      <p:sp>
+        <p:nvSpPr>
+          <p:cNvPr id="34" name="文字方塊 33">
+            <a:extLst>
+              <a:ext uri="{FF2B5EF4-FFF2-40B4-BE49-F238E27FC236}">
+                <a16:creationId xmlns:a16="http://schemas.microsoft.com/office/drawing/2014/main" id="{1306864D-FD35-06D4-F28C-3C89E44CA614}"/>
+              </a:ext>
+            </a:extLst>
+          </p:cNvPr>
+          <p:cNvSpPr txBox="1"/>
+          <p:nvPr/>
+        </p:nvSpPr>
+        <p:spPr>
+          <a:xfrm>
+            <a:off x="1518674" y="817201"/>
+            <a:ext cx="6096000" cy="1697068"/>
+          </a:xfrm>
+          <a:prstGeom prst="rect">
+            <a:avLst/>
+          </a:prstGeom>
+          <a:noFill/>
+        </p:spPr>
+        <p:txBody>
+          <a:bodyPr wrap="square">
+            <a:spAutoFit/>
+          </a:bodyPr>
+          <a:lstStyle/>
+          <a:p>
+            <a:pPr marL="457200" indent="-457200">
+              <a:lnSpc>
+                <a:spcPct val="150000"/>
+              </a:lnSpc>
+              <a:buFont typeface="+mj-lt"/>
+              <a:buAutoNum type="arabicPeriod" startAt="4"/>
+            </a:pPr>
+            <a:r>
+              <a:rPr lang="zh-TW" altLang="en-US" sz="2400" b="1" dirty="0"/>
+              <a:t>計算</a:t>
+            </a:r>
+            <a:r>
+              <a:rPr lang="en-US" altLang="zh-TW" sz="2400" b="1" dirty="0"/>
+              <a:t>UAV</a:t>
+            </a:r>
+            <a:r>
+              <a:rPr lang="zh-TW" altLang="en-US" sz="2400" b="1" dirty="0"/>
+              <a:t>到</a:t>
+            </a:r>
+            <a:r>
+              <a:rPr lang="en-US" altLang="zh-TW" sz="2400" b="1" dirty="0" err="1"/>
+              <a:t>center_point</a:t>
+            </a:r>
+            <a:r>
+              <a:rPr lang="zh-TW" altLang="en-US" sz="2400" b="1" dirty="0"/>
+              <a:t> 的距離 </a:t>
+            </a:r>
+            <a:r>
+              <a:rPr lang="en-US" altLang="zh-TW" sz="2400" b="0" dirty="0">
+                <a:effectLst/>
+                <a:latin typeface="Consolas" panose="020B0609020204030204" pitchFamily="49" charset="0"/>
+              </a:rPr>
+              <a:t>d</a:t>
+            </a:r>
+            <a:r>
+              <a:rPr lang="en-US" altLang="zh-TW" sz="2400" b="0" baseline="-25000" dirty="0">
+                <a:effectLst/>
+                <a:latin typeface="Consolas" panose="020B0609020204030204" pitchFamily="49" charset="0"/>
+              </a:rPr>
+              <a:t>u</a:t>
+            </a:r>
+            <a:endParaRPr lang="en-US" altLang="zh-TW" sz="2400" b="1" dirty="0"/>
+          </a:p>
+          <a:p>
+            <a:pPr marL="457200" indent="-457200">
+              <a:lnSpc>
+                <a:spcPct val="150000"/>
+              </a:lnSpc>
+              <a:buFont typeface="+mj-lt"/>
+              <a:buAutoNum type="arabicPeriod" startAt="4"/>
+            </a:pPr>
+            <a:r>
+              <a:rPr lang="zh-TW" altLang="en-US" sz="2400" b="1" dirty="0"/>
+              <a:t>計算無人機飛行至</a:t>
+            </a:r>
+            <a:r>
+              <a:rPr lang="en-US" altLang="zh-TW" sz="2400" b="1" dirty="0" err="1"/>
+              <a:t>center_point</a:t>
+            </a:r>
+            <a:r>
+              <a:rPr lang="zh-TW" altLang="en-US" sz="2400" b="1" dirty="0"/>
+              <a:t>的時間 </a:t>
+            </a:r>
+            <a:r>
+              <a:rPr lang="en-US" altLang="zh-TW" sz="2400" b="1" dirty="0"/>
+              <a:t>t</a:t>
+            </a:r>
+          </a:p>
+          <a:p>
+            <a:pPr marL="457200" indent="-457200">
+              <a:lnSpc>
+                <a:spcPct val="150000"/>
+              </a:lnSpc>
+              <a:buFont typeface="+mj-lt"/>
+              <a:buAutoNum type="arabicPeriod" startAt="4"/>
+            </a:pPr>
+            <a:endParaRPr lang="en-US" altLang="zh-TW" sz="2400" b="1" dirty="0"/>
+          </a:p>
+        </p:txBody>
+      </p:sp>
+      <p:sp>
+        <p:nvSpPr>
+          <p:cNvPr id="41" name="文字方塊 40">
+            <a:extLst>
+              <a:ext uri="{FF2B5EF4-FFF2-40B4-BE49-F238E27FC236}">
+                <a16:creationId xmlns:a16="http://schemas.microsoft.com/office/drawing/2014/main" id="{793F1E6A-A1E3-0D7B-7562-303697BCD1B3}"/>
+              </a:ext>
+            </a:extLst>
+          </p:cNvPr>
+          <p:cNvSpPr txBox="1"/>
+          <p:nvPr/>
+        </p:nvSpPr>
+        <p:spPr>
+          <a:xfrm>
+            <a:off x="2590341" y="2973719"/>
+            <a:ext cx="862025" cy="461665"/>
+          </a:xfrm>
+          <a:prstGeom prst="rect">
+            <a:avLst/>
+          </a:prstGeom>
+          <a:noFill/>
+        </p:spPr>
+        <p:txBody>
+          <a:bodyPr wrap="square">
+            <a:spAutoFit/>
+          </a:bodyPr>
+          <a:lstStyle/>
+          <a:p>
+            <a:r>
+              <a:rPr lang="en-US" altLang="zh-TW" sz="2400" b="0" dirty="0">
+                <a:solidFill>
+                  <a:schemeClr val="accent6">
+                    <a:lumMod val="75000"/>
+                  </a:schemeClr>
+                </a:solidFill>
+                <a:effectLst/>
+                <a:latin typeface="Consolas" panose="020B0609020204030204" pitchFamily="49" charset="0"/>
+              </a:rPr>
+              <a:t>d</a:t>
+            </a:r>
+            <a:r>
+              <a:rPr lang="en-US" altLang="zh-TW" sz="2400" b="0" baseline="-25000" dirty="0">
+                <a:solidFill>
+                  <a:schemeClr val="accent6">
+                    <a:lumMod val="75000"/>
+                  </a:schemeClr>
+                </a:solidFill>
+                <a:effectLst/>
+                <a:latin typeface="Consolas" panose="020B0609020204030204" pitchFamily="49" charset="0"/>
+              </a:rPr>
+              <a:t>u</a:t>
+            </a:r>
+            <a:endParaRPr lang="en-US" altLang="zh-TW" sz="2400" b="0" dirty="0">
+              <a:solidFill>
+                <a:schemeClr val="accent6">
+                  <a:lumMod val="75000"/>
+                </a:schemeClr>
+              </a:solidFill>
+              <a:effectLst/>
+              <a:latin typeface="Consolas" panose="020B0609020204030204" pitchFamily="49" charset="0"/>
+            </a:endParaRPr>
+          </a:p>
+        </p:txBody>
+      </p:sp>
+      <p:sp>
+        <p:nvSpPr>
+          <p:cNvPr id="44" name="橢圓 43">
+            <a:extLst>
+              <a:ext uri="{FF2B5EF4-FFF2-40B4-BE49-F238E27FC236}">
+                <a16:creationId xmlns:a16="http://schemas.microsoft.com/office/drawing/2014/main" id="{4CB0570F-72CF-7172-6351-DF403252D626}"/>
+              </a:ext>
+            </a:extLst>
+          </p:cNvPr>
+          <p:cNvSpPr/>
+          <p:nvPr/>
+        </p:nvSpPr>
+        <p:spPr>
+          <a:xfrm>
+            <a:off x="3562119" y="3804115"/>
+            <a:ext cx="328966" cy="337857"/>
+          </a:xfrm>
+          <a:prstGeom prst="ellipse">
+            <a:avLst/>
+          </a:prstGeom>
+        </p:spPr>
+        <p:style>
+          <a:lnRef idx="2">
+            <a:schemeClr val="accent2">
+              <a:shade val="15000"/>
+            </a:schemeClr>
+          </a:lnRef>
+          <a:fillRef idx="1">
+            <a:schemeClr val="accent2"/>
+          </a:fillRef>
+          <a:effectRef idx="0">
+            <a:schemeClr val="accent2"/>
+          </a:effectRef>
+          <a:fontRef idx="minor">
+            <a:schemeClr val="lt1"/>
+          </a:fontRef>
+        </p:style>
+        <p:txBody>
+          <a:bodyPr rtlCol="0" anchor="ctr"/>
+          <a:lstStyle/>
+          <a:p>
+            <a:pPr algn="ctr"/>
+            <a:endParaRPr lang="zh-TW" altLang="en-US"/>
+          </a:p>
+        </p:txBody>
+      </p:sp>
+      <p:sp>
+        <p:nvSpPr>
+          <p:cNvPr id="45" name="橢圓 44">
+            <a:extLst>
+              <a:ext uri="{FF2B5EF4-FFF2-40B4-BE49-F238E27FC236}">
+                <a16:creationId xmlns:a16="http://schemas.microsoft.com/office/drawing/2014/main" id="{CA90AF7C-3753-9F1A-08BE-C6372F680B35}"/>
+              </a:ext>
+            </a:extLst>
+          </p:cNvPr>
+          <p:cNvSpPr/>
+          <p:nvPr/>
+        </p:nvSpPr>
+        <p:spPr>
+          <a:xfrm>
+            <a:off x="1460201" y="2604241"/>
+            <a:ext cx="328966" cy="337857"/>
+          </a:xfrm>
+          <a:prstGeom prst="ellipse">
+            <a:avLst/>
+          </a:prstGeom>
+        </p:spPr>
+        <p:style>
+          <a:lnRef idx="2">
+            <a:schemeClr val="accent5">
+              <a:shade val="15000"/>
+            </a:schemeClr>
+          </a:lnRef>
+          <a:fillRef idx="1">
+            <a:schemeClr val="accent5"/>
+          </a:fillRef>
+          <a:effectRef idx="0">
+            <a:schemeClr val="accent5"/>
+          </a:effectRef>
+          <a:fontRef idx="minor">
+            <a:schemeClr val="lt1"/>
+          </a:fontRef>
+        </p:style>
+        <p:txBody>
+          <a:bodyPr rtlCol="0" anchor="ctr"/>
+          <a:lstStyle/>
+          <a:p>
+            <a:pPr algn="ctr"/>
+            <a:endParaRPr lang="zh-TW" altLang="en-US"/>
+          </a:p>
+        </p:txBody>
+      </p:sp>
     </p:spTree>
     <p:extLst>
       <p:ext uri="{BB962C8B-B14F-4D97-AF65-F5344CB8AC3E}">
-        <p14:creationId xmlns:p14="http://schemas.microsoft.com/office/powerpoint/2010/main" val="457658384"/>
+        <p14:creationId xmlns:p14="http://schemas.microsoft.com/office/powerpoint/2010/main" val="1518337880"/>
       </p:ext>
     </p:extLst>
   </p:cSld>
@@ -4965,10 +5749,3255 @@
           <a:chExt cx="0" cy="0"/>
         </a:xfrm>
       </p:grpSpPr>
+      <p:grpSp>
+        <p:nvGrpSpPr>
+          <p:cNvPr id="9" name="群組 8">
+            <a:extLst>
+              <a:ext uri="{FF2B5EF4-FFF2-40B4-BE49-F238E27FC236}">
+                <a16:creationId xmlns:a16="http://schemas.microsoft.com/office/drawing/2014/main" id="{254962B4-756A-3B63-1A71-843B48BA3D85}"/>
+              </a:ext>
+            </a:extLst>
+          </p:cNvPr>
+          <p:cNvGrpSpPr/>
+          <p:nvPr/>
+        </p:nvGrpSpPr>
+        <p:grpSpPr>
+          <a:xfrm>
+            <a:off x="1018616" y="3088572"/>
+            <a:ext cx="9874066" cy="3107593"/>
+            <a:chOff x="310119" y="3123350"/>
+            <a:chExt cx="9874066" cy="3107593"/>
+          </a:xfrm>
+        </p:grpSpPr>
+        <p:sp>
+          <p:nvSpPr>
+            <p:cNvPr id="10" name="文字方塊 9">
+              <a:extLst>
+                <a:ext uri="{FF2B5EF4-FFF2-40B4-BE49-F238E27FC236}">
+                  <a16:creationId xmlns:a16="http://schemas.microsoft.com/office/drawing/2014/main" id="{58D73774-6597-2C52-02F1-5D3E7DF9B730}"/>
+                </a:ext>
+              </a:extLst>
+            </p:cNvPr>
+            <p:cNvSpPr txBox="1"/>
+            <p:nvPr/>
+          </p:nvSpPr>
+          <p:spPr>
+            <a:xfrm>
+              <a:off x="310119" y="3123350"/>
+              <a:ext cx="1574427" cy="461665"/>
+            </a:xfrm>
+            <a:prstGeom prst="rect">
+              <a:avLst/>
+            </a:prstGeom>
+            <a:noFill/>
+          </p:spPr>
+          <p:txBody>
+            <a:bodyPr wrap="square">
+              <a:spAutoFit/>
+            </a:bodyPr>
+            <a:lstStyle/>
+            <a:p>
+              <a:r>
+                <a:rPr lang="en-US" altLang="zh-TW" sz="2400" b="1" dirty="0">
+                  <a:latin typeface="Consolas" panose="020B0609020204030204" pitchFamily="49" charset="0"/>
+                </a:rPr>
+                <a:t>t</a:t>
+              </a:r>
+              <a:r>
+                <a:rPr lang="zh-TW" altLang="en-US" sz="2400" b="1" dirty="0">
+                  <a:latin typeface="Consolas" panose="020B0609020204030204" pitchFamily="49" charset="0"/>
+                </a:rPr>
+                <a:t>秒後</a:t>
+              </a:r>
+              <a:endParaRPr lang="en-US" altLang="zh-TW" sz="2400" b="1" dirty="0">
+                <a:effectLst/>
+                <a:latin typeface="Consolas" panose="020B0609020204030204" pitchFamily="49" charset="0"/>
+              </a:endParaRPr>
+            </a:p>
+          </p:txBody>
+        </p:sp>
+        <p:grpSp>
+          <p:nvGrpSpPr>
+            <p:cNvPr id="11" name="群組 10">
+              <a:extLst>
+                <a:ext uri="{FF2B5EF4-FFF2-40B4-BE49-F238E27FC236}">
+                  <a16:creationId xmlns:a16="http://schemas.microsoft.com/office/drawing/2014/main" id="{5E3246E3-CBAC-0450-8B81-C7A37EF4762C}"/>
+                </a:ext>
+              </a:extLst>
+            </p:cNvPr>
+            <p:cNvGrpSpPr/>
+            <p:nvPr/>
+          </p:nvGrpSpPr>
+          <p:grpSpPr>
+            <a:xfrm>
+              <a:off x="966194" y="3727572"/>
+              <a:ext cx="9217991" cy="2503371"/>
+              <a:chOff x="966194" y="3727572"/>
+              <a:chExt cx="9217991" cy="2503371"/>
+            </a:xfrm>
+          </p:grpSpPr>
+          <p:sp>
+            <p:nvSpPr>
+              <p:cNvPr id="14" name="矩形: 圓角 13">
+                <a:extLst>
+                  <a:ext uri="{FF2B5EF4-FFF2-40B4-BE49-F238E27FC236}">
+                    <a16:creationId xmlns:a16="http://schemas.microsoft.com/office/drawing/2014/main" id="{3808E6DB-B521-5588-0F3B-F0ECC4586799}"/>
+                  </a:ext>
+                </a:extLst>
+              </p:cNvPr>
+              <p:cNvSpPr/>
+              <p:nvPr/>
+            </p:nvSpPr>
+            <p:spPr>
+              <a:xfrm>
+                <a:off x="6015597" y="3873225"/>
+                <a:ext cx="4168588" cy="2357718"/>
+              </a:xfrm>
+              <a:prstGeom prst="roundRect">
+                <a:avLst/>
+              </a:prstGeom>
+              <a:solidFill>
+                <a:schemeClr val="bg1"/>
+              </a:solidFill>
+              <a:ln w="76200"/>
+            </p:spPr>
+            <p:style>
+              <a:lnRef idx="2">
+                <a:schemeClr val="accent1">
+                  <a:shade val="15000"/>
+                </a:schemeClr>
+              </a:lnRef>
+              <a:fillRef idx="1">
+                <a:schemeClr val="accent1"/>
+              </a:fillRef>
+              <a:effectRef idx="0">
+                <a:schemeClr val="accent1"/>
+              </a:effectRef>
+              <a:fontRef idx="minor">
+                <a:schemeClr val="lt1"/>
+              </a:fontRef>
+            </p:style>
+            <p:txBody>
+              <a:bodyPr rtlCol="0" anchor="ctr"/>
+              <a:lstStyle/>
+              <a:p>
+                <a:pPr algn="ctr"/>
+                <a:endParaRPr lang="zh-TW" altLang="en-US"/>
+              </a:p>
+            </p:txBody>
+          </p:sp>
+          <p:sp>
+            <p:nvSpPr>
+              <p:cNvPr id="21" name="矩形: 圓角 20">
+                <a:extLst>
+                  <a:ext uri="{FF2B5EF4-FFF2-40B4-BE49-F238E27FC236}">
+                    <a16:creationId xmlns:a16="http://schemas.microsoft.com/office/drawing/2014/main" id="{6E50EFB3-D4AC-BEB7-4398-6995128C8B23}"/>
+                  </a:ext>
+                </a:extLst>
+              </p:cNvPr>
+              <p:cNvSpPr/>
+              <p:nvPr/>
+            </p:nvSpPr>
+            <p:spPr>
+              <a:xfrm>
+                <a:off x="1381373" y="3851065"/>
+                <a:ext cx="4168588" cy="2357718"/>
+              </a:xfrm>
+              <a:prstGeom prst="roundRect">
+                <a:avLst/>
+              </a:prstGeom>
+              <a:solidFill>
+                <a:schemeClr val="bg1"/>
+              </a:solidFill>
+              <a:ln w="76200">
+                <a:prstDash val="sysDash"/>
+              </a:ln>
+            </p:spPr>
+            <p:style>
+              <a:lnRef idx="2">
+                <a:schemeClr val="accent1">
+                  <a:shade val="15000"/>
+                </a:schemeClr>
+              </a:lnRef>
+              <a:fillRef idx="1">
+                <a:schemeClr val="accent1"/>
+              </a:fillRef>
+              <a:effectRef idx="0">
+                <a:schemeClr val="accent1"/>
+              </a:effectRef>
+              <a:fontRef idx="minor">
+                <a:schemeClr val="lt1"/>
+              </a:fontRef>
+            </p:style>
+            <p:txBody>
+              <a:bodyPr rtlCol="0" anchor="ctr"/>
+              <a:lstStyle/>
+              <a:p>
+                <a:pPr algn="ctr"/>
+                <a:endParaRPr lang="zh-TW" altLang="en-US"/>
+              </a:p>
+            </p:txBody>
+          </p:sp>
+          <p:sp>
+            <p:nvSpPr>
+              <p:cNvPr id="12" name="橢圓 11">
+                <a:extLst>
+                  <a:ext uri="{FF2B5EF4-FFF2-40B4-BE49-F238E27FC236}">
+                    <a16:creationId xmlns:a16="http://schemas.microsoft.com/office/drawing/2014/main" id="{8FEA9300-1224-B449-11B8-CA9BCD004498}"/>
+                  </a:ext>
+                </a:extLst>
+              </p:cNvPr>
+              <p:cNvSpPr/>
+              <p:nvPr/>
+            </p:nvSpPr>
+            <p:spPr>
+              <a:xfrm>
+                <a:off x="3113242" y="4750566"/>
+                <a:ext cx="352425" cy="361950"/>
+              </a:xfrm>
+              <a:prstGeom prst="ellipse">
+                <a:avLst/>
+              </a:prstGeom>
+            </p:spPr>
+            <p:style>
+              <a:lnRef idx="2">
+                <a:schemeClr val="accent1">
+                  <a:shade val="15000"/>
+                </a:schemeClr>
+              </a:lnRef>
+              <a:fillRef idx="1">
+                <a:schemeClr val="accent1"/>
+              </a:fillRef>
+              <a:effectRef idx="0">
+                <a:schemeClr val="accent1"/>
+              </a:effectRef>
+              <a:fontRef idx="minor">
+                <a:schemeClr val="lt1"/>
+              </a:fontRef>
+            </p:style>
+            <p:txBody>
+              <a:bodyPr rtlCol="0" anchor="ctr"/>
+              <a:lstStyle/>
+              <a:p>
+                <a:pPr algn="ctr"/>
+                <a:endParaRPr lang="zh-TW" altLang="en-US" dirty="0"/>
+              </a:p>
+            </p:txBody>
+          </p:sp>
+          <p:sp>
+            <p:nvSpPr>
+              <p:cNvPr id="13" name="橢圓 12">
+                <a:extLst>
+                  <a:ext uri="{FF2B5EF4-FFF2-40B4-BE49-F238E27FC236}">
+                    <a16:creationId xmlns:a16="http://schemas.microsoft.com/office/drawing/2014/main" id="{7340712B-20ED-DE05-4AEE-30CBAA2A0061}"/>
+                  </a:ext>
+                </a:extLst>
+              </p:cNvPr>
+              <p:cNvSpPr/>
+              <p:nvPr/>
+            </p:nvSpPr>
+            <p:spPr>
+              <a:xfrm>
+                <a:off x="8057111" y="4813760"/>
+                <a:ext cx="328966" cy="337857"/>
+              </a:xfrm>
+              <a:prstGeom prst="ellipse">
+                <a:avLst/>
+              </a:prstGeom>
+            </p:spPr>
+            <p:style>
+              <a:lnRef idx="2">
+                <a:schemeClr val="accent2">
+                  <a:shade val="15000"/>
+                </a:schemeClr>
+              </a:lnRef>
+              <a:fillRef idx="1">
+                <a:schemeClr val="accent2"/>
+              </a:fillRef>
+              <a:effectRef idx="0">
+                <a:schemeClr val="accent2"/>
+              </a:effectRef>
+              <a:fontRef idx="minor">
+                <a:schemeClr val="lt1"/>
+              </a:fontRef>
+            </p:style>
+            <p:txBody>
+              <a:bodyPr rtlCol="0" anchor="ctr"/>
+              <a:lstStyle/>
+              <a:p>
+                <a:pPr algn="ctr"/>
+                <a:endParaRPr lang="zh-TW" altLang="en-US"/>
+              </a:p>
+            </p:txBody>
+          </p:sp>
+          <p:sp>
+            <p:nvSpPr>
+              <p:cNvPr id="15" name="文字方塊 14">
+                <a:extLst>
+                  <a:ext uri="{FF2B5EF4-FFF2-40B4-BE49-F238E27FC236}">
+                    <a16:creationId xmlns:a16="http://schemas.microsoft.com/office/drawing/2014/main" id="{93811876-1A9D-B543-66FE-AFDEE5CCCB33}"/>
+                  </a:ext>
+                </a:extLst>
+              </p:cNvPr>
+              <p:cNvSpPr txBox="1"/>
+              <p:nvPr/>
+            </p:nvSpPr>
+            <p:spPr>
+              <a:xfrm>
+                <a:off x="7399959" y="4507376"/>
+                <a:ext cx="1972236" cy="369332"/>
+              </a:xfrm>
+              <a:prstGeom prst="rect">
+                <a:avLst/>
+              </a:prstGeom>
+              <a:noFill/>
+            </p:spPr>
+            <p:txBody>
+              <a:bodyPr wrap="square">
+                <a:spAutoFit/>
+              </a:bodyPr>
+              <a:lstStyle/>
+              <a:p>
+                <a:r>
+                  <a:rPr lang="en-US" altLang="zh-TW" dirty="0" err="1">
+                    <a:solidFill>
+                      <a:srgbClr val="CE9178"/>
+                    </a:solidFill>
+                    <a:latin typeface="Consolas" panose="020B0609020204030204" pitchFamily="49" charset="0"/>
+                  </a:rPr>
+                  <a:t>New_center</a:t>
+                </a:r>
+                <a:endParaRPr lang="en-US" altLang="zh-TW" dirty="0">
+                  <a:solidFill>
+                    <a:srgbClr val="CE9178"/>
+                  </a:solidFill>
+                  <a:latin typeface="Consolas" panose="020B0609020204030204" pitchFamily="49" charset="0"/>
+                </a:endParaRPr>
+              </a:p>
+            </p:txBody>
+          </p:sp>
+          <p:sp>
+            <p:nvSpPr>
+              <p:cNvPr id="16" name="箭號: 向右 15">
+                <a:extLst>
+                  <a:ext uri="{FF2B5EF4-FFF2-40B4-BE49-F238E27FC236}">
+                    <a16:creationId xmlns:a16="http://schemas.microsoft.com/office/drawing/2014/main" id="{3ABD30E7-9F68-9E64-0B85-1275DA9F7AD7}"/>
+                  </a:ext>
+                </a:extLst>
+              </p:cNvPr>
+              <p:cNvSpPr/>
+              <p:nvPr/>
+            </p:nvSpPr>
+            <p:spPr>
+              <a:xfrm rot="1649751">
+                <a:off x="1231058" y="4361197"/>
+                <a:ext cx="1950443" cy="181498"/>
+              </a:xfrm>
+              <a:prstGeom prst="rightArrow">
+                <a:avLst/>
+              </a:prstGeom>
+            </p:spPr>
+            <p:style>
+              <a:lnRef idx="2">
+                <a:schemeClr val="accent5">
+                  <a:shade val="15000"/>
+                </a:schemeClr>
+              </a:lnRef>
+              <a:fillRef idx="1">
+                <a:schemeClr val="accent5"/>
+              </a:fillRef>
+              <a:effectRef idx="0">
+                <a:schemeClr val="accent5"/>
+              </a:effectRef>
+              <a:fontRef idx="minor">
+                <a:schemeClr val="lt1"/>
+              </a:fontRef>
+            </p:style>
+            <p:txBody>
+              <a:bodyPr rtlCol="0" anchor="ctr"/>
+              <a:lstStyle/>
+              <a:p>
+                <a:pPr algn="ctr"/>
+                <a:endParaRPr lang="zh-TW" altLang="en-US"/>
+              </a:p>
+            </p:txBody>
+          </p:sp>
+          <p:sp>
+            <p:nvSpPr>
+              <p:cNvPr id="17" name="橢圓 16">
+                <a:extLst>
+                  <a:ext uri="{FF2B5EF4-FFF2-40B4-BE49-F238E27FC236}">
+                    <a16:creationId xmlns:a16="http://schemas.microsoft.com/office/drawing/2014/main" id="{F6ED051E-228C-AEA7-C207-2D29FB21F182}"/>
+                  </a:ext>
+                </a:extLst>
+              </p:cNvPr>
+              <p:cNvSpPr/>
+              <p:nvPr/>
+            </p:nvSpPr>
+            <p:spPr>
+              <a:xfrm>
+                <a:off x="966194" y="3727572"/>
+                <a:ext cx="352425" cy="361950"/>
+              </a:xfrm>
+              <a:prstGeom prst="ellipse">
+                <a:avLst/>
+              </a:prstGeom>
+              <a:noFill/>
+              <a:ln w="57150">
+                <a:solidFill>
+                  <a:srgbClr val="0070C0"/>
+                </a:solidFill>
+                <a:prstDash val="sysDot"/>
+              </a:ln>
+            </p:spPr>
+            <p:style>
+              <a:lnRef idx="2">
+                <a:schemeClr val="accent1">
+                  <a:shade val="15000"/>
+                </a:schemeClr>
+              </a:lnRef>
+              <a:fillRef idx="1">
+                <a:schemeClr val="accent1"/>
+              </a:fillRef>
+              <a:effectRef idx="0">
+                <a:schemeClr val="accent1"/>
+              </a:effectRef>
+              <a:fontRef idx="minor">
+                <a:schemeClr val="lt1"/>
+              </a:fontRef>
+            </p:style>
+            <p:txBody>
+              <a:bodyPr rtlCol="0" anchor="ctr"/>
+              <a:lstStyle/>
+              <a:p>
+                <a:pPr algn="ctr"/>
+                <a:endParaRPr lang="zh-TW" altLang="en-US"/>
+              </a:p>
+            </p:txBody>
+          </p:sp>
+          <p:sp>
+            <p:nvSpPr>
+              <p:cNvPr id="18" name="文字方塊 17">
+                <a:extLst>
+                  <a:ext uri="{FF2B5EF4-FFF2-40B4-BE49-F238E27FC236}">
+                    <a16:creationId xmlns:a16="http://schemas.microsoft.com/office/drawing/2014/main" id="{0EB217F1-3FAA-2AF8-2F74-C02C4F2B7B6A}"/>
+                  </a:ext>
+                </a:extLst>
+              </p:cNvPr>
+              <p:cNvSpPr txBox="1"/>
+              <p:nvPr/>
+            </p:nvSpPr>
+            <p:spPr>
+              <a:xfrm>
+                <a:off x="2167760" y="3951458"/>
+                <a:ext cx="862025" cy="461665"/>
+              </a:xfrm>
+              <a:prstGeom prst="rect">
+                <a:avLst/>
+              </a:prstGeom>
+              <a:noFill/>
+            </p:spPr>
+            <p:txBody>
+              <a:bodyPr wrap="square">
+                <a:spAutoFit/>
+              </a:bodyPr>
+              <a:lstStyle/>
+              <a:p>
+                <a:r>
+                  <a:rPr lang="en-US" altLang="zh-TW" sz="2400" b="0" dirty="0">
+                    <a:solidFill>
+                      <a:srgbClr val="0070C0"/>
+                    </a:solidFill>
+                    <a:effectLst/>
+                    <a:latin typeface="Consolas" panose="020B0609020204030204" pitchFamily="49" charset="0"/>
+                  </a:rPr>
+                  <a:t>d</a:t>
+                </a:r>
+                <a:r>
+                  <a:rPr lang="en-US" altLang="zh-TW" sz="2400" b="0" baseline="-25000" dirty="0">
+                    <a:solidFill>
+                      <a:srgbClr val="0070C0"/>
+                    </a:solidFill>
+                    <a:effectLst/>
+                    <a:latin typeface="Consolas" panose="020B0609020204030204" pitchFamily="49" charset="0"/>
+                  </a:rPr>
+                  <a:t>u</a:t>
+                </a:r>
+                <a:endParaRPr lang="en-US" altLang="zh-TW" sz="2400" b="0" dirty="0">
+                  <a:solidFill>
+                    <a:srgbClr val="0070C0"/>
+                  </a:solidFill>
+                  <a:effectLst/>
+                  <a:latin typeface="Consolas" panose="020B0609020204030204" pitchFamily="49" charset="0"/>
+                </a:endParaRPr>
+              </a:p>
+            </p:txBody>
+          </p:sp>
+          <p:sp>
+            <p:nvSpPr>
+              <p:cNvPr id="19" name="橢圓 18">
+                <a:extLst>
+                  <a:ext uri="{FF2B5EF4-FFF2-40B4-BE49-F238E27FC236}">
+                    <a16:creationId xmlns:a16="http://schemas.microsoft.com/office/drawing/2014/main" id="{4655D9C7-740D-3A3A-CAED-E31A8611FB8F}"/>
+                  </a:ext>
+                </a:extLst>
+              </p:cNvPr>
+              <p:cNvSpPr/>
+              <p:nvPr/>
+            </p:nvSpPr>
+            <p:spPr>
+              <a:xfrm>
+                <a:off x="3301184" y="4883156"/>
+                <a:ext cx="328966" cy="337857"/>
+              </a:xfrm>
+              <a:prstGeom prst="ellipse">
+                <a:avLst/>
+              </a:prstGeom>
+              <a:noFill/>
+              <a:ln w="57150">
+                <a:solidFill>
+                  <a:schemeClr val="accent2">
+                    <a:lumMod val="75000"/>
+                  </a:schemeClr>
+                </a:solidFill>
+                <a:prstDash val="sysDot"/>
+              </a:ln>
+            </p:spPr>
+            <p:style>
+              <a:lnRef idx="2">
+                <a:schemeClr val="accent2">
+                  <a:shade val="15000"/>
+                </a:schemeClr>
+              </a:lnRef>
+              <a:fillRef idx="1">
+                <a:schemeClr val="accent2"/>
+              </a:fillRef>
+              <a:effectRef idx="0">
+                <a:schemeClr val="accent2"/>
+              </a:effectRef>
+              <a:fontRef idx="minor">
+                <a:schemeClr val="lt1"/>
+              </a:fontRef>
+            </p:style>
+            <p:txBody>
+              <a:bodyPr rtlCol="0" anchor="ctr"/>
+              <a:lstStyle/>
+              <a:p>
+                <a:pPr algn="ctr"/>
+                <a:endParaRPr lang="zh-TW" altLang="en-US"/>
+              </a:p>
+            </p:txBody>
+          </p:sp>
+          <p:sp>
+            <p:nvSpPr>
+              <p:cNvPr id="20" name="箭號: 向右 19">
+                <a:extLst>
+                  <a:ext uri="{FF2B5EF4-FFF2-40B4-BE49-F238E27FC236}">
+                    <a16:creationId xmlns:a16="http://schemas.microsoft.com/office/drawing/2014/main" id="{3777E128-8CD3-176B-8EF2-65B4EE05032A}"/>
+                  </a:ext>
+                </a:extLst>
+              </p:cNvPr>
+              <p:cNvSpPr/>
+              <p:nvPr/>
+            </p:nvSpPr>
+            <p:spPr>
+              <a:xfrm>
+                <a:off x="3690639" y="4921730"/>
+                <a:ext cx="4331538" cy="165654"/>
+              </a:xfrm>
+              <a:prstGeom prst="rightArrow">
+                <a:avLst/>
+              </a:prstGeom>
+            </p:spPr>
+            <p:style>
+              <a:lnRef idx="2">
+                <a:schemeClr val="accent4">
+                  <a:shade val="15000"/>
+                </a:schemeClr>
+              </a:lnRef>
+              <a:fillRef idx="1">
+                <a:schemeClr val="accent4"/>
+              </a:fillRef>
+              <a:effectRef idx="0">
+                <a:schemeClr val="accent4"/>
+              </a:effectRef>
+              <a:fontRef idx="minor">
+                <a:schemeClr val="lt1"/>
+              </a:fontRef>
+            </p:style>
+            <p:txBody>
+              <a:bodyPr rtlCol="0" anchor="ctr"/>
+              <a:lstStyle/>
+              <a:p>
+                <a:pPr algn="ctr"/>
+                <a:endParaRPr lang="zh-TW" altLang="en-US"/>
+              </a:p>
+            </p:txBody>
+          </p:sp>
+          <p:sp>
+            <p:nvSpPr>
+              <p:cNvPr id="22" name="文字方塊 21">
+                <a:extLst>
+                  <a:ext uri="{FF2B5EF4-FFF2-40B4-BE49-F238E27FC236}">
+                    <a16:creationId xmlns:a16="http://schemas.microsoft.com/office/drawing/2014/main" id="{31D46738-5980-F309-9D71-38AAA4DCEC4B}"/>
+                  </a:ext>
+                </a:extLst>
+              </p:cNvPr>
+              <p:cNvSpPr txBox="1"/>
+              <p:nvPr/>
+            </p:nvSpPr>
+            <p:spPr>
+              <a:xfrm>
+                <a:off x="3404103" y="4419373"/>
+                <a:ext cx="1972236" cy="369332"/>
+              </a:xfrm>
+              <a:prstGeom prst="rect">
+                <a:avLst/>
+              </a:prstGeom>
+              <a:noFill/>
+            </p:spPr>
+            <p:txBody>
+              <a:bodyPr wrap="square">
+                <a:spAutoFit/>
+              </a:bodyPr>
+              <a:lstStyle/>
+              <a:p>
+                <a:r>
+                  <a:rPr lang="en-US" altLang="zh-TW" b="0" dirty="0" err="1">
+                    <a:solidFill>
+                      <a:srgbClr val="CE9178"/>
+                    </a:solidFill>
+                    <a:effectLst/>
+                    <a:latin typeface="Consolas" panose="020B0609020204030204" pitchFamily="49" charset="0"/>
+                  </a:rPr>
+                  <a:t>center_point</a:t>
+                </a:r>
+                <a:endParaRPr lang="en-US" altLang="zh-TW" b="0" dirty="0">
+                  <a:solidFill>
+                    <a:srgbClr val="CCCCCC"/>
+                  </a:solidFill>
+                  <a:effectLst/>
+                  <a:latin typeface="Consolas" panose="020B0609020204030204" pitchFamily="49" charset="0"/>
+                </a:endParaRPr>
+              </a:p>
+            </p:txBody>
+          </p:sp>
+        </p:grpSp>
+      </p:grpSp>
+      <p:sp>
+        <p:nvSpPr>
+          <p:cNvPr id="23" name="文字方塊 22">
+            <a:extLst>
+              <a:ext uri="{FF2B5EF4-FFF2-40B4-BE49-F238E27FC236}">
+                <a16:creationId xmlns:a16="http://schemas.microsoft.com/office/drawing/2014/main" id="{97FDE192-C126-A8E0-669A-F39ACF7926ED}"/>
+              </a:ext>
+            </a:extLst>
+          </p:cNvPr>
+          <p:cNvSpPr txBox="1"/>
+          <p:nvPr/>
+        </p:nvSpPr>
+        <p:spPr>
+          <a:xfrm>
+            <a:off x="1449603" y="837507"/>
+            <a:ext cx="9443079" cy="2251065"/>
+          </a:xfrm>
+          <a:prstGeom prst="rect">
+            <a:avLst/>
+          </a:prstGeom>
+          <a:noFill/>
+        </p:spPr>
+        <p:txBody>
+          <a:bodyPr wrap="square">
+            <a:spAutoFit/>
+          </a:bodyPr>
+          <a:lstStyle/>
+          <a:p>
+            <a:pPr marL="457200" indent="-457200">
+              <a:lnSpc>
+                <a:spcPct val="150000"/>
+              </a:lnSpc>
+              <a:buFont typeface="+mj-lt"/>
+              <a:buAutoNum type="arabicPeriod" startAt="6"/>
+            </a:pPr>
+            <a:r>
+              <a:rPr lang="zh-TW" altLang="en-US" sz="2400" b="1" dirty="0"/>
+              <a:t>經過時間</a:t>
+            </a:r>
+            <a:r>
+              <a:rPr lang="en-US" altLang="zh-TW" sz="2400" b="1" dirty="0"/>
+              <a:t>t</a:t>
+            </a:r>
+            <a:r>
+              <a:rPr lang="zh-TW" altLang="en-US" sz="2400" b="1" dirty="0"/>
+              <a:t>秒後，無人機飛行至</a:t>
+            </a:r>
+            <a:r>
+              <a:rPr lang="en-US" altLang="zh-TW" sz="2400" b="1" dirty="0" err="1"/>
+              <a:t>center_point</a:t>
+            </a:r>
+            <a:r>
+              <a:rPr lang="en-US" altLang="zh-TW" sz="2400" b="1" dirty="0"/>
+              <a:t> </a:t>
+            </a:r>
+            <a:r>
+              <a:rPr lang="zh-TW" altLang="en-US" sz="2400" b="1" dirty="0"/>
+              <a:t>，但因經過</a:t>
+            </a:r>
+            <a:r>
+              <a:rPr lang="en-US" altLang="zh-TW" sz="2400" b="1" dirty="0"/>
+              <a:t>t</a:t>
+            </a:r>
+            <a:r>
+              <a:rPr lang="zh-TW" altLang="en-US" sz="2400" b="1" dirty="0"/>
+              <a:t>秒，</a:t>
+            </a:r>
+            <a:r>
+              <a:rPr lang="en-US" altLang="zh-TW" sz="2400" b="1" dirty="0" err="1"/>
+              <a:t>dataN</a:t>
+            </a:r>
+            <a:r>
+              <a:rPr lang="zh-TW" altLang="en-US" sz="2400" b="1" dirty="0"/>
+              <a:t>已移動</a:t>
+            </a:r>
+            <a:r>
+              <a:rPr lang="en-US" altLang="zh-TW" sz="2400" b="1" dirty="0"/>
+              <a:t>t</a:t>
+            </a:r>
+            <a:r>
+              <a:rPr lang="zh-TW" altLang="en-US" sz="2400" b="1" dirty="0"/>
+              <a:t>秒，有計算新的</a:t>
+            </a:r>
+            <a:r>
+              <a:rPr lang="en-US" altLang="zh-TW" sz="2400" b="1" dirty="0" err="1"/>
+              <a:t>Kmeans</a:t>
+            </a:r>
+            <a:r>
+              <a:rPr lang="zh-TW" altLang="en-US" sz="2400" b="1" dirty="0"/>
+              <a:t>中點座標 </a:t>
+            </a:r>
+            <a:r>
+              <a:rPr lang="en-US" altLang="zh-TW" sz="2400" b="1" dirty="0" err="1"/>
+              <a:t>New_center</a:t>
+            </a:r>
+            <a:endParaRPr lang="en-US" altLang="zh-TW" sz="2400" b="1" dirty="0"/>
+          </a:p>
+          <a:p>
+            <a:pPr marL="457200" indent="-457200">
+              <a:lnSpc>
+                <a:spcPct val="150000"/>
+              </a:lnSpc>
+              <a:buFont typeface="+mj-lt"/>
+              <a:buAutoNum type="arabicPeriod" startAt="6"/>
+            </a:pPr>
+            <a:r>
+              <a:rPr lang="zh-TW" altLang="en-US" sz="2400" b="1" dirty="0"/>
+              <a:t>計算初始</a:t>
+            </a:r>
+            <a:r>
+              <a:rPr lang="en-US" altLang="zh-TW" sz="2400" b="1" dirty="0" err="1"/>
+              <a:t>center_point</a:t>
+            </a:r>
+            <a:r>
+              <a:rPr lang="en-US" altLang="zh-TW" sz="2400" b="1" dirty="0"/>
+              <a:t> </a:t>
+            </a:r>
+            <a:r>
+              <a:rPr lang="zh-TW" altLang="en-US" sz="2400" b="1" dirty="0"/>
+              <a:t>及</a:t>
+            </a:r>
+            <a:r>
+              <a:rPr lang="en-US" altLang="zh-TW" sz="2400" b="1" dirty="0" err="1"/>
+              <a:t>New_center</a:t>
+            </a:r>
+            <a:r>
+              <a:rPr lang="zh-TW" altLang="en-US" sz="2400" b="1" dirty="0"/>
+              <a:t>的距離</a:t>
+            </a:r>
+            <a:r>
+              <a:rPr lang="en-US" altLang="zh-TW" sz="2400" b="1" dirty="0"/>
+              <a:t>d</a:t>
+            </a:r>
+            <a:r>
+              <a:rPr lang="en-US" altLang="zh-TW" sz="2800" baseline="-25000" dirty="0">
+                <a:latin typeface="Consolas" panose="020B0609020204030204" pitchFamily="49" charset="0"/>
+              </a:rPr>
+              <a:t>v</a:t>
+            </a:r>
+          </a:p>
+          <a:p>
+            <a:pPr marL="457200" indent="-457200">
+              <a:lnSpc>
+                <a:spcPct val="150000"/>
+              </a:lnSpc>
+              <a:buFont typeface="+mj-lt"/>
+              <a:buAutoNum type="arabicPeriod" startAt="6"/>
+            </a:pPr>
+            <a:endParaRPr lang="en-US" altLang="zh-TW" sz="2400" b="1" dirty="0"/>
+          </a:p>
+        </p:txBody>
+      </p:sp>
+      <p:sp>
+        <p:nvSpPr>
+          <p:cNvPr id="24" name="文字方塊 23">
+            <a:extLst>
+              <a:ext uri="{FF2B5EF4-FFF2-40B4-BE49-F238E27FC236}">
+                <a16:creationId xmlns:a16="http://schemas.microsoft.com/office/drawing/2014/main" id="{B18FD44E-E40E-3B6B-CC96-D7380D800E89}"/>
+              </a:ext>
+            </a:extLst>
+          </p:cNvPr>
+          <p:cNvSpPr txBox="1"/>
+          <p:nvPr/>
+        </p:nvSpPr>
+        <p:spPr>
+          <a:xfrm>
+            <a:off x="6245612" y="4424690"/>
+            <a:ext cx="977519" cy="523220"/>
+          </a:xfrm>
+          <a:prstGeom prst="rect">
+            <a:avLst/>
+          </a:prstGeom>
+          <a:noFill/>
+        </p:spPr>
+        <p:txBody>
+          <a:bodyPr wrap="square">
+            <a:spAutoFit/>
+          </a:bodyPr>
+          <a:lstStyle/>
+          <a:p>
+            <a:r>
+              <a:rPr lang="en-US" altLang="zh-TW" sz="2800" b="0" dirty="0">
+                <a:solidFill>
+                  <a:schemeClr val="accent2">
+                    <a:lumMod val="50000"/>
+                  </a:schemeClr>
+                </a:solidFill>
+                <a:effectLst/>
+                <a:latin typeface="Consolas" panose="020B0609020204030204" pitchFamily="49" charset="0"/>
+              </a:rPr>
+              <a:t>d</a:t>
+            </a:r>
+            <a:r>
+              <a:rPr lang="en-US" altLang="zh-TW" sz="2800" b="0" baseline="-25000" dirty="0">
+                <a:solidFill>
+                  <a:schemeClr val="accent2">
+                    <a:lumMod val="50000"/>
+                  </a:schemeClr>
+                </a:solidFill>
+                <a:effectLst/>
+                <a:latin typeface="Consolas" panose="020B0609020204030204" pitchFamily="49" charset="0"/>
+              </a:rPr>
+              <a:t>v</a:t>
+            </a:r>
+          </a:p>
+        </p:txBody>
+      </p:sp>
     </p:spTree>
     <p:extLst>
       <p:ext uri="{BB962C8B-B14F-4D97-AF65-F5344CB8AC3E}">
-        <p14:creationId xmlns:p14="http://schemas.microsoft.com/office/powerpoint/2010/main" val="1617317362"/>
+        <p14:creationId xmlns:p14="http://schemas.microsoft.com/office/powerpoint/2010/main" val="3802405366"/>
+      </p:ext>
+    </p:extLst>
+  </p:cSld>
+  <p:clrMapOvr>
+    <a:masterClrMapping/>
+  </p:clrMapOvr>
+</p:sld>
+</file>
+
+<file path=ppt/slides/slide5.xml><?xml version="1.0" encoding="utf-8"?>
+<p:sld xmlns:a="http://schemas.openxmlformats.org/drawingml/2006/main" xmlns:r="http://schemas.openxmlformats.org/officeDocument/2006/relationships" xmlns:p="http://schemas.openxmlformats.org/presentationml/2006/main">
+  <p:cSld>
+    <p:spTree>
+      <p:nvGrpSpPr>
+        <p:cNvPr id="1" name=""/>
+        <p:cNvGrpSpPr/>
+        <p:nvPr/>
+      </p:nvGrpSpPr>
+      <p:grpSpPr>
+        <a:xfrm>
+          <a:off x="0" y="0"/>
+          <a:ext cx="0" cy="0"/>
+          <a:chOff x="0" y="0"/>
+          <a:chExt cx="0" cy="0"/>
+        </a:xfrm>
+      </p:grpSpPr>
+      <p:sp>
+        <p:nvSpPr>
+          <p:cNvPr id="17" name="文字方塊 16">
+            <a:extLst>
+              <a:ext uri="{FF2B5EF4-FFF2-40B4-BE49-F238E27FC236}">
+                <a16:creationId xmlns:a16="http://schemas.microsoft.com/office/drawing/2014/main" id="{AE33CC0B-6E14-27E6-AA48-4744A43755FE}"/>
+              </a:ext>
+            </a:extLst>
+          </p:cNvPr>
+          <p:cNvSpPr txBox="1"/>
+          <p:nvPr/>
+        </p:nvSpPr>
+        <p:spPr>
+          <a:xfrm>
+            <a:off x="5904775" y="1551061"/>
+            <a:ext cx="2258888" cy="369332"/>
+          </a:xfrm>
+          <a:prstGeom prst="rect">
+            <a:avLst/>
+          </a:prstGeom>
+          <a:noFill/>
+        </p:spPr>
+        <p:txBody>
+          <a:bodyPr wrap="none" rtlCol="0">
+            <a:spAutoFit/>
+          </a:bodyPr>
+          <a:lstStyle/>
+          <a:p>
+            <a:r>
+              <a:rPr lang="zh-TW" altLang="en-US" dirty="0"/>
+              <a:t>△</a:t>
+            </a:r>
+            <a:r>
+              <a:rPr lang="en-US" altLang="zh-TW" dirty="0"/>
+              <a:t>T=</a:t>
+            </a:r>
+            <a:r>
+              <a:rPr lang="en-US" altLang="zh-TW" dirty="0" err="1"/>
+              <a:t>Tup+Tdown+Tpro</a:t>
+            </a:r>
+            <a:endParaRPr lang="en-US" altLang="zh-TW" dirty="0"/>
+          </a:p>
+        </p:txBody>
+      </p:sp>
+      <p:grpSp>
+        <p:nvGrpSpPr>
+          <p:cNvPr id="2" name="群組 1">
+            <a:extLst>
+              <a:ext uri="{FF2B5EF4-FFF2-40B4-BE49-F238E27FC236}">
+                <a16:creationId xmlns:a16="http://schemas.microsoft.com/office/drawing/2014/main" id="{A4A23E75-AA04-69E8-9968-5BD4BA1CE136}"/>
+              </a:ext>
+            </a:extLst>
+          </p:cNvPr>
+          <p:cNvGrpSpPr/>
+          <p:nvPr/>
+        </p:nvGrpSpPr>
+        <p:grpSpPr>
+          <a:xfrm>
+            <a:off x="377855" y="1283009"/>
+            <a:ext cx="5001694" cy="3496237"/>
+            <a:chOff x="330230" y="1046975"/>
+            <a:chExt cx="5001694" cy="3496237"/>
+          </a:xfrm>
+        </p:grpSpPr>
+        <p:grpSp>
+          <p:nvGrpSpPr>
+            <p:cNvPr id="21" name="群組 20">
+              <a:extLst>
+                <a:ext uri="{FF2B5EF4-FFF2-40B4-BE49-F238E27FC236}">
+                  <a16:creationId xmlns:a16="http://schemas.microsoft.com/office/drawing/2014/main" id="{53149E10-D217-774A-6B17-BF1B043779E4}"/>
+                </a:ext>
+              </a:extLst>
+            </p:cNvPr>
+            <p:cNvGrpSpPr/>
+            <p:nvPr/>
+          </p:nvGrpSpPr>
+          <p:grpSpPr>
+            <a:xfrm>
+              <a:off x="330230" y="1046975"/>
+              <a:ext cx="5001694" cy="3496237"/>
+              <a:chOff x="722269" y="1147481"/>
+              <a:chExt cx="5001694" cy="3496237"/>
+            </a:xfrm>
+          </p:grpSpPr>
+          <p:sp>
+            <p:nvSpPr>
+              <p:cNvPr id="4" name="橢圓 3">
+                <a:extLst>
+                  <a:ext uri="{FF2B5EF4-FFF2-40B4-BE49-F238E27FC236}">
+                    <a16:creationId xmlns:a16="http://schemas.microsoft.com/office/drawing/2014/main" id="{647697EE-0CEF-2DAF-2FD7-083DC7096D68}"/>
+                  </a:ext>
+                </a:extLst>
+              </p:cNvPr>
+              <p:cNvSpPr/>
+              <p:nvPr/>
+            </p:nvSpPr>
+            <p:spPr>
+              <a:xfrm>
+                <a:off x="1174375" y="1147481"/>
+                <a:ext cx="1084730" cy="905436"/>
+              </a:xfrm>
+              <a:prstGeom prst="ellipse">
+                <a:avLst/>
+              </a:prstGeom>
+            </p:spPr>
+            <p:style>
+              <a:lnRef idx="2">
+                <a:schemeClr val="accent1">
+                  <a:shade val="15000"/>
+                </a:schemeClr>
+              </a:lnRef>
+              <a:fillRef idx="1">
+                <a:schemeClr val="accent1"/>
+              </a:fillRef>
+              <a:effectRef idx="0">
+                <a:schemeClr val="accent1"/>
+              </a:effectRef>
+              <a:fontRef idx="minor">
+                <a:schemeClr val="lt1"/>
+              </a:fontRef>
+            </p:style>
+            <p:txBody>
+              <a:bodyPr rtlCol="0" anchor="ctr"/>
+              <a:lstStyle/>
+              <a:p>
+                <a:pPr algn="ctr"/>
+                <a:r>
+                  <a:rPr lang="en-US" altLang="zh-TW" dirty="0"/>
+                  <a:t>server</a:t>
+                </a:r>
+                <a:endParaRPr lang="zh-TW" altLang="en-US" dirty="0"/>
+              </a:p>
+            </p:txBody>
+          </p:sp>
+          <p:sp>
+            <p:nvSpPr>
+              <p:cNvPr id="5" name="橢圓 4">
+                <a:extLst>
+                  <a:ext uri="{FF2B5EF4-FFF2-40B4-BE49-F238E27FC236}">
+                    <a16:creationId xmlns:a16="http://schemas.microsoft.com/office/drawing/2014/main" id="{70FE65DC-5F44-1D17-DEA4-60B6166DE0C0}"/>
+                  </a:ext>
+                </a:extLst>
+              </p:cNvPr>
+              <p:cNvSpPr/>
+              <p:nvPr/>
+            </p:nvSpPr>
+            <p:spPr>
+              <a:xfrm>
+                <a:off x="4692932" y="1147481"/>
+                <a:ext cx="1031031" cy="860613"/>
+              </a:xfrm>
+              <a:prstGeom prst="ellipse">
+                <a:avLst/>
+              </a:prstGeom>
+            </p:spPr>
+            <p:style>
+              <a:lnRef idx="2">
+                <a:schemeClr val="accent4">
+                  <a:shade val="15000"/>
+                </a:schemeClr>
+              </a:lnRef>
+              <a:fillRef idx="1">
+                <a:schemeClr val="accent4"/>
+              </a:fillRef>
+              <a:effectRef idx="0">
+                <a:schemeClr val="accent4"/>
+              </a:effectRef>
+              <a:fontRef idx="minor">
+                <a:schemeClr val="lt1"/>
+              </a:fontRef>
+            </p:style>
+            <p:txBody>
+              <a:bodyPr rtlCol="0" anchor="ctr"/>
+              <a:lstStyle/>
+              <a:p>
+                <a:pPr algn="ctr"/>
+                <a:r>
+                  <a:rPr lang="en-US" altLang="zh-TW" dirty="0"/>
+                  <a:t>UAV</a:t>
+                </a:r>
+                <a:endParaRPr lang="zh-TW" altLang="en-US" dirty="0"/>
+              </a:p>
+            </p:txBody>
+          </p:sp>
+          <p:cxnSp>
+            <p:nvCxnSpPr>
+              <p:cNvPr id="7" name="直線接點 6">
+                <a:extLst>
+                  <a:ext uri="{FF2B5EF4-FFF2-40B4-BE49-F238E27FC236}">
+                    <a16:creationId xmlns:a16="http://schemas.microsoft.com/office/drawing/2014/main" id="{CF4CC5B4-579F-2271-8BA4-25234DEECB2D}"/>
+                  </a:ext>
+                </a:extLst>
+              </p:cNvPr>
+              <p:cNvCxnSpPr>
+                <a:cxnSpLocks/>
+                <a:stCxn id="4" idx="4"/>
+              </p:cNvCxnSpPr>
+              <p:nvPr/>
+            </p:nvCxnSpPr>
+            <p:spPr>
+              <a:xfrm>
+                <a:off x="1716740" y="2052917"/>
+                <a:ext cx="20757" cy="2384613"/>
+              </a:xfrm>
+              <a:prstGeom prst="line">
+                <a:avLst/>
+              </a:prstGeom>
+              <a:ln w="57150"/>
+            </p:spPr>
+            <p:style>
+              <a:lnRef idx="1">
+                <a:schemeClr val="accent1"/>
+              </a:lnRef>
+              <a:fillRef idx="0">
+                <a:schemeClr val="accent1"/>
+              </a:fillRef>
+              <a:effectRef idx="0">
+                <a:schemeClr val="accent1"/>
+              </a:effectRef>
+              <a:fontRef idx="minor">
+                <a:schemeClr val="tx1"/>
+              </a:fontRef>
+            </p:style>
+          </p:cxnSp>
+          <p:cxnSp>
+            <p:nvCxnSpPr>
+              <p:cNvPr id="9" name="直線接點 8">
+                <a:extLst>
+                  <a:ext uri="{FF2B5EF4-FFF2-40B4-BE49-F238E27FC236}">
+                    <a16:creationId xmlns:a16="http://schemas.microsoft.com/office/drawing/2014/main" id="{3E533CAB-135D-3E51-1F2A-10798704447C}"/>
+                  </a:ext>
+                </a:extLst>
+              </p:cNvPr>
+              <p:cNvCxnSpPr>
+                <a:cxnSpLocks/>
+                <a:stCxn id="5" idx="4"/>
+              </p:cNvCxnSpPr>
+              <p:nvPr/>
+            </p:nvCxnSpPr>
+            <p:spPr>
+              <a:xfrm>
+                <a:off x="5208448" y="2008094"/>
+                <a:ext cx="0" cy="2635624"/>
+              </a:xfrm>
+              <a:prstGeom prst="line">
+                <a:avLst/>
+              </a:prstGeom>
+              <a:ln w="57150"/>
+            </p:spPr>
+            <p:style>
+              <a:lnRef idx="1">
+                <a:schemeClr val="accent4"/>
+              </a:lnRef>
+              <a:fillRef idx="0">
+                <a:schemeClr val="accent4"/>
+              </a:fillRef>
+              <a:effectRef idx="0">
+                <a:schemeClr val="accent4"/>
+              </a:effectRef>
+              <a:fontRef idx="minor">
+                <a:schemeClr val="tx1"/>
+              </a:fontRef>
+            </p:style>
+          </p:cxnSp>
+          <p:cxnSp>
+            <p:nvCxnSpPr>
+              <p:cNvPr id="11" name="直線單箭頭接點 10">
+                <a:extLst>
+                  <a:ext uri="{FF2B5EF4-FFF2-40B4-BE49-F238E27FC236}">
+                    <a16:creationId xmlns:a16="http://schemas.microsoft.com/office/drawing/2014/main" id="{6726E6B1-27AB-4260-E892-F5F4C0E5C854}"/>
+                  </a:ext>
+                </a:extLst>
+              </p:cNvPr>
+              <p:cNvCxnSpPr/>
+              <p:nvPr/>
+            </p:nvCxnSpPr>
+            <p:spPr>
+              <a:xfrm flipH="1">
+                <a:off x="1712259" y="2456329"/>
+                <a:ext cx="3487270" cy="0"/>
+              </a:xfrm>
+              <a:prstGeom prst="straightConnector1">
+                <a:avLst/>
+              </a:prstGeom>
+              <a:ln w="57150" cap="flat" cmpd="sng" algn="ctr">
+                <a:solidFill>
+                  <a:schemeClr val="accent6"/>
+                </a:solidFill>
+                <a:prstDash val="solid"/>
+                <a:round/>
+                <a:headEnd type="none" w="med" len="med"/>
+                <a:tailEnd type="arrow" w="med" len="med"/>
+              </a:ln>
+            </p:spPr>
+            <p:style>
+              <a:lnRef idx="0">
+                <a:scrgbClr r="0" g="0" b="0"/>
+              </a:lnRef>
+              <a:fillRef idx="0">
+                <a:scrgbClr r="0" g="0" b="0"/>
+              </a:fillRef>
+              <a:effectRef idx="0">
+                <a:scrgbClr r="0" g="0" b="0"/>
+              </a:effectRef>
+              <a:fontRef idx="minor">
+                <a:schemeClr val="tx1"/>
+              </a:fontRef>
+            </p:style>
+          </p:cxnSp>
+          <p:cxnSp>
+            <p:nvCxnSpPr>
+              <p:cNvPr id="12" name="直線單箭頭接點 11">
+                <a:extLst>
+                  <a:ext uri="{FF2B5EF4-FFF2-40B4-BE49-F238E27FC236}">
+                    <a16:creationId xmlns:a16="http://schemas.microsoft.com/office/drawing/2014/main" id="{CACC40D3-1DE2-0193-D1F9-6A72742F85F2}"/>
+                  </a:ext>
+                </a:extLst>
+              </p:cNvPr>
+              <p:cNvCxnSpPr>
+                <a:cxnSpLocks/>
+              </p:cNvCxnSpPr>
+              <p:nvPr/>
+            </p:nvCxnSpPr>
+            <p:spPr>
+              <a:xfrm>
+                <a:off x="1758401" y="3262264"/>
+                <a:ext cx="3487270" cy="0"/>
+              </a:xfrm>
+              <a:prstGeom prst="straightConnector1">
+                <a:avLst/>
+              </a:prstGeom>
+              <a:ln w="57150" cap="flat" cmpd="sng" algn="ctr">
+                <a:solidFill>
+                  <a:schemeClr val="accent6"/>
+                </a:solidFill>
+                <a:prstDash val="solid"/>
+                <a:round/>
+                <a:headEnd type="none" w="med" len="med"/>
+                <a:tailEnd type="arrow" w="med" len="med"/>
+              </a:ln>
+            </p:spPr>
+            <p:style>
+              <a:lnRef idx="0">
+                <a:scrgbClr r="0" g="0" b="0"/>
+              </a:lnRef>
+              <a:fillRef idx="0">
+                <a:scrgbClr r="0" g="0" b="0"/>
+              </a:fillRef>
+              <a:effectRef idx="0">
+                <a:scrgbClr r="0" g="0" b="0"/>
+              </a:effectRef>
+              <a:fontRef idx="minor">
+                <a:schemeClr val="tx1"/>
+              </a:fontRef>
+            </p:style>
+          </p:cxnSp>
+          <p:sp>
+            <p:nvSpPr>
+              <p:cNvPr id="13" name="文字方塊 12">
+                <a:extLst>
+                  <a:ext uri="{FF2B5EF4-FFF2-40B4-BE49-F238E27FC236}">
+                    <a16:creationId xmlns:a16="http://schemas.microsoft.com/office/drawing/2014/main" id="{638564BF-F572-DCE6-506D-0B038BEC9A51}"/>
+                  </a:ext>
+                </a:extLst>
+              </p:cNvPr>
+              <p:cNvSpPr txBox="1"/>
+              <p:nvPr/>
+            </p:nvSpPr>
+            <p:spPr>
+              <a:xfrm>
+                <a:off x="3012141" y="2052917"/>
+                <a:ext cx="526234" cy="369332"/>
+              </a:xfrm>
+              <a:prstGeom prst="rect">
+                <a:avLst/>
+              </a:prstGeom>
+              <a:noFill/>
+            </p:spPr>
+            <p:txBody>
+              <a:bodyPr wrap="none" rtlCol="0">
+                <a:spAutoFit/>
+              </a:bodyPr>
+              <a:lstStyle/>
+              <a:p>
+                <a:r>
+                  <a:rPr lang="en-US" altLang="zh-TW" dirty="0"/>
+                  <a:t>Tup</a:t>
+                </a:r>
+              </a:p>
+            </p:txBody>
+          </p:sp>
+          <p:sp>
+            <p:nvSpPr>
+              <p:cNvPr id="15" name="文字方塊 14">
+                <a:extLst>
+                  <a:ext uri="{FF2B5EF4-FFF2-40B4-BE49-F238E27FC236}">
+                    <a16:creationId xmlns:a16="http://schemas.microsoft.com/office/drawing/2014/main" id="{786FE3C0-3E67-5B75-724F-2E922004C929}"/>
+                  </a:ext>
+                </a:extLst>
+              </p:cNvPr>
+              <p:cNvSpPr txBox="1"/>
+              <p:nvPr/>
+            </p:nvSpPr>
+            <p:spPr>
+              <a:xfrm>
+                <a:off x="3012141" y="3341168"/>
+                <a:ext cx="810030" cy="369332"/>
+              </a:xfrm>
+              <a:prstGeom prst="rect">
+                <a:avLst/>
+              </a:prstGeom>
+              <a:noFill/>
+            </p:spPr>
+            <p:txBody>
+              <a:bodyPr wrap="none" rtlCol="0">
+                <a:spAutoFit/>
+              </a:bodyPr>
+              <a:lstStyle/>
+              <a:p>
+                <a:r>
+                  <a:rPr lang="en-US" altLang="zh-TW" dirty="0" err="1"/>
+                  <a:t>Tdown</a:t>
+                </a:r>
+                <a:endParaRPr lang="en-US" altLang="zh-TW" dirty="0"/>
+              </a:p>
+            </p:txBody>
+          </p:sp>
+          <p:sp>
+            <p:nvSpPr>
+              <p:cNvPr id="16" name="文字方塊 15">
+                <a:extLst>
+                  <a:ext uri="{FF2B5EF4-FFF2-40B4-BE49-F238E27FC236}">
+                    <a16:creationId xmlns:a16="http://schemas.microsoft.com/office/drawing/2014/main" id="{7F979784-52AB-6A7C-AC70-B6A65BE5552C}"/>
+                  </a:ext>
+                </a:extLst>
+              </p:cNvPr>
+              <p:cNvSpPr txBox="1"/>
+              <p:nvPr/>
+            </p:nvSpPr>
+            <p:spPr>
+              <a:xfrm>
+                <a:off x="722269" y="2691225"/>
+                <a:ext cx="602665" cy="369332"/>
+              </a:xfrm>
+              <a:prstGeom prst="rect">
+                <a:avLst/>
+              </a:prstGeom>
+              <a:noFill/>
+            </p:spPr>
+            <p:txBody>
+              <a:bodyPr wrap="none" rtlCol="0">
+                <a:spAutoFit/>
+              </a:bodyPr>
+              <a:lstStyle/>
+              <a:p>
+                <a:r>
+                  <a:rPr lang="en-US" altLang="zh-TW" dirty="0" err="1"/>
+                  <a:t>Tpro</a:t>
+                </a:r>
+                <a:endParaRPr lang="en-US" altLang="zh-TW" dirty="0"/>
+              </a:p>
+            </p:txBody>
+          </p:sp>
+        </p:grpSp>
+        <p:sp>
+          <p:nvSpPr>
+            <p:cNvPr id="22" name="弧形 21">
+              <a:extLst>
+                <a:ext uri="{FF2B5EF4-FFF2-40B4-BE49-F238E27FC236}">
+                  <a16:creationId xmlns:a16="http://schemas.microsoft.com/office/drawing/2014/main" id="{6E6F0120-1DBE-FEEC-7723-0636D2D22614}"/>
+                </a:ext>
+              </a:extLst>
+            </p:cNvPr>
+            <p:cNvSpPr/>
+            <p:nvPr/>
+          </p:nvSpPr>
+          <p:spPr>
+            <a:xfrm flipH="1">
+              <a:off x="1016401" y="2355823"/>
+              <a:ext cx="581905" cy="805933"/>
+            </a:xfrm>
+            <a:prstGeom prst="arc">
+              <a:avLst>
+                <a:gd name="adj1" fmla="val 16070331"/>
+                <a:gd name="adj2" fmla="val 5387333"/>
+              </a:avLst>
+            </a:prstGeom>
+            <a:ln w="57150"/>
+          </p:spPr>
+          <p:style>
+            <a:lnRef idx="1">
+              <a:schemeClr val="accent6"/>
+            </a:lnRef>
+            <a:fillRef idx="0">
+              <a:schemeClr val="accent6"/>
+            </a:fillRef>
+            <a:effectRef idx="0">
+              <a:schemeClr val="accent6"/>
+            </a:effectRef>
+            <a:fontRef idx="minor">
+              <a:schemeClr val="tx1"/>
+            </a:fontRef>
+          </p:style>
+          <p:txBody>
+            <a:bodyPr rtlCol="0" anchor="ctr"/>
+            <a:lstStyle/>
+            <a:p>
+              <a:pPr algn="ctr"/>
+              <a:endParaRPr lang="zh-TW" altLang="en-US"/>
+            </a:p>
+          </p:txBody>
+        </p:sp>
+      </p:grpSp>
+      <p:cxnSp>
+        <p:nvCxnSpPr>
+          <p:cNvPr id="24" name="直線接點 23">
+            <a:extLst>
+              <a:ext uri="{FF2B5EF4-FFF2-40B4-BE49-F238E27FC236}">
+                <a16:creationId xmlns:a16="http://schemas.microsoft.com/office/drawing/2014/main" id="{B6353651-F4C8-7674-9732-EABC3BA242DF}"/>
+              </a:ext>
+            </a:extLst>
+          </p:cNvPr>
+          <p:cNvCxnSpPr>
+            <a:cxnSpLocks/>
+          </p:cNvCxnSpPr>
+          <p:nvPr/>
+        </p:nvCxnSpPr>
+        <p:spPr>
+          <a:xfrm>
+            <a:off x="1388756" y="5802193"/>
+            <a:ext cx="9419878" cy="0"/>
+          </a:xfrm>
+          <a:prstGeom prst="line">
+            <a:avLst/>
+          </a:prstGeom>
+          <a:ln w="57150"/>
+        </p:spPr>
+        <p:style>
+          <a:lnRef idx="1">
+            <a:schemeClr val="dk1"/>
+          </a:lnRef>
+          <a:fillRef idx="0">
+            <a:schemeClr val="dk1"/>
+          </a:fillRef>
+          <a:effectRef idx="0">
+            <a:schemeClr val="dk1"/>
+          </a:effectRef>
+          <a:fontRef idx="minor">
+            <a:schemeClr val="tx1"/>
+          </a:fontRef>
+        </p:style>
+      </p:cxnSp>
+      <p:sp>
+        <p:nvSpPr>
+          <p:cNvPr id="28" name="橢圓 27">
+            <a:extLst>
+              <a:ext uri="{FF2B5EF4-FFF2-40B4-BE49-F238E27FC236}">
+                <a16:creationId xmlns:a16="http://schemas.microsoft.com/office/drawing/2014/main" id="{F351AE0D-21CB-8AB7-88F1-9E609F3F0879}"/>
+              </a:ext>
+            </a:extLst>
+          </p:cNvPr>
+          <p:cNvSpPr/>
+          <p:nvPr/>
+        </p:nvSpPr>
+        <p:spPr>
+          <a:xfrm>
+            <a:off x="1125529" y="5657869"/>
+            <a:ext cx="360435" cy="360435"/>
+          </a:xfrm>
+          <a:prstGeom prst="ellipse">
+            <a:avLst/>
+          </a:prstGeom>
+        </p:spPr>
+        <p:style>
+          <a:lnRef idx="2">
+            <a:schemeClr val="accent4">
+              <a:shade val="15000"/>
+            </a:schemeClr>
+          </a:lnRef>
+          <a:fillRef idx="1">
+            <a:schemeClr val="accent4"/>
+          </a:fillRef>
+          <a:effectRef idx="0">
+            <a:schemeClr val="accent4"/>
+          </a:effectRef>
+          <a:fontRef idx="minor">
+            <a:schemeClr val="lt1"/>
+          </a:fontRef>
+        </p:style>
+        <p:txBody>
+          <a:bodyPr rtlCol="0" anchor="ctr"/>
+          <a:lstStyle/>
+          <a:p>
+            <a:pPr algn="ctr"/>
+            <a:endParaRPr lang="zh-TW" altLang="en-US" dirty="0"/>
+          </a:p>
+        </p:txBody>
+      </p:sp>
+      <p:sp>
+        <p:nvSpPr>
+          <p:cNvPr id="30" name="文字方塊 29">
+            <a:extLst>
+              <a:ext uri="{FF2B5EF4-FFF2-40B4-BE49-F238E27FC236}">
+                <a16:creationId xmlns:a16="http://schemas.microsoft.com/office/drawing/2014/main" id="{4A2CBD90-DBC4-9742-592D-AE079665364A}"/>
+              </a:ext>
+            </a:extLst>
+          </p:cNvPr>
+          <p:cNvSpPr txBox="1"/>
+          <p:nvPr/>
+        </p:nvSpPr>
+        <p:spPr>
+          <a:xfrm>
+            <a:off x="983016" y="5226677"/>
+            <a:ext cx="645459" cy="369328"/>
+          </a:xfrm>
+          <a:prstGeom prst="rect">
+            <a:avLst/>
+          </a:prstGeom>
+          <a:noFill/>
+        </p:spPr>
+        <p:txBody>
+          <a:bodyPr wrap="square">
+            <a:spAutoFit/>
+          </a:bodyPr>
+          <a:lstStyle/>
+          <a:p>
+            <a:pPr algn="ctr"/>
+            <a:r>
+              <a:rPr lang="en-US" altLang="zh-TW" dirty="0"/>
+              <a:t>UAV</a:t>
+            </a:r>
+            <a:endParaRPr lang="zh-TW" altLang="en-US" dirty="0"/>
+          </a:p>
+        </p:txBody>
+      </p:sp>
+      <p:sp>
+        <p:nvSpPr>
+          <p:cNvPr id="31" name="橢圓 30">
+            <a:extLst>
+              <a:ext uri="{FF2B5EF4-FFF2-40B4-BE49-F238E27FC236}">
+                <a16:creationId xmlns:a16="http://schemas.microsoft.com/office/drawing/2014/main" id="{0D29F88F-5AED-1D24-43FC-8CE54CB45B09}"/>
+              </a:ext>
+            </a:extLst>
+          </p:cNvPr>
+          <p:cNvSpPr/>
+          <p:nvPr/>
+        </p:nvSpPr>
+        <p:spPr>
+          <a:xfrm>
+            <a:off x="3626682" y="5657869"/>
+            <a:ext cx="360435" cy="360435"/>
+          </a:xfrm>
+          <a:prstGeom prst="ellipse">
+            <a:avLst/>
+          </a:prstGeom>
+        </p:spPr>
+        <p:style>
+          <a:lnRef idx="2">
+            <a:schemeClr val="accent4">
+              <a:shade val="15000"/>
+            </a:schemeClr>
+          </a:lnRef>
+          <a:fillRef idx="1">
+            <a:schemeClr val="accent4"/>
+          </a:fillRef>
+          <a:effectRef idx="0">
+            <a:schemeClr val="accent4"/>
+          </a:effectRef>
+          <a:fontRef idx="minor">
+            <a:schemeClr val="lt1"/>
+          </a:fontRef>
+        </p:style>
+        <p:txBody>
+          <a:bodyPr rtlCol="0" anchor="ctr"/>
+          <a:lstStyle/>
+          <a:p>
+            <a:pPr algn="ctr"/>
+            <a:endParaRPr lang="zh-TW" altLang="en-US" dirty="0"/>
+          </a:p>
+        </p:txBody>
+      </p:sp>
+      <p:sp>
+        <p:nvSpPr>
+          <p:cNvPr id="33" name="文字方塊 32">
+            <a:extLst>
+              <a:ext uri="{FF2B5EF4-FFF2-40B4-BE49-F238E27FC236}">
+                <a16:creationId xmlns:a16="http://schemas.microsoft.com/office/drawing/2014/main" id="{735159E0-1D22-A25C-A7A9-D0776D790E3F}"/>
+              </a:ext>
+            </a:extLst>
+          </p:cNvPr>
+          <p:cNvSpPr txBox="1"/>
+          <p:nvPr/>
+        </p:nvSpPr>
+        <p:spPr>
+          <a:xfrm>
+            <a:off x="3412751" y="5199337"/>
+            <a:ext cx="1070059" cy="369332"/>
+          </a:xfrm>
+          <a:prstGeom prst="rect">
+            <a:avLst/>
+          </a:prstGeom>
+          <a:noFill/>
+        </p:spPr>
+        <p:txBody>
+          <a:bodyPr wrap="square">
+            <a:spAutoFit/>
+          </a:bodyPr>
+          <a:lstStyle/>
+          <a:p>
+            <a:r>
+              <a:rPr lang="en-US" altLang="zh-TW" dirty="0"/>
+              <a:t>Target(Lt</a:t>
+            </a:r>
+            <a:r>
+              <a:rPr lang="zh-TW" altLang="en-US" dirty="0"/>
+              <a:t> </a:t>
+            </a:r>
+            <a:r>
+              <a:rPr lang="en-US" altLang="zh-TW" dirty="0"/>
+              <a:t>)</a:t>
+            </a:r>
+          </a:p>
+        </p:txBody>
+      </p:sp>
+      <p:sp>
+        <p:nvSpPr>
+          <p:cNvPr id="34" name="文字方塊 33">
+            <a:extLst>
+              <a:ext uri="{FF2B5EF4-FFF2-40B4-BE49-F238E27FC236}">
+                <a16:creationId xmlns:a16="http://schemas.microsoft.com/office/drawing/2014/main" id="{DE13AFD2-2E0B-B44C-486D-24E89CE4095D}"/>
+              </a:ext>
+            </a:extLst>
+          </p:cNvPr>
+          <p:cNvSpPr txBox="1"/>
+          <p:nvPr/>
+        </p:nvSpPr>
+        <p:spPr>
+          <a:xfrm>
+            <a:off x="5904775" y="3380751"/>
+            <a:ext cx="4209885" cy="1754326"/>
+          </a:xfrm>
+          <a:prstGeom prst="rect">
+            <a:avLst/>
+          </a:prstGeom>
+          <a:noFill/>
+        </p:spPr>
+        <p:txBody>
+          <a:bodyPr wrap="square" rtlCol="0">
+            <a:spAutoFit/>
+          </a:bodyPr>
+          <a:lstStyle/>
+          <a:p>
+            <a:r>
+              <a:rPr lang="zh-TW" altLang="en-US" dirty="0"/>
+              <a:t>無人機接收到</a:t>
+            </a:r>
+            <a:r>
+              <a:rPr lang="en-US" altLang="zh-TW" dirty="0"/>
+              <a:t>Target</a:t>
+            </a:r>
+            <a:r>
+              <a:rPr lang="zh-TW" altLang="en-US" dirty="0"/>
+              <a:t>時</a:t>
+            </a:r>
+            <a:r>
+              <a:rPr lang="en-US" altLang="zh-TW" dirty="0"/>
+              <a:t>(Lt)</a:t>
+            </a:r>
+            <a:r>
+              <a:rPr lang="zh-TW" altLang="en-US" dirty="0"/>
+              <a:t>，車輛又已經移動△</a:t>
+            </a:r>
+            <a:r>
+              <a:rPr lang="en-US" altLang="zh-TW" dirty="0"/>
+              <a:t>T</a:t>
+            </a:r>
+            <a:r>
+              <a:rPr lang="zh-TW" altLang="en-US" dirty="0"/>
+              <a:t>的時間，故讓</a:t>
+            </a:r>
+            <a:r>
+              <a:rPr lang="en-US" altLang="zh-TW" dirty="0"/>
+              <a:t>UAV</a:t>
+            </a:r>
+            <a:r>
+              <a:rPr lang="zh-TW" altLang="en-US" dirty="0"/>
+              <a:t>多移動</a:t>
+            </a:r>
+            <a:r>
+              <a:rPr lang="en-US" altLang="zh-TW" dirty="0" err="1"/>
+              <a:t>Vuav</a:t>
+            </a:r>
+            <a:r>
+              <a:rPr lang="zh-TW" altLang="en-US" dirty="0"/>
+              <a:t>* △</a:t>
+            </a:r>
+            <a:r>
+              <a:rPr lang="en-US" altLang="zh-TW" dirty="0"/>
+              <a:t>T</a:t>
+            </a:r>
+            <a:r>
+              <a:rPr lang="zh-TW" altLang="en-US" dirty="0"/>
+              <a:t>的距離</a:t>
+            </a:r>
+            <a:r>
+              <a:rPr lang="en-US" altLang="zh-TW" dirty="0"/>
+              <a:t>(Lt+</a:t>
+            </a:r>
+            <a:r>
+              <a:rPr lang="zh-TW" altLang="en-US" dirty="0"/>
+              <a:t>△</a:t>
+            </a:r>
+            <a:r>
+              <a:rPr lang="en-US" altLang="zh-TW" dirty="0"/>
+              <a:t>T</a:t>
+            </a:r>
+            <a:r>
+              <a:rPr lang="zh-TW" altLang="en-US" dirty="0"/>
+              <a:t> </a:t>
+            </a:r>
+            <a:r>
+              <a:rPr lang="en-US" altLang="zh-TW" dirty="0"/>
+              <a:t>)</a:t>
+            </a:r>
+            <a:r>
+              <a:rPr lang="zh-TW" altLang="en-US" dirty="0"/>
+              <a:t>，但</a:t>
+            </a:r>
+            <a:r>
+              <a:rPr lang="en-US" altLang="zh-TW" dirty="0"/>
+              <a:t>UAV</a:t>
+            </a:r>
+            <a:r>
+              <a:rPr lang="zh-TW" altLang="en-US" dirty="0"/>
+              <a:t>飛行至</a:t>
+            </a:r>
+            <a:r>
+              <a:rPr lang="en-US" altLang="zh-TW" dirty="0"/>
+              <a:t>(Lt+</a:t>
+            </a:r>
+            <a:r>
+              <a:rPr lang="zh-TW" altLang="en-US" dirty="0"/>
+              <a:t>△</a:t>
+            </a:r>
+            <a:r>
+              <a:rPr lang="en-US" altLang="zh-TW" dirty="0"/>
+              <a:t>T</a:t>
+            </a:r>
+            <a:r>
+              <a:rPr lang="zh-TW" altLang="en-US" dirty="0"/>
+              <a:t> </a:t>
+            </a:r>
+            <a:r>
+              <a:rPr lang="en-US" altLang="zh-TW" dirty="0"/>
+              <a:t>)</a:t>
+            </a:r>
+            <a:r>
+              <a:rPr lang="zh-TW" altLang="en-US" dirty="0"/>
+              <a:t>的時間，設為</a:t>
+            </a:r>
+            <a:r>
+              <a:rPr lang="en-US" altLang="zh-TW" dirty="0"/>
+              <a:t>δ </a:t>
+            </a:r>
+            <a:r>
+              <a:rPr lang="zh-TW" altLang="en-US" dirty="0"/>
+              <a:t>，無人機接收到的一棟的座標為</a:t>
+            </a:r>
+            <a:r>
+              <a:rPr lang="en-US" altLang="zh-TW" dirty="0"/>
+              <a:t>Lt+</a:t>
+            </a:r>
+            <a:r>
+              <a:rPr lang="zh-TW" altLang="en-US" dirty="0"/>
+              <a:t>△</a:t>
+            </a:r>
+            <a:r>
+              <a:rPr lang="en-US" altLang="zh-TW" dirty="0" err="1"/>
+              <a:t>T+δ</a:t>
+            </a:r>
+            <a:r>
+              <a:rPr lang="zh-TW" altLang="en-US" dirty="0"/>
+              <a:t>，</a:t>
+            </a:r>
+            <a:endParaRPr lang="en-US" altLang="zh-TW" dirty="0"/>
+          </a:p>
+          <a:p>
+            <a:r>
+              <a:rPr lang="zh-TW" altLang="en-US" dirty="0"/>
+              <a:t>令</a:t>
+            </a:r>
+            <a:r>
+              <a:rPr lang="en-US" altLang="zh-TW" dirty="0"/>
+              <a:t>δ</a:t>
+            </a:r>
+            <a:r>
+              <a:rPr lang="zh-TW" altLang="en-US" dirty="0"/>
+              <a:t>為一變數，</a:t>
+            </a:r>
+          </a:p>
+        </p:txBody>
+      </p:sp>
+      <p:sp>
+        <p:nvSpPr>
+          <p:cNvPr id="35" name="文字方塊 34">
+            <a:extLst>
+              <a:ext uri="{FF2B5EF4-FFF2-40B4-BE49-F238E27FC236}">
+                <a16:creationId xmlns:a16="http://schemas.microsoft.com/office/drawing/2014/main" id="{E0FDF1FA-3153-A9A1-C186-7B4AAA8CB243}"/>
+              </a:ext>
+            </a:extLst>
+          </p:cNvPr>
+          <p:cNvSpPr txBox="1"/>
+          <p:nvPr/>
+        </p:nvSpPr>
+        <p:spPr>
+          <a:xfrm>
+            <a:off x="5920178" y="2003779"/>
+            <a:ext cx="2854179" cy="923330"/>
+          </a:xfrm>
+          <a:prstGeom prst="rect">
+            <a:avLst/>
+          </a:prstGeom>
+          <a:noFill/>
+        </p:spPr>
+        <p:txBody>
+          <a:bodyPr wrap="none" rtlCol="0">
+            <a:spAutoFit/>
+          </a:bodyPr>
+          <a:lstStyle/>
+          <a:p>
+            <a:r>
+              <a:rPr lang="en-US" altLang="zh-TW" dirty="0"/>
+              <a:t>Lt</a:t>
+            </a:r>
+            <a:r>
+              <a:rPr lang="zh-TW" altLang="en-US" dirty="0"/>
+              <a:t> </a:t>
+            </a:r>
+            <a:r>
+              <a:rPr lang="en-US" altLang="zh-TW" dirty="0"/>
+              <a:t>(Target</a:t>
+            </a:r>
+            <a:r>
+              <a:rPr lang="zh-TW" altLang="en-US" dirty="0"/>
+              <a:t>點</a:t>
+            </a:r>
+            <a:r>
+              <a:rPr lang="en-US" altLang="zh-TW" dirty="0"/>
+              <a:t>)</a:t>
+            </a:r>
+          </a:p>
+          <a:p>
+            <a:r>
+              <a:rPr lang="en-US" altLang="zh-TW" dirty="0"/>
+              <a:t>Lt+</a:t>
+            </a:r>
+            <a:r>
+              <a:rPr lang="zh-TW" altLang="en-US" dirty="0"/>
+              <a:t>△</a:t>
+            </a:r>
+            <a:r>
+              <a:rPr lang="en-US" altLang="zh-TW" dirty="0"/>
+              <a:t>T</a:t>
+            </a:r>
+            <a:r>
+              <a:rPr lang="zh-TW" altLang="en-US" dirty="0"/>
+              <a:t> </a:t>
+            </a:r>
+            <a:r>
+              <a:rPr lang="en-US" altLang="zh-TW" dirty="0"/>
+              <a:t>(</a:t>
+            </a:r>
+            <a:r>
+              <a:rPr lang="zh-TW" altLang="en-US" dirty="0"/>
+              <a:t>包含訊息傳遞時間</a:t>
+            </a:r>
+            <a:r>
+              <a:rPr lang="en-US" altLang="zh-TW" dirty="0"/>
+              <a:t>)</a:t>
+            </a:r>
+          </a:p>
+          <a:p>
+            <a:r>
+              <a:rPr lang="en-US" altLang="zh-TW" dirty="0"/>
+              <a:t>Lt+</a:t>
+            </a:r>
+            <a:r>
+              <a:rPr lang="zh-TW" altLang="en-US" dirty="0"/>
+              <a:t>△</a:t>
+            </a:r>
+            <a:r>
+              <a:rPr lang="en-US" altLang="zh-TW" dirty="0" err="1"/>
+              <a:t>T+δ</a:t>
+            </a:r>
+            <a:endParaRPr lang="en-US" altLang="zh-TW" dirty="0"/>
+          </a:p>
+        </p:txBody>
+      </p:sp>
+      <p:sp>
+        <p:nvSpPr>
+          <p:cNvPr id="38" name="文字方塊 37">
+            <a:extLst>
+              <a:ext uri="{FF2B5EF4-FFF2-40B4-BE49-F238E27FC236}">
+                <a16:creationId xmlns:a16="http://schemas.microsoft.com/office/drawing/2014/main" id="{E8C7AC31-B588-D294-90A3-7662B83D9F48}"/>
+              </a:ext>
+            </a:extLst>
+          </p:cNvPr>
+          <p:cNvSpPr txBox="1"/>
+          <p:nvPr/>
+        </p:nvSpPr>
+        <p:spPr>
+          <a:xfrm>
+            <a:off x="2184307" y="5852209"/>
+            <a:ext cx="544020" cy="367018"/>
+          </a:xfrm>
+          <a:prstGeom prst="rect">
+            <a:avLst/>
+          </a:prstGeom>
+          <a:noFill/>
+        </p:spPr>
+        <p:txBody>
+          <a:bodyPr wrap="square">
+            <a:spAutoFit/>
+          </a:bodyPr>
+          <a:lstStyle/>
+          <a:p>
+            <a:r>
+              <a:rPr lang="en-US" altLang="zh-TW" dirty="0"/>
+              <a:t>t</a:t>
+            </a:r>
+            <a:endParaRPr lang="zh-TW" altLang="en-US" dirty="0"/>
+          </a:p>
+        </p:txBody>
+      </p:sp>
+      <p:sp>
+        <p:nvSpPr>
+          <p:cNvPr id="39" name="橢圓 38">
+            <a:extLst>
+              <a:ext uri="{FF2B5EF4-FFF2-40B4-BE49-F238E27FC236}">
+                <a16:creationId xmlns:a16="http://schemas.microsoft.com/office/drawing/2014/main" id="{63B42238-B269-12BC-6B69-83867B0DCA52}"/>
+              </a:ext>
+            </a:extLst>
+          </p:cNvPr>
+          <p:cNvSpPr/>
+          <p:nvPr/>
+        </p:nvSpPr>
+        <p:spPr>
+          <a:xfrm>
+            <a:off x="6485336" y="5657568"/>
+            <a:ext cx="360435" cy="360435"/>
+          </a:xfrm>
+          <a:prstGeom prst="ellipse">
+            <a:avLst/>
+          </a:prstGeom>
+        </p:spPr>
+        <p:style>
+          <a:lnRef idx="2">
+            <a:schemeClr val="accent4">
+              <a:shade val="15000"/>
+            </a:schemeClr>
+          </a:lnRef>
+          <a:fillRef idx="1">
+            <a:schemeClr val="accent4"/>
+          </a:fillRef>
+          <a:effectRef idx="0">
+            <a:schemeClr val="accent4"/>
+          </a:effectRef>
+          <a:fontRef idx="minor">
+            <a:schemeClr val="lt1"/>
+          </a:fontRef>
+        </p:style>
+        <p:txBody>
+          <a:bodyPr rtlCol="0" anchor="ctr"/>
+          <a:lstStyle/>
+          <a:p>
+            <a:pPr algn="ctr"/>
+            <a:endParaRPr lang="zh-TW" altLang="en-US"/>
+          </a:p>
+        </p:txBody>
+      </p:sp>
+      <p:sp>
+        <p:nvSpPr>
+          <p:cNvPr id="41" name="文字方塊 40">
+            <a:extLst>
+              <a:ext uri="{FF2B5EF4-FFF2-40B4-BE49-F238E27FC236}">
+                <a16:creationId xmlns:a16="http://schemas.microsoft.com/office/drawing/2014/main" id="{70BDED64-BE70-F4F3-8641-0C3CB68B423A}"/>
+              </a:ext>
+            </a:extLst>
+          </p:cNvPr>
+          <p:cNvSpPr txBox="1"/>
+          <p:nvPr/>
+        </p:nvSpPr>
+        <p:spPr>
+          <a:xfrm>
+            <a:off x="6319653" y="5209149"/>
+            <a:ext cx="914782" cy="369332"/>
+          </a:xfrm>
+          <a:prstGeom prst="rect">
+            <a:avLst/>
+          </a:prstGeom>
+          <a:noFill/>
+        </p:spPr>
+        <p:txBody>
+          <a:bodyPr wrap="square">
+            <a:spAutoFit/>
+          </a:bodyPr>
+          <a:lstStyle/>
+          <a:p>
+            <a:r>
+              <a:rPr lang="en-US" altLang="zh-TW" dirty="0"/>
+              <a:t>Lt+</a:t>
+            </a:r>
+            <a:r>
+              <a:rPr lang="zh-TW" altLang="en-US" dirty="0"/>
+              <a:t>△</a:t>
+            </a:r>
+            <a:r>
+              <a:rPr lang="en-US" altLang="zh-TW" dirty="0"/>
+              <a:t>T</a:t>
+            </a:r>
+            <a:r>
+              <a:rPr lang="zh-TW" altLang="en-US" dirty="0"/>
+              <a:t> </a:t>
+            </a:r>
+          </a:p>
+        </p:txBody>
+      </p:sp>
+      <p:sp>
+        <p:nvSpPr>
+          <p:cNvPr id="46" name="文字方塊 45">
+            <a:extLst>
+              <a:ext uri="{FF2B5EF4-FFF2-40B4-BE49-F238E27FC236}">
+                <a16:creationId xmlns:a16="http://schemas.microsoft.com/office/drawing/2014/main" id="{EBB4FFCA-06C6-B6B5-34E4-19BDE657E910}"/>
+              </a:ext>
+            </a:extLst>
+          </p:cNvPr>
+          <p:cNvSpPr txBox="1"/>
+          <p:nvPr/>
+        </p:nvSpPr>
+        <p:spPr>
+          <a:xfrm>
+            <a:off x="5073483" y="5852209"/>
+            <a:ext cx="544020" cy="367018"/>
+          </a:xfrm>
+          <a:prstGeom prst="rect">
+            <a:avLst/>
+          </a:prstGeom>
+          <a:noFill/>
+        </p:spPr>
+        <p:txBody>
+          <a:bodyPr wrap="square">
+            <a:spAutoFit/>
+          </a:bodyPr>
+          <a:lstStyle/>
+          <a:p>
+            <a:r>
+              <a:rPr lang="zh-TW" altLang="en-US" dirty="0"/>
+              <a:t>△</a:t>
+            </a:r>
+            <a:r>
+              <a:rPr lang="en-US" altLang="zh-TW" dirty="0"/>
+              <a:t>T</a:t>
+            </a:r>
+            <a:endParaRPr lang="zh-TW" altLang="en-US" dirty="0"/>
+          </a:p>
+        </p:txBody>
+      </p:sp>
+      <p:sp>
+        <p:nvSpPr>
+          <p:cNvPr id="47" name="橢圓 46">
+            <a:extLst>
+              <a:ext uri="{FF2B5EF4-FFF2-40B4-BE49-F238E27FC236}">
+                <a16:creationId xmlns:a16="http://schemas.microsoft.com/office/drawing/2014/main" id="{E2F4D7C6-56F4-32A4-A4A9-FF317B1FC253}"/>
+              </a:ext>
+            </a:extLst>
+          </p:cNvPr>
+          <p:cNvSpPr/>
+          <p:nvPr/>
+        </p:nvSpPr>
+        <p:spPr>
+          <a:xfrm>
+            <a:off x="9607643" y="5596005"/>
+            <a:ext cx="360435" cy="360435"/>
+          </a:xfrm>
+          <a:prstGeom prst="ellipse">
+            <a:avLst/>
+          </a:prstGeom>
+        </p:spPr>
+        <p:style>
+          <a:lnRef idx="2">
+            <a:schemeClr val="accent4">
+              <a:shade val="15000"/>
+            </a:schemeClr>
+          </a:lnRef>
+          <a:fillRef idx="1">
+            <a:schemeClr val="accent4"/>
+          </a:fillRef>
+          <a:effectRef idx="0">
+            <a:schemeClr val="accent4"/>
+          </a:effectRef>
+          <a:fontRef idx="minor">
+            <a:schemeClr val="lt1"/>
+          </a:fontRef>
+        </p:style>
+        <p:txBody>
+          <a:bodyPr rtlCol="0" anchor="ctr"/>
+          <a:lstStyle/>
+          <a:p>
+            <a:pPr algn="ctr"/>
+            <a:endParaRPr lang="zh-TW" altLang="en-US"/>
+          </a:p>
+        </p:txBody>
+      </p:sp>
+      <p:sp>
+        <p:nvSpPr>
+          <p:cNvPr id="49" name="文字方塊 48">
+            <a:extLst>
+              <a:ext uri="{FF2B5EF4-FFF2-40B4-BE49-F238E27FC236}">
+                <a16:creationId xmlns:a16="http://schemas.microsoft.com/office/drawing/2014/main" id="{BDB4652A-6F66-9EDB-1B62-57C77D564B1F}"/>
+              </a:ext>
+            </a:extLst>
+          </p:cNvPr>
+          <p:cNvSpPr txBox="1"/>
+          <p:nvPr/>
+        </p:nvSpPr>
+        <p:spPr>
+          <a:xfrm>
+            <a:off x="7752542" y="5896061"/>
+            <a:ext cx="1785048" cy="646331"/>
+          </a:xfrm>
+          <a:prstGeom prst="rect">
+            <a:avLst/>
+          </a:prstGeom>
+          <a:noFill/>
+        </p:spPr>
+        <p:txBody>
+          <a:bodyPr wrap="square">
+            <a:spAutoFit/>
+          </a:bodyPr>
+          <a:lstStyle/>
+          <a:p>
+            <a:r>
+              <a:rPr lang="en-US" altLang="zh-TW" dirty="0"/>
+              <a:t>δ=</a:t>
+            </a:r>
+            <a:r>
+              <a:rPr lang="zh-TW" altLang="en-US" dirty="0"/>
+              <a:t> </a:t>
+            </a:r>
+            <a:r>
+              <a:rPr lang="en-US" altLang="zh-TW" dirty="0"/>
+              <a:t>1,2,3…. δ </a:t>
+            </a:r>
+            <a:endParaRPr lang="zh-TW" altLang="en-US" dirty="0"/>
+          </a:p>
+          <a:p>
+            <a:r>
+              <a:rPr lang="en-US" altLang="zh-TW" dirty="0"/>
+              <a:t> </a:t>
+            </a:r>
+            <a:endParaRPr lang="zh-TW" altLang="en-US" dirty="0"/>
+          </a:p>
+        </p:txBody>
+      </p:sp>
+      <p:sp>
+        <p:nvSpPr>
+          <p:cNvPr id="50" name="文字方塊 49">
+            <a:extLst>
+              <a:ext uri="{FF2B5EF4-FFF2-40B4-BE49-F238E27FC236}">
+                <a16:creationId xmlns:a16="http://schemas.microsoft.com/office/drawing/2014/main" id="{FE9B9538-DEC4-DC71-285F-FE187A45CDE5}"/>
+              </a:ext>
+            </a:extLst>
+          </p:cNvPr>
+          <p:cNvSpPr txBox="1"/>
+          <p:nvPr/>
+        </p:nvSpPr>
+        <p:spPr>
+          <a:xfrm>
+            <a:off x="9261434" y="5221344"/>
+            <a:ext cx="1547200" cy="369332"/>
+          </a:xfrm>
+          <a:prstGeom prst="rect">
+            <a:avLst/>
+          </a:prstGeom>
+          <a:noFill/>
+        </p:spPr>
+        <p:txBody>
+          <a:bodyPr wrap="square">
+            <a:spAutoFit/>
+          </a:bodyPr>
+          <a:lstStyle/>
+          <a:p>
+            <a:r>
+              <a:rPr lang="en-US" altLang="zh-TW" dirty="0"/>
+              <a:t>L(t+</a:t>
+            </a:r>
+            <a:r>
+              <a:rPr lang="zh-TW" altLang="en-US" dirty="0"/>
+              <a:t>△</a:t>
+            </a:r>
+            <a:r>
+              <a:rPr lang="en-US" altLang="zh-TW" dirty="0" err="1"/>
+              <a:t>T+δ</a:t>
+            </a:r>
+            <a:r>
+              <a:rPr lang="en-US" altLang="zh-TW" dirty="0"/>
+              <a:t>) </a:t>
+            </a:r>
+            <a:endParaRPr lang="zh-TW" altLang="en-US" dirty="0"/>
+          </a:p>
+        </p:txBody>
+      </p:sp>
+      <p:sp>
+        <p:nvSpPr>
+          <p:cNvPr id="52" name="文字方塊 51">
+            <a:extLst>
+              <a:ext uri="{FF2B5EF4-FFF2-40B4-BE49-F238E27FC236}">
+                <a16:creationId xmlns:a16="http://schemas.microsoft.com/office/drawing/2014/main" id="{ED6534AB-F8EC-7D55-6DF5-2DDF63484EA4}"/>
+              </a:ext>
+            </a:extLst>
+          </p:cNvPr>
+          <p:cNvSpPr txBox="1"/>
+          <p:nvPr/>
+        </p:nvSpPr>
+        <p:spPr>
+          <a:xfrm>
+            <a:off x="6251534" y="6258580"/>
+            <a:ext cx="6096000" cy="523220"/>
+          </a:xfrm>
+          <a:prstGeom prst="rect">
+            <a:avLst/>
+          </a:prstGeom>
+          <a:noFill/>
+        </p:spPr>
+        <p:txBody>
+          <a:bodyPr wrap="square">
+            <a:spAutoFit/>
+          </a:bodyPr>
+          <a:lstStyle/>
+          <a:p>
+            <a:r>
+              <a:rPr lang="en-US" altLang="zh-TW" sz="2800" dirty="0" err="1"/>
+              <a:t>dδ</a:t>
+            </a:r>
+            <a:r>
+              <a:rPr lang="en-US" altLang="zh-TW" sz="2800" dirty="0"/>
+              <a:t>/</a:t>
+            </a:r>
+            <a:r>
+              <a:rPr lang="en-US" altLang="zh-TW" sz="2800" dirty="0" err="1"/>
+              <a:t>Vuav</a:t>
+            </a:r>
+            <a:r>
+              <a:rPr lang="en-US" altLang="zh-TW" sz="2800" dirty="0"/>
+              <a:t> &lt;= δ</a:t>
+            </a:r>
+            <a:endParaRPr lang="zh-TW" altLang="en-US" sz="2800" dirty="0"/>
+          </a:p>
+        </p:txBody>
+      </p:sp>
+      <p:sp>
+        <p:nvSpPr>
+          <p:cNvPr id="53" name="矩形 52">
+            <a:extLst>
+              <a:ext uri="{FF2B5EF4-FFF2-40B4-BE49-F238E27FC236}">
+                <a16:creationId xmlns:a16="http://schemas.microsoft.com/office/drawing/2014/main" id="{0E1AD623-72AA-A1E8-300F-E673771ED30C}"/>
+              </a:ext>
+            </a:extLst>
+          </p:cNvPr>
+          <p:cNvSpPr/>
+          <p:nvPr/>
+        </p:nvSpPr>
+        <p:spPr>
+          <a:xfrm>
+            <a:off x="7234435" y="5617509"/>
+            <a:ext cx="109663" cy="403733"/>
+          </a:xfrm>
+          <a:prstGeom prst="rect">
+            <a:avLst/>
+          </a:prstGeom>
+        </p:spPr>
+        <p:style>
+          <a:lnRef idx="2">
+            <a:schemeClr val="accent1">
+              <a:shade val="15000"/>
+            </a:schemeClr>
+          </a:lnRef>
+          <a:fillRef idx="1">
+            <a:schemeClr val="accent1"/>
+          </a:fillRef>
+          <a:effectRef idx="0">
+            <a:schemeClr val="accent1"/>
+          </a:effectRef>
+          <a:fontRef idx="minor">
+            <a:schemeClr val="lt1"/>
+          </a:fontRef>
+        </p:style>
+        <p:txBody>
+          <a:bodyPr rtlCol="0" anchor="ctr"/>
+          <a:lstStyle/>
+          <a:p>
+            <a:pPr algn="ctr"/>
+            <a:endParaRPr lang="zh-TW" altLang="en-US"/>
+          </a:p>
+        </p:txBody>
+      </p:sp>
+      <p:sp>
+        <p:nvSpPr>
+          <p:cNvPr id="55" name="文字方塊 54">
+            <a:extLst>
+              <a:ext uri="{FF2B5EF4-FFF2-40B4-BE49-F238E27FC236}">
+                <a16:creationId xmlns:a16="http://schemas.microsoft.com/office/drawing/2014/main" id="{5AC32FE9-4EEE-131C-D48E-517296ED4E69}"/>
+              </a:ext>
+            </a:extLst>
+          </p:cNvPr>
+          <p:cNvSpPr txBox="1"/>
+          <p:nvPr/>
+        </p:nvSpPr>
+        <p:spPr>
+          <a:xfrm>
+            <a:off x="11076698" y="5986878"/>
+            <a:ext cx="401787" cy="400110"/>
+          </a:xfrm>
+          <a:prstGeom prst="rect">
+            <a:avLst/>
+          </a:prstGeom>
+          <a:noFill/>
+        </p:spPr>
+        <p:txBody>
+          <a:bodyPr wrap="square">
+            <a:spAutoFit/>
+          </a:bodyPr>
+          <a:lstStyle/>
+          <a:p>
+            <a:r>
+              <a:rPr lang="en-US" altLang="zh-TW" sz="2000" b="1" dirty="0">
+                <a:solidFill>
+                  <a:srgbClr val="FF0000"/>
+                </a:solidFill>
+              </a:rPr>
+              <a:t>δ</a:t>
+            </a:r>
+            <a:endParaRPr lang="zh-TW" altLang="en-US" sz="2000" b="1" dirty="0">
+              <a:solidFill>
+                <a:srgbClr val="FF0000"/>
+              </a:solidFill>
+            </a:endParaRPr>
+          </a:p>
+        </p:txBody>
+      </p:sp>
+      <p:sp>
+        <p:nvSpPr>
+          <p:cNvPr id="56" name="文字方塊 55">
+            <a:extLst>
+              <a:ext uri="{FF2B5EF4-FFF2-40B4-BE49-F238E27FC236}">
+                <a16:creationId xmlns:a16="http://schemas.microsoft.com/office/drawing/2014/main" id="{814D7BA3-79D5-2994-740E-15FAD041FDC8}"/>
+              </a:ext>
+            </a:extLst>
+          </p:cNvPr>
+          <p:cNvSpPr txBox="1"/>
+          <p:nvPr/>
+        </p:nvSpPr>
+        <p:spPr>
+          <a:xfrm>
+            <a:off x="6887479" y="5920762"/>
+            <a:ext cx="401787" cy="400110"/>
+          </a:xfrm>
+          <a:prstGeom prst="rect">
+            <a:avLst/>
+          </a:prstGeom>
+          <a:noFill/>
+        </p:spPr>
+        <p:txBody>
+          <a:bodyPr wrap="square">
+            <a:spAutoFit/>
+          </a:bodyPr>
+          <a:lstStyle/>
+          <a:p>
+            <a:r>
+              <a:rPr lang="en-US" altLang="zh-TW" sz="2000" b="1" dirty="0">
+                <a:solidFill>
+                  <a:srgbClr val="FF0000"/>
+                </a:solidFill>
+              </a:rPr>
+              <a:t>1</a:t>
+            </a:r>
+            <a:endParaRPr lang="zh-TW" altLang="en-US" sz="2000" b="1" dirty="0">
+              <a:solidFill>
+                <a:srgbClr val="FF0000"/>
+              </a:solidFill>
+            </a:endParaRPr>
+          </a:p>
+        </p:txBody>
+      </p:sp>
+      <p:sp>
+        <p:nvSpPr>
+          <p:cNvPr id="3" name="文字方塊 2">
+            <a:extLst>
+              <a:ext uri="{FF2B5EF4-FFF2-40B4-BE49-F238E27FC236}">
+                <a16:creationId xmlns:a16="http://schemas.microsoft.com/office/drawing/2014/main" id="{36FA5A31-404B-207C-FF88-74CAEFB514FD}"/>
+              </a:ext>
+            </a:extLst>
+          </p:cNvPr>
+          <p:cNvSpPr txBox="1"/>
+          <p:nvPr/>
+        </p:nvSpPr>
+        <p:spPr>
+          <a:xfrm>
+            <a:off x="4814046" y="295834"/>
+            <a:ext cx="2435603" cy="707886"/>
+          </a:xfrm>
+          <a:prstGeom prst="rect">
+            <a:avLst/>
+          </a:prstGeom>
+          <a:noFill/>
+        </p:spPr>
+        <p:txBody>
+          <a:bodyPr wrap="none" rtlCol="0">
+            <a:spAutoFit/>
+          </a:bodyPr>
+          <a:lstStyle/>
+          <a:p>
+            <a:r>
+              <a:rPr lang="en-US" altLang="zh-TW" sz="4000" b="1" dirty="0" err="1"/>
+              <a:t>DelayTime</a:t>
+            </a:r>
+            <a:endParaRPr lang="en-US" altLang="zh-TW" sz="4000" b="1" dirty="0"/>
+          </a:p>
+        </p:txBody>
+      </p:sp>
+    </p:spTree>
+    <p:extLst>
+      <p:ext uri="{BB962C8B-B14F-4D97-AF65-F5344CB8AC3E}">
+        <p14:creationId xmlns:p14="http://schemas.microsoft.com/office/powerpoint/2010/main" val="2877091609"/>
+      </p:ext>
+    </p:extLst>
+  </p:cSld>
+  <p:clrMapOvr>
+    <a:masterClrMapping/>
+  </p:clrMapOvr>
+</p:sld>
+</file>
+
+<file path=ppt/slides/slide6.xml><?xml version="1.0" encoding="utf-8"?>
+<p:sld xmlns:a="http://schemas.openxmlformats.org/drawingml/2006/main" xmlns:r="http://schemas.openxmlformats.org/officeDocument/2006/relationships" xmlns:p="http://schemas.openxmlformats.org/presentationml/2006/main">
+  <p:cSld>
+    <p:spTree>
+      <p:nvGrpSpPr>
+        <p:cNvPr id="1" name=""/>
+        <p:cNvGrpSpPr/>
+        <p:nvPr/>
+      </p:nvGrpSpPr>
+      <p:grpSpPr>
+        <a:xfrm>
+          <a:off x="0" y="0"/>
+          <a:ext cx="0" cy="0"/>
+          <a:chOff x="0" y="0"/>
+          <a:chExt cx="0" cy="0"/>
+        </a:xfrm>
+      </p:grpSpPr>
+      <p:sp>
+        <p:nvSpPr>
+          <p:cNvPr id="3" name="文字方塊 2">
+            <a:extLst>
+              <a:ext uri="{FF2B5EF4-FFF2-40B4-BE49-F238E27FC236}">
+                <a16:creationId xmlns:a16="http://schemas.microsoft.com/office/drawing/2014/main" id="{278AB9F4-821E-E906-8025-504959CC5493}"/>
+              </a:ext>
+            </a:extLst>
+          </p:cNvPr>
+          <p:cNvSpPr txBox="1"/>
+          <p:nvPr/>
+        </p:nvSpPr>
+        <p:spPr>
+          <a:xfrm>
+            <a:off x="4096870" y="385481"/>
+            <a:ext cx="3262432" cy="707886"/>
+          </a:xfrm>
+          <a:prstGeom prst="rect">
+            <a:avLst/>
+          </a:prstGeom>
+          <a:noFill/>
+        </p:spPr>
+        <p:txBody>
+          <a:bodyPr wrap="none" rtlCol="0">
+            <a:spAutoFit/>
+          </a:bodyPr>
+          <a:lstStyle/>
+          <a:p>
+            <a:r>
+              <a:rPr lang="zh-TW" altLang="en-US" sz="4000" b="1" dirty="0"/>
+              <a:t>模擬實際情形</a:t>
+            </a:r>
+            <a:endParaRPr lang="en-US" altLang="zh-TW" sz="4000" b="1" dirty="0"/>
+          </a:p>
+        </p:txBody>
+      </p:sp>
+      <p:sp>
+        <p:nvSpPr>
+          <p:cNvPr id="4" name="文字方塊 3">
+            <a:extLst>
+              <a:ext uri="{FF2B5EF4-FFF2-40B4-BE49-F238E27FC236}">
+                <a16:creationId xmlns:a16="http://schemas.microsoft.com/office/drawing/2014/main" id="{AE391176-AC8A-AA0F-AEAB-499F605F5C21}"/>
+              </a:ext>
+            </a:extLst>
+          </p:cNvPr>
+          <p:cNvSpPr txBox="1"/>
+          <p:nvPr/>
+        </p:nvSpPr>
+        <p:spPr>
+          <a:xfrm>
+            <a:off x="1167856" y="1156121"/>
+            <a:ext cx="10226286" cy="5194242"/>
+          </a:xfrm>
+          <a:prstGeom prst="rect">
+            <a:avLst/>
+          </a:prstGeom>
+          <a:noFill/>
+        </p:spPr>
+        <p:txBody>
+          <a:bodyPr wrap="square">
+            <a:spAutoFit/>
+          </a:bodyPr>
+          <a:lstStyle/>
+          <a:p>
+            <a:pPr marL="342900" indent="-342900">
+              <a:lnSpc>
+                <a:spcPct val="150000"/>
+              </a:lnSpc>
+              <a:buAutoNum type="arabicPeriod"/>
+            </a:pPr>
+            <a:r>
+              <a:rPr lang="zh-TW" altLang="en-US" sz="2800" dirty="0"/>
+              <a:t>初始設定無人機位置、車輛數</a:t>
+            </a:r>
+            <a:r>
+              <a:rPr lang="en-US" altLang="zh-TW" sz="2800" dirty="0"/>
+              <a:t>NUM</a:t>
+            </a:r>
+          </a:p>
+          <a:p>
+            <a:pPr marL="342900" indent="-342900">
+              <a:lnSpc>
+                <a:spcPct val="150000"/>
+              </a:lnSpc>
+              <a:buAutoNum type="arabicPeriod"/>
+            </a:pPr>
+            <a:r>
+              <a:rPr lang="zh-TW" altLang="en-US" sz="2800" dirty="0"/>
+              <a:t>創建</a:t>
+            </a:r>
+            <a:r>
+              <a:rPr lang="en-US" altLang="zh-TW" sz="2800" dirty="0" err="1"/>
+              <a:t>dataA</a:t>
+            </a:r>
+            <a:r>
+              <a:rPr lang="en-US" altLang="zh-TW" sz="2800" dirty="0"/>
+              <a:t>(</a:t>
+            </a:r>
+            <a:r>
+              <a:rPr lang="zh-TW" altLang="en-US" sz="2800" dirty="0"/>
+              <a:t>車輛資訊 </a:t>
+            </a:r>
+            <a:r>
+              <a:rPr lang="en-US" altLang="zh-TW" sz="2800" dirty="0"/>
+              <a:t>(</a:t>
+            </a:r>
+            <a:r>
+              <a:rPr lang="en-US" altLang="zh-TW" sz="2800" dirty="0" err="1"/>
+              <a:t>x,y,v</a:t>
+            </a:r>
+            <a:r>
+              <a:rPr lang="en-US" altLang="zh-TW" sz="2800" dirty="0"/>
+              <a:t>) )</a:t>
+            </a:r>
+          </a:p>
+          <a:p>
+            <a:pPr marL="342900" indent="-342900">
+              <a:lnSpc>
+                <a:spcPct val="150000"/>
+              </a:lnSpc>
+              <a:buAutoNum type="arabicPeriod"/>
+            </a:pPr>
+            <a:r>
+              <a:rPr lang="zh-TW" altLang="en-US" sz="2800" dirty="0"/>
+              <a:t>每一秒更新車輛座標</a:t>
+            </a:r>
+            <a:r>
+              <a:rPr lang="en-US" altLang="zh-TW" sz="2800" dirty="0"/>
+              <a:t>(x)</a:t>
+            </a:r>
+            <a:r>
+              <a:rPr lang="zh-TW" altLang="en-US" sz="2800" dirty="0"/>
+              <a:t>，並</a:t>
+            </a:r>
+            <a:r>
+              <a:rPr lang="zh-TW" altLang="en-US" sz="2800" b="1" dirty="0"/>
+              <a:t>更新車輛速度</a:t>
+            </a:r>
+            <a:r>
+              <a:rPr lang="en-US" altLang="zh-TW" sz="2800" b="1" dirty="0"/>
+              <a:t>(v)</a:t>
+            </a:r>
+            <a:r>
+              <a:rPr lang="zh-TW" altLang="en-US" sz="2800" b="1" dirty="0"/>
+              <a:t>及車道</a:t>
+            </a:r>
+            <a:r>
+              <a:rPr lang="en-US" altLang="zh-TW" sz="2800" b="1" dirty="0"/>
+              <a:t>(y)</a:t>
+            </a:r>
+          </a:p>
+          <a:p>
+            <a:pPr marL="971550" lvl="1" indent="-514350">
+              <a:lnSpc>
+                <a:spcPct val="150000"/>
+              </a:lnSpc>
+              <a:buFont typeface="+mj-lt"/>
+              <a:buAutoNum type="arabicParenR"/>
+            </a:pPr>
+            <a:r>
+              <a:rPr lang="zh-TW" altLang="en-US" sz="2800" b="1" dirty="0"/>
+              <a:t>車輛速度</a:t>
+            </a:r>
+            <a:r>
+              <a:rPr lang="en-US" altLang="zh-TW" sz="2800" b="1" dirty="0"/>
+              <a:t>(v)</a:t>
+            </a:r>
+            <a:r>
+              <a:rPr lang="zh-TW" altLang="en-US" sz="2800" b="1" dirty="0"/>
+              <a:t>：增加隨機 </a:t>
+            </a:r>
+            <a:r>
+              <a:rPr lang="en-US" altLang="zh-TW" sz="2800" b="1" dirty="0"/>
+              <a:t>±</a:t>
+            </a:r>
+            <a:r>
+              <a:rPr lang="zh-TW" altLang="en-US" sz="2800" b="1" dirty="0"/>
+              <a:t> </a:t>
+            </a:r>
+            <a:r>
+              <a:rPr lang="en-US" altLang="zh-TW" sz="2800" b="1" dirty="0"/>
+              <a:t>10%</a:t>
+            </a:r>
+          </a:p>
+          <a:p>
+            <a:pPr marL="971550" lvl="1" indent="-514350">
+              <a:lnSpc>
+                <a:spcPct val="150000"/>
+              </a:lnSpc>
+              <a:buFont typeface="+mj-lt"/>
+              <a:buAutoNum type="arabicParenR"/>
+            </a:pPr>
+            <a:r>
+              <a:rPr lang="zh-TW" altLang="en-US" sz="2800" b="1" dirty="0"/>
+              <a:t>車道</a:t>
+            </a:r>
+            <a:r>
+              <a:rPr lang="en-US" altLang="zh-TW" sz="2800" b="1" dirty="0"/>
+              <a:t>(y)</a:t>
+            </a:r>
+            <a:r>
+              <a:rPr lang="zh-TW" altLang="en-US" sz="2800" b="1" dirty="0"/>
+              <a:t>：有</a:t>
+            </a:r>
+            <a:r>
+              <a:rPr lang="en-US" altLang="zh-TW" sz="2800" b="1" dirty="0"/>
+              <a:t>80%</a:t>
+            </a:r>
+            <a:r>
+              <a:rPr lang="zh-TW" altLang="en-US" sz="2800" b="1" dirty="0"/>
+              <a:t> 的車輛會改變車道</a:t>
+            </a:r>
+            <a:endParaRPr lang="en-US" altLang="zh-TW" sz="2800" b="1" dirty="0"/>
+          </a:p>
+          <a:p>
+            <a:pPr marL="342900" indent="-342900">
+              <a:lnSpc>
+                <a:spcPct val="150000"/>
+              </a:lnSpc>
+              <a:buFontTx/>
+              <a:buAutoNum type="arabicPeriod"/>
+            </a:pPr>
+            <a:r>
+              <a:rPr lang="zh-TW" altLang="en-US" sz="2800" dirty="0"/>
+              <a:t>更新各車輛位置後，計算新的</a:t>
+            </a:r>
+            <a:r>
+              <a:rPr lang="en-US" altLang="zh-TW" sz="2800" dirty="0" err="1"/>
+              <a:t>Kmeans</a:t>
+            </a:r>
+            <a:r>
+              <a:rPr lang="zh-TW" altLang="en-US" sz="2800" dirty="0"/>
+              <a:t>中點座標</a:t>
+            </a:r>
+            <a:r>
+              <a:rPr lang="en-US" altLang="zh-TW" sz="2800" dirty="0" err="1"/>
+              <a:t>center_pointA</a:t>
+            </a:r>
+            <a:endParaRPr lang="en-US" altLang="zh-TW" sz="2800" dirty="0"/>
+          </a:p>
+          <a:p>
+            <a:pPr marL="342900" indent="-342900">
+              <a:lnSpc>
+                <a:spcPct val="150000"/>
+              </a:lnSpc>
+              <a:buAutoNum type="arabicPeriod"/>
+            </a:pPr>
+            <a:r>
+              <a:rPr lang="zh-TW" altLang="en-US" sz="2800" dirty="0"/>
+              <a:t>而</a:t>
+            </a:r>
+            <a:r>
+              <a:rPr lang="en-US" altLang="zh-TW" sz="2800" dirty="0"/>
+              <a:t>UAV</a:t>
+            </a:r>
+            <a:r>
+              <a:rPr lang="zh-TW" altLang="en-US" sz="2800" dirty="0"/>
+              <a:t>則是，經過</a:t>
+            </a:r>
+            <a:r>
+              <a:rPr lang="en-US" altLang="zh-TW" sz="2800" dirty="0" err="1"/>
+              <a:t>dalaytime</a:t>
+            </a:r>
+            <a:r>
+              <a:rPr lang="zh-TW" altLang="en-US" sz="2800" dirty="0"/>
+              <a:t>後，開始移動</a:t>
+            </a:r>
+            <a:endParaRPr lang="en-US" altLang="zh-TW" sz="2800" dirty="0"/>
+          </a:p>
+          <a:p>
+            <a:pPr marL="342900" indent="-342900">
+              <a:lnSpc>
+                <a:spcPct val="150000"/>
+              </a:lnSpc>
+              <a:buAutoNum type="arabicPeriod"/>
+            </a:pPr>
+            <a:r>
+              <a:rPr lang="zh-TW" altLang="en-US" sz="2800" dirty="0"/>
+              <a:t>當</a:t>
+            </a:r>
+            <a:r>
+              <a:rPr lang="en-US" altLang="zh-TW" sz="2800" dirty="0"/>
+              <a:t>UAV</a:t>
+            </a:r>
+            <a:r>
+              <a:rPr lang="zh-TW" altLang="en-US" sz="2800" dirty="0"/>
+              <a:t>追上</a:t>
+            </a:r>
+            <a:r>
+              <a:rPr lang="en-US" altLang="zh-TW" sz="2800" dirty="0" err="1"/>
+              <a:t>center_point</a:t>
+            </a:r>
+            <a:r>
+              <a:rPr lang="zh-TW" altLang="en-US" sz="2800" dirty="0"/>
+              <a:t>後，紀錄</a:t>
+            </a:r>
+            <a:r>
+              <a:rPr lang="zh-TW" altLang="en-US" sz="2800" b="1" dirty="0"/>
+              <a:t>秒數</a:t>
+            </a:r>
+            <a:r>
+              <a:rPr lang="zh-TW" altLang="en-US" sz="2800" dirty="0"/>
+              <a:t>及</a:t>
+            </a:r>
+            <a:r>
+              <a:rPr lang="en-US" altLang="zh-TW" sz="2800" b="1" dirty="0" err="1"/>
+              <a:t>center_pointA</a:t>
+            </a:r>
+            <a:endParaRPr lang="en-US" altLang="zh-TW" sz="2800" b="1" dirty="0"/>
+          </a:p>
+        </p:txBody>
+      </p:sp>
+    </p:spTree>
+    <p:extLst>
+      <p:ext uri="{BB962C8B-B14F-4D97-AF65-F5344CB8AC3E}">
+        <p14:creationId xmlns:p14="http://schemas.microsoft.com/office/powerpoint/2010/main" val="2470077208"/>
+      </p:ext>
+    </p:extLst>
+  </p:cSld>
+  <p:clrMapOvr>
+    <a:masterClrMapping/>
+  </p:clrMapOvr>
+</p:sld>
+</file>
+
+<file path=ppt/slides/slide7.xml><?xml version="1.0" encoding="utf-8"?>
+<p:sld xmlns:a="http://schemas.openxmlformats.org/drawingml/2006/main" xmlns:r="http://schemas.openxmlformats.org/officeDocument/2006/relationships" xmlns:p="http://schemas.openxmlformats.org/presentationml/2006/main">
+  <p:cSld>
+    <p:spTree>
+      <p:nvGrpSpPr>
+        <p:cNvPr id="1" name=""/>
+        <p:cNvGrpSpPr/>
+        <p:nvPr/>
+      </p:nvGrpSpPr>
+      <p:grpSpPr>
+        <a:xfrm>
+          <a:off x="0" y="0"/>
+          <a:ext cx="0" cy="0"/>
+          <a:chOff x="0" y="0"/>
+          <a:chExt cx="0" cy="0"/>
+        </a:xfrm>
+      </p:grpSpPr>
+      <p:sp>
+        <p:nvSpPr>
+          <p:cNvPr id="2" name="文字方塊 1">
+            <a:extLst>
+              <a:ext uri="{FF2B5EF4-FFF2-40B4-BE49-F238E27FC236}">
+                <a16:creationId xmlns:a16="http://schemas.microsoft.com/office/drawing/2014/main" id="{C7F29B4B-6525-B856-418E-10B4CFB71807}"/>
+              </a:ext>
+            </a:extLst>
+          </p:cNvPr>
+          <p:cNvSpPr txBox="1"/>
+          <p:nvPr/>
+        </p:nvSpPr>
+        <p:spPr>
+          <a:xfrm>
+            <a:off x="4096869" y="385481"/>
+            <a:ext cx="3685055" cy="707886"/>
+          </a:xfrm>
+          <a:prstGeom prst="rect">
+            <a:avLst/>
+          </a:prstGeom>
+          <a:noFill/>
+        </p:spPr>
+        <p:txBody>
+          <a:bodyPr wrap="square" rtlCol="0">
+            <a:spAutoFit/>
+          </a:bodyPr>
+          <a:lstStyle/>
+          <a:p>
+            <a:pPr algn="ctr"/>
+            <a:r>
+              <a:rPr lang="zh-TW" altLang="en-US" sz="4000" b="1" dirty="0"/>
+              <a:t>實驗模擬情形</a:t>
+            </a:r>
+            <a:endParaRPr lang="en-US" altLang="zh-TW" sz="4000" b="1" dirty="0"/>
+          </a:p>
+        </p:txBody>
+      </p:sp>
+      <p:sp>
+        <p:nvSpPr>
+          <p:cNvPr id="3" name="文字方塊 2">
+            <a:extLst>
+              <a:ext uri="{FF2B5EF4-FFF2-40B4-BE49-F238E27FC236}">
+                <a16:creationId xmlns:a16="http://schemas.microsoft.com/office/drawing/2014/main" id="{8FB62592-9CA8-D78D-B321-31821C69A615}"/>
+              </a:ext>
+            </a:extLst>
+          </p:cNvPr>
+          <p:cNvSpPr txBox="1"/>
+          <p:nvPr/>
+        </p:nvSpPr>
+        <p:spPr>
+          <a:xfrm>
+            <a:off x="1167856" y="1156121"/>
+            <a:ext cx="10226286" cy="3903504"/>
+          </a:xfrm>
+          <a:prstGeom prst="rect">
+            <a:avLst/>
+          </a:prstGeom>
+          <a:noFill/>
+        </p:spPr>
+        <p:txBody>
+          <a:bodyPr wrap="square">
+            <a:spAutoFit/>
+          </a:bodyPr>
+          <a:lstStyle/>
+          <a:p>
+            <a:pPr marL="342900" indent="-342900">
+              <a:lnSpc>
+                <a:spcPct val="150000"/>
+              </a:lnSpc>
+              <a:buAutoNum type="arabicPeriod"/>
+            </a:pPr>
+            <a:r>
+              <a:rPr lang="zh-TW" altLang="en-US" sz="2800" dirty="0"/>
+              <a:t>初始設定無人機位置、車輛數</a:t>
+            </a:r>
+            <a:r>
+              <a:rPr lang="en-US" altLang="zh-TW" sz="2800" dirty="0"/>
+              <a:t>NUM</a:t>
+            </a:r>
+          </a:p>
+          <a:p>
+            <a:pPr marL="342900" indent="-342900">
+              <a:lnSpc>
+                <a:spcPct val="150000"/>
+              </a:lnSpc>
+              <a:buAutoNum type="arabicPeriod"/>
+            </a:pPr>
+            <a:r>
+              <a:rPr lang="zh-TW" altLang="en-US" sz="2800" dirty="0"/>
+              <a:t>創建</a:t>
+            </a:r>
+            <a:r>
+              <a:rPr lang="en-US" altLang="zh-TW" sz="2800" dirty="0" err="1"/>
+              <a:t>dataS</a:t>
+            </a:r>
+            <a:r>
+              <a:rPr lang="en-US" altLang="zh-TW" sz="2800" dirty="0"/>
+              <a:t>(</a:t>
+            </a:r>
+            <a:r>
+              <a:rPr lang="zh-TW" altLang="en-US" sz="2800" dirty="0"/>
+              <a:t>車輛資訊 </a:t>
+            </a:r>
+            <a:r>
+              <a:rPr lang="en-US" altLang="zh-TW" sz="2800" dirty="0"/>
+              <a:t>(</a:t>
+            </a:r>
+            <a:r>
+              <a:rPr lang="en-US" altLang="zh-TW" sz="2800" dirty="0" err="1"/>
+              <a:t>x,y,v</a:t>
+            </a:r>
+            <a:r>
+              <a:rPr lang="en-US" altLang="zh-TW" sz="2800" dirty="0"/>
+              <a:t>) )</a:t>
+            </a:r>
+          </a:p>
+          <a:p>
+            <a:pPr marL="342900" indent="-342900">
+              <a:lnSpc>
+                <a:spcPct val="150000"/>
+              </a:lnSpc>
+              <a:buAutoNum type="arabicPeriod"/>
+            </a:pPr>
+            <a:r>
+              <a:rPr lang="zh-TW" altLang="en-US" sz="2800" dirty="0"/>
+              <a:t>每一秒更新車輛座標</a:t>
+            </a:r>
+            <a:r>
+              <a:rPr lang="en-US" altLang="zh-TW" sz="2800" dirty="0"/>
+              <a:t>(x)</a:t>
+            </a:r>
+            <a:r>
+              <a:rPr lang="zh-TW" altLang="en-US" sz="2800" dirty="0"/>
+              <a:t>，並</a:t>
+            </a:r>
+            <a:r>
+              <a:rPr lang="zh-TW" altLang="en-US" sz="2800" b="1" dirty="0"/>
+              <a:t>維持車輛速度</a:t>
+            </a:r>
+            <a:r>
+              <a:rPr lang="en-US" altLang="zh-TW" sz="2800" b="1" dirty="0"/>
+              <a:t>(v)</a:t>
+            </a:r>
+            <a:r>
+              <a:rPr lang="zh-TW" altLang="en-US" sz="2800" b="1" dirty="0"/>
+              <a:t>及車道</a:t>
+            </a:r>
+            <a:r>
+              <a:rPr lang="en-US" altLang="zh-TW" sz="2800" b="1" dirty="0"/>
+              <a:t>(y)</a:t>
+            </a:r>
+            <a:r>
+              <a:rPr lang="zh-TW" altLang="en-US" sz="2800" b="1" dirty="0"/>
+              <a:t>不變</a:t>
+            </a:r>
+            <a:endParaRPr lang="en-US" altLang="zh-TW" sz="2800" b="1" dirty="0"/>
+          </a:p>
+          <a:p>
+            <a:pPr marL="342900" indent="-342900">
+              <a:lnSpc>
+                <a:spcPct val="150000"/>
+              </a:lnSpc>
+              <a:buFontTx/>
+              <a:buAutoNum type="arabicPeriod"/>
+            </a:pPr>
+            <a:r>
+              <a:rPr lang="zh-TW" altLang="en-US" sz="2800" dirty="0"/>
+              <a:t>更新各車輛位置後，計算新的</a:t>
+            </a:r>
+            <a:r>
+              <a:rPr lang="en-US" altLang="zh-TW" sz="2800" dirty="0" err="1"/>
+              <a:t>Kmeans</a:t>
+            </a:r>
+            <a:r>
+              <a:rPr lang="zh-TW" altLang="en-US" sz="2800" dirty="0"/>
+              <a:t>中點座標</a:t>
+            </a:r>
+            <a:r>
+              <a:rPr lang="en-US" altLang="zh-TW" sz="2800" dirty="0" err="1"/>
+              <a:t>center_pointS</a:t>
+            </a:r>
+            <a:endParaRPr lang="en-US" altLang="zh-TW" sz="2800" dirty="0"/>
+          </a:p>
+          <a:p>
+            <a:pPr marL="342900" indent="-342900">
+              <a:lnSpc>
+                <a:spcPct val="150000"/>
+              </a:lnSpc>
+              <a:buAutoNum type="arabicPeriod"/>
+            </a:pPr>
+            <a:r>
+              <a:rPr lang="zh-TW" altLang="en-US" sz="2800" dirty="0"/>
+              <a:t>而</a:t>
+            </a:r>
+            <a:r>
+              <a:rPr lang="en-US" altLang="zh-TW" sz="2800" dirty="0"/>
+              <a:t>UAV</a:t>
+            </a:r>
+            <a:r>
+              <a:rPr lang="zh-TW" altLang="en-US" sz="2800" dirty="0"/>
+              <a:t>則是，經過</a:t>
+            </a:r>
+            <a:r>
+              <a:rPr lang="en-US" altLang="zh-TW" sz="2800" dirty="0" err="1"/>
+              <a:t>dalaytime</a:t>
+            </a:r>
+            <a:r>
+              <a:rPr lang="zh-TW" altLang="en-US" sz="2800" dirty="0"/>
+              <a:t>後，開始移動</a:t>
+            </a:r>
+            <a:endParaRPr lang="en-US" altLang="zh-TW" sz="2800" dirty="0"/>
+          </a:p>
+          <a:p>
+            <a:pPr marL="342900" indent="-342900">
+              <a:lnSpc>
+                <a:spcPct val="150000"/>
+              </a:lnSpc>
+              <a:buAutoNum type="arabicPeriod"/>
+            </a:pPr>
+            <a:r>
+              <a:rPr lang="zh-TW" altLang="en-US" sz="2800" dirty="0"/>
+              <a:t>當</a:t>
+            </a:r>
+            <a:r>
+              <a:rPr lang="en-US" altLang="zh-TW" sz="2800" dirty="0"/>
+              <a:t>UAV</a:t>
+            </a:r>
+            <a:r>
+              <a:rPr lang="zh-TW" altLang="en-US" sz="2800" dirty="0"/>
+              <a:t>追上</a:t>
+            </a:r>
+            <a:r>
+              <a:rPr lang="en-US" altLang="zh-TW" sz="2800" dirty="0" err="1"/>
+              <a:t>center_point</a:t>
+            </a:r>
+            <a:r>
+              <a:rPr lang="zh-TW" altLang="en-US" sz="2800" dirty="0"/>
+              <a:t>後，紀錄</a:t>
+            </a:r>
+            <a:r>
+              <a:rPr lang="zh-TW" altLang="en-US" sz="2800" b="1" dirty="0"/>
+              <a:t>秒數</a:t>
+            </a:r>
+            <a:r>
+              <a:rPr lang="zh-TW" altLang="en-US" sz="2800" dirty="0"/>
+              <a:t>及</a:t>
+            </a:r>
+            <a:r>
+              <a:rPr lang="en-US" altLang="zh-TW" sz="2800" b="1" dirty="0" err="1"/>
+              <a:t>center_pointS</a:t>
+            </a:r>
+            <a:endParaRPr lang="en-US" altLang="zh-TW" sz="2800" b="1" dirty="0"/>
+          </a:p>
+        </p:txBody>
+      </p:sp>
+    </p:spTree>
+    <p:extLst>
+      <p:ext uri="{BB962C8B-B14F-4D97-AF65-F5344CB8AC3E}">
+        <p14:creationId xmlns:p14="http://schemas.microsoft.com/office/powerpoint/2010/main" val="4243967386"/>
+      </p:ext>
+    </p:extLst>
+  </p:cSld>
+  <p:clrMapOvr>
+    <a:masterClrMapping/>
+  </p:clrMapOvr>
+</p:sld>
+</file>
+
+<file path=ppt/slides/slide8.xml><?xml version="1.0" encoding="utf-8"?>
+<p:sld xmlns:a="http://schemas.openxmlformats.org/drawingml/2006/main" xmlns:r="http://schemas.openxmlformats.org/officeDocument/2006/relationships" xmlns:p="http://schemas.openxmlformats.org/presentationml/2006/main">
+  <p:cSld>
+    <p:spTree>
+      <p:nvGrpSpPr>
+        <p:cNvPr id="1" name=""/>
+        <p:cNvGrpSpPr/>
+        <p:nvPr/>
+      </p:nvGrpSpPr>
+      <p:grpSpPr>
+        <a:xfrm>
+          <a:off x="0" y="0"/>
+          <a:ext cx="0" cy="0"/>
+          <a:chOff x="0" y="0"/>
+          <a:chExt cx="0" cy="0"/>
+        </a:xfrm>
+      </p:grpSpPr>
+      <p:sp>
+        <p:nvSpPr>
+          <p:cNvPr id="2" name="文字方塊 1">
+            <a:extLst>
+              <a:ext uri="{FF2B5EF4-FFF2-40B4-BE49-F238E27FC236}">
+                <a16:creationId xmlns:a16="http://schemas.microsoft.com/office/drawing/2014/main" id="{555774B7-F7D2-AC29-8631-C1064522EFD1}"/>
+              </a:ext>
+            </a:extLst>
+          </p:cNvPr>
+          <p:cNvSpPr txBox="1"/>
+          <p:nvPr/>
+        </p:nvSpPr>
+        <p:spPr>
+          <a:xfrm>
+            <a:off x="2210359" y="461681"/>
+            <a:ext cx="7771281" cy="707886"/>
+          </a:xfrm>
+          <a:prstGeom prst="rect">
+            <a:avLst/>
+          </a:prstGeom>
+          <a:noFill/>
+        </p:spPr>
+        <p:txBody>
+          <a:bodyPr wrap="square" rtlCol="0">
+            <a:spAutoFit/>
+          </a:bodyPr>
+          <a:lstStyle/>
+          <a:p>
+            <a:pPr algn="ctr"/>
+            <a:r>
+              <a:rPr lang="zh-TW" altLang="en-US" sz="4000" b="1" dirty="0"/>
+              <a:t>實驗模擬及實際模擬的距離比較</a:t>
+            </a:r>
+            <a:endParaRPr lang="en-US" altLang="zh-TW" sz="4000" b="1" dirty="0"/>
+          </a:p>
+        </p:txBody>
+      </p:sp>
+      <p:sp>
+        <p:nvSpPr>
+          <p:cNvPr id="3" name="文字方塊 2">
+            <a:extLst>
+              <a:ext uri="{FF2B5EF4-FFF2-40B4-BE49-F238E27FC236}">
+                <a16:creationId xmlns:a16="http://schemas.microsoft.com/office/drawing/2014/main" id="{FA0E29A8-6E2F-5B8A-93EB-38C04B3935BF}"/>
+              </a:ext>
+            </a:extLst>
+          </p:cNvPr>
+          <p:cNvSpPr txBox="1"/>
+          <p:nvPr/>
+        </p:nvSpPr>
+        <p:spPr>
+          <a:xfrm>
+            <a:off x="1901281" y="1950617"/>
+            <a:ext cx="6652169" cy="1318181"/>
+          </a:xfrm>
+          <a:prstGeom prst="rect">
+            <a:avLst/>
+          </a:prstGeom>
+          <a:noFill/>
+        </p:spPr>
+        <p:txBody>
+          <a:bodyPr wrap="square">
+            <a:spAutoFit/>
+          </a:bodyPr>
+          <a:lstStyle/>
+          <a:p>
+            <a:pPr marL="457200" indent="-457200">
+              <a:lnSpc>
+                <a:spcPct val="150000"/>
+              </a:lnSpc>
+              <a:buFont typeface="Arial" panose="020B0604020202020204" pitchFamily="34" charset="0"/>
+              <a:buChar char="•"/>
+            </a:pPr>
+            <a:r>
+              <a:rPr lang="en-US" altLang="zh-TW" sz="2800" b="1" dirty="0"/>
+              <a:t>D1 = </a:t>
+            </a:r>
+            <a:r>
+              <a:rPr lang="en-US" altLang="zh-TW" sz="2800" b="1" dirty="0" err="1"/>
+              <a:t>center_point</a:t>
+            </a:r>
+            <a:r>
+              <a:rPr lang="en-US" altLang="zh-TW" sz="2800" b="1" dirty="0"/>
+              <a:t> - </a:t>
+            </a:r>
+            <a:r>
+              <a:rPr lang="en-US" altLang="zh-TW" sz="2800" b="1" dirty="0" err="1"/>
+              <a:t>New_center</a:t>
+            </a:r>
+            <a:endParaRPr lang="en-US" altLang="zh-TW" sz="2800" b="1" dirty="0"/>
+          </a:p>
+          <a:p>
+            <a:pPr marL="457200" indent="-457200">
+              <a:lnSpc>
+                <a:spcPct val="150000"/>
+              </a:lnSpc>
+              <a:buFont typeface="Arial" panose="020B0604020202020204" pitchFamily="34" charset="0"/>
+              <a:buChar char="•"/>
+            </a:pPr>
+            <a:r>
+              <a:rPr lang="en-US" altLang="zh-TW" sz="2800" b="1" dirty="0"/>
+              <a:t>D2 = </a:t>
+            </a:r>
+            <a:r>
+              <a:rPr lang="en-US" altLang="zh-TW" sz="2800" b="1" dirty="0" err="1"/>
+              <a:t>center_pointS</a:t>
+            </a:r>
+            <a:r>
+              <a:rPr lang="en-US" altLang="zh-TW" sz="2800" b="1" dirty="0"/>
+              <a:t> - </a:t>
+            </a:r>
+            <a:r>
+              <a:rPr lang="en-US" altLang="zh-TW" sz="2800" b="1" dirty="0" err="1"/>
+              <a:t>center_pointA</a:t>
+            </a:r>
+            <a:r>
+              <a:rPr lang="en-US" altLang="zh-TW" sz="2800" b="1" dirty="0"/>
+              <a:t> </a:t>
+            </a:r>
+          </a:p>
+        </p:txBody>
+      </p:sp>
+    </p:spTree>
+    <p:extLst>
+      <p:ext uri="{BB962C8B-B14F-4D97-AF65-F5344CB8AC3E}">
+        <p14:creationId xmlns:p14="http://schemas.microsoft.com/office/powerpoint/2010/main" val="1441572238"/>
+      </p:ext>
+    </p:extLst>
+  </p:cSld>
+  <p:clrMapOvr>
+    <a:masterClrMapping/>
+  </p:clrMapOvr>
+</p:sld>
+</file>
+
+<file path=ppt/slides/slide9.xml><?xml version="1.0" encoding="utf-8"?>
+<p:sld xmlns:a="http://schemas.openxmlformats.org/drawingml/2006/main" xmlns:r="http://schemas.openxmlformats.org/officeDocument/2006/relationships" xmlns:p="http://schemas.openxmlformats.org/presentationml/2006/main">
+  <p:cSld>
+    <p:spTree>
+      <p:nvGrpSpPr>
+        <p:cNvPr id="1" name=""/>
+        <p:cNvGrpSpPr/>
+        <p:nvPr/>
+      </p:nvGrpSpPr>
+      <p:grpSpPr>
+        <a:xfrm>
+          <a:off x="0" y="0"/>
+          <a:ext cx="0" cy="0"/>
+          <a:chOff x="0" y="0"/>
+          <a:chExt cx="0" cy="0"/>
+        </a:xfrm>
+      </p:grpSpPr>
+      <p:sp>
+        <p:nvSpPr>
+          <p:cNvPr id="2" name="文字方塊 1">
+            <a:extLst>
+              <a:ext uri="{FF2B5EF4-FFF2-40B4-BE49-F238E27FC236}">
+                <a16:creationId xmlns:a16="http://schemas.microsoft.com/office/drawing/2014/main" id="{645293E8-B442-6214-E2B4-8FE5FE20AAD1}"/>
+              </a:ext>
+            </a:extLst>
+          </p:cNvPr>
+          <p:cNvSpPr txBox="1"/>
+          <p:nvPr/>
+        </p:nvSpPr>
+        <p:spPr>
+          <a:xfrm>
+            <a:off x="1165412" y="3890682"/>
+            <a:ext cx="3877985" cy="369332"/>
+          </a:xfrm>
+          <a:prstGeom prst="rect">
+            <a:avLst/>
+          </a:prstGeom>
+          <a:noFill/>
+        </p:spPr>
+        <p:txBody>
+          <a:bodyPr wrap="none" rtlCol="0">
+            <a:spAutoFit/>
+          </a:bodyPr>
+          <a:lstStyle/>
+          <a:p>
+            <a:r>
+              <a:rPr lang="zh-TW" altLang="en-US" dirty="0"/>
+              <a:t>比較使用預測跟沒有使用預測的區別</a:t>
+            </a:r>
+          </a:p>
+        </p:txBody>
+      </p:sp>
+    </p:spTree>
+    <p:extLst>
+      <p:ext uri="{BB962C8B-B14F-4D97-AF65-F5344CB8AC3E}">
+        <p14:creationId xmlns:p14="http://schemas.microsoft.com/office/powerpoint/2010/main" val="3309653919"/>
       </p:ext>
     </p:extLst>
   </p:cSld>

--- a/簡報1.pptx
+++ b/簡報1.pptx
@@ -13,8 +13,8 @@
     <p:sldId id="262" r:id="rId7"/>
     <p:sldId id="264" r:id="rId8"/>
     <p:sldId id="265" r:id="rId9"/>
-    <p:sldId id="263" r:id="rId10"/>
-    <p:sldId id="266" r:id="rId11"/>
+    <p:sldId id="266" r:id="rId10"/>
+    <p:sldId id="263" r:id="rId11"/>
     <p:sldId id="267" r:id="rId12"/>
     <p:sldId id="268" r:id="rId13"/>
     <p:sldId id="269" r:id="rId14"/>
@@ -273,7 +273,7 @@
           <a:p>
             <a:fld id="{C7A5310E-9695-475E-B393-6B9AF2BFB22A}" type="datetimeFigureOut">
               <a:rPr lang="zh-TW" altLang="en-US" smtClean="0"/>
-              <a:t>2023/10/12</a:t>
+              <a:t>2023/10/15</a:t>
             </a:fld>
             <a:endParaRPr lang="zh-TW" altLang="en-US"/>
           </a:p>
@@ -471,7 +471,7 @@
           <a:p>
             <a:fld id="{C7A5310E-9695-475E-B393-6B9AF2BFB22A}" type="datetimeFigureOut">
               <a:rPr lang="zh-TW" altLang="en-US" smtClean="0"/>
-              <a:t>2023/10/12</a:t>
+              <a:t>2023/10/15</a:t>
             </a:fld>
             <a:endParaRPr lang="zh-TW" altLang="en-US"/>
           </a:p>
@@ -679,7 +679,7 @@
           <a:p>
             <a:fld id="{C7A5310E-9695-475E-B393-6B9AF2BFB22A}" type="datetimeFigureOut">
               <a:rPr lang="zh-TW" altLang="en-US" smtClean="0"/>
-              <a:t>2023/10/12</a:t>
+              <a:t>2023/10/15</a:t>
             </a:fld>
             <a:endParaRPr lang="zh-TW" altLang="en-US"/>
           </a:p>
@@ -877,7 +877,7 @@
           <a:p>
             <a:fld id="{C7A5310E-9695-475E-B393-6B9AF2BFB22A}" type="datetimeFigureOut">
               <a:rPr lang="zh-TW" altLang="en-US" smtClean="0"/>
-              <a:t>2023/10/12</a:t>
+              <a:t>2023/10/15</a:t>
             </a:fld>
             <a:endParaRPr lang="zh-TW" altLang="en-US"/>
           </a:p>
@@ -1152,7 +1152,7 @@
           <a:p>
             <a:fld id="{C7A5310E-9695-475E-B393-6B9AF2BFB22A}" type="datetimeFigureOut">
               <a:rPr lang="zh-TW" altLang="en-US" smtClean="0"/>
-              <a:t>2023/10/12</a:t>
+              <a:t>2023/10/15</a:t>
             </a:fld>
             <a:endParaRPr lang="zh-TW" altLang="en-US"/>
           </a:p>
@@ -1417,7 +1417,7 @@
           <a:p>
             <a:fld id="{C7A5310E-9695-475E-B393-6B9AF2BFB22A}" type="datetimeFigureOut">
               <a:rPr lang="zh-TW" altLang="en-US" smtClean="0"/>
-              <a:t>2023/10/12</a:t>
+              <a:t>2023/10/15</a:t>
             </a:fld>
             <a:endParaRPr lang="zh-TW" altLang="en-US"/>
           </a:p>
@@ -1829,7 +1829,7 @@
           <a:p>
             <a:fld id="{C7A5310E-9695-475E-B393-6B9AF2BFB22A}" type="datetimeFigureOut">
               <a:rPr lang="zh-TW" altLang="en-US" smtClean="0"/>
-              <a:t>2023/10/12</a:t>
+              <a:t>2023/10/15</a:t>
             </a:fld>
             <a:endParaRPr lang="zh-TW" altLang="en-US"/>
           </a:p>
@@ -1970,7 +1970,7 @@
           <a:p>
             <a:fld id="{C7A5310E-9695-475E-B393-6B9AF2BFB22A}" type="datetimeFigureOut">
               <a:rPr lang="zh-TW" altLang="en-US" smtClean="0"/>
-              <a:t>2023/10/12</a:t>
+              <a:t>2023/10/15</a:t>
             </a:fld>
             <a:endParaRPr lang="zh-TW" altLang="en-US"/>
           </a:p>
@@ -2083,7 +2083,7 @@
           <a:p>
             <a:fld id="{C7A5310E-9695-475E-B393-6B9AF2BFB22A}" type="datetimeFigureOut">
               <a:rPr lang="zh-TW" altLang="en-US" smtClean="0"/>
-              <a:t>2023/10/12</a:t>
+              <a:t>2023/10/15</a:t>
             </a:fld>
             <a:endParaRPr lang="zh-TW" altLang="en-US"/>
           </a:p>
@@ -2394,7 +2394,7 @@
           <a:p>
             <a:fld id="{C7A5310E-9695-475E-B393-6B9AF2BFB22A}" type="datetimeFigureOut">
               <a:rPr lang="zh-TW" altLang="en-US" smtClean="0"/>
-              <a:t>2023/10/12</a:t>
+              <a:t>2023/10/15</a:t>
             </a:fld>
             <a:endParaRPr lang="zh-TW" altLang="en-US"/>
           </a:p>
@@ -2682,7 +2682,7 @@
           <a:p>
             <a:fld id="{C7A5310E-9695-475E-B393-6B9AF2BFB22A}" type="datetimeFigureOut">
               <a:rPr lang="zh-TW" altLang="en-US" smtClean="0"/>
-              <a:t>2023/10/12</a:t>
+              <a:t>2023/10/15</a:t>
             </a:fld>
             <a:endParaRPr lang="zh-TW" altLang="en-US"/>
           </a:p>
@@ -2926,7 +2926,7 @@
           <a:p>
             <a:fld id="{C7A5310E-9695-475E-B393-6B9AF2BFB22A}" type="datetimeFigureOut">
               <a:rPr lang="zh-TW" altLang="en-US" smtClean="0"/>
-              <a:t>2023/10/12</a:t>
+              <a:t>2023/10/15</a:t>
             </a:fld>
             <a:endParaRPr lang="zh-TW" altLang="en-US"/>
           </a:p>
@@ -3686,10 +3686,45 @@
           <a:chExt cx="0" cy="0"/>
         </a:xfrm>
       </p:grpSpPr>
+      <p:sp>
+        <p:nvSpPr>
+          <p:cNvPr id="2" name="文字方塊 1">
+            <a:extLst>
+              <a:ext uri="{FF2B5EF4-FFF2-40B4-BE49-F238E27FC236}">
+                <a16:creationId xmlns:a16="http://schemas.microsoft.com/office/drawing/2014/main" id="{645293E8-B442-6214-E2B4-8FE5FE20AAD1}"/>
+              </a:ext>
+            </a:extLst>
+          </p:cNvPr>
+          <p:cNvSpPr txBox="1"/>
+          <p:nvPr/>
+        </p:nvSpPr>
+        <p:spPr>
+          <a:xfrm>
+            <a:off x="1165412" y="3890682"/>
+            <a:ext cx="3877985" cy="369332"/>
+          </a:xfrm>
+          <a:prstGeom prst="rect">
+            <a:avLst/>
+          </a:prstGeom>
+          <a:noFill/>
+        </p:spPr>
+        <p:txBody>
+          <a:bodyPr wrap="none" rtlCol="0">
+            <a:spAutoFit/>
+          </a:bodyPr>
+          <a:lstStyle/>
+          <a:p>
+            <a:r>
+              <a:rPr lang="zh-TW" altLang="en-US" dirty="0"/>
+              <a:t>比較使用預測跟沒有使用預測的區別</a:t>
+            </a:r>
+          </a:p>
+        </p:txBody>
+      </p:sp>
     </p:spTree>
     <p:extLst>
       <p:ext uri="{BB962C8B-B14F-4D97-AF65-F5344CB8AC3E}">
-        <p14:creationId xmlns:p14="http://schemas.microsoft.com/office/powerpoint/2010/main" val="3447988354"/>
+        <p14:creationId xmlns:p14="http://schemas.microsoft.com/office/powerpoint/2010/main" val="3309653919"/>
       </p:ext>
     </p:extLst>
   </p:cSld>
@@ -6591,6 +6626,42 @@
           </a:p>
         </p:txBody>
       </p:sp>
+      <p:sp>
+        <p:nvSpPr>
+          <p:cNvPr id="2" name="文字方塊 1">
+            <a:extLst>
+              <a:ext uri="{FF2B5EF4-FFF2-40B4-BE49-F238E27FC236}">
+                <a16:creationId xmlns:a16="http://schemas.microsoft.com/office/drawing/2014/main" id="{DC7C3066-0F62-C90E-B2F1-198280E4F0C8}"/>
+              </a:ext>
+            </a:extLst>
+          </p:cNvPr>
+          <p:cNvSpPr txBox="1"/>
+          <p:nvPr/>
+        </p:nvSpPr>
+        <p:spPr>
+          <a:xfrm>
+            <a:off x="6258458" y="5185631"/>
+            <a:ext cx="444352" cy="369332"/>
+          </a:xfrm>
+          <a:prstGeom prst="rect">
+            <a:avLst/>
+          </a:prstGeom>
+          <a:noFill/>
+        </p:spPr>
+        <p:txBody>
+          <a:bodyPr wrap="none" rtlCol="0">
+            <a:spAutoFit/>
+          </a:bodyPr>
+          <a:lstStyle/>
+          <a:p>
+            <a:r>
+              <a:rPr lang="en-US" altLang="zh-TW" dirty="0"/>
+              <a:t>D2</a:t>
+            </a:r>
+            <a:endParaRPr lang="zh-TW" altLang="en-US" dirty="0"/>
+          </a:p>
+        </p:txBody>
+      </p:sp>
     </p:spTree>
     <p:extLst>
       <p:ext uri="{BB962C8B-B14F-4D97-AF65-F5344CB8AC3E}">
@@ -8959,12 +9030,130 @@
           <a:chExt cx="0" cy="0"/>
         </a:xfrm>
       </p:grpSpPr>
-      <p:sp>
-        <p:nvSpPr>
-          <p:cNvPr id="2" name="文字方塊 1">
-            <a:extLst>
-              <a:ext uri="{FF2B5EF4-FFF2-40B4-BE49-F238E27FC236}">
-                <a16:creationId xmlns:a16="http://schemas.microsoft.com/office/drawing/2014/main" id="{645293E8-B442-6214-E2B4-8FE5FE20AAD1}"/>
+      <p:cxnSp>
+        <p:nvCxnSpPr>
+          <p:cNvPr id="3" name="直線接點 2">
+            <a:extLst>
+              <a:ext uri="{FF2B5EF4-FFF2-40B4-BE49-F238E27FC236}">
+                <a16:creationId xmlns:a16="http://schemas.microsoft.com/office/drawing/2014/main" id="{05E6152E-9712-967B-E9BD-E915B65D26A0}"/>
+              </a:ext>
+            </a:extLst>
+          </p:cNvPr>
+          <p:cNvCxnSpPr/>
+          <p:nvPr/>
+        </p:nvCxnSpPr>
+        <p:spPr>
+          <a:xfrm>
+            <a:off x="2689669" y="3174673"/>
+            <a:ext cx="6203577" cy="0"/>
+          </a:xfrm>
+          <a:prstGeom prst="line">
+            <a:avLst/>
+          </a:prstGeom>
+        </p:spPr>
+        <p:style>
+          <a:lnRef idx="1">
+            <a:schemeClr val="accent1"/>
+          </a:lnRef>
+          <a:fillRef idx="0">
+            <a:schemeClr val="accent1"/>
+          </a:fillRef>
+          <a:effectRef idx="0">
+            <a:schemeClr val="accent1"/>
+          </a:effectRef>
+          <a:fontRef idx="minor">
+            <a:schemeClr val="tx1"/>
+          </a:fontRef>
+        </p:style>
+      </p:cxnSp>
+      <p:cxnSp>
+        <p:nvCxnSpPr>
+          <p:cNvPr id="4" name="直線接點 3">
+            <a:extLst>
+              <a:ext uri="{FF2B5EF4-FFF2-40B4-BE49-F238E27FC236}">
+                <a16:creationId xmlns:a16="http://schemas.microsoft.com/office/drawing/2014/main" id="{8BBDBE89-D2AC-90F9-4B5A-0E854C3034E4}"/>
+              </a:ext>
+            </a:extLst>
+          </p:cNvPr>
+          <p:cNvCxnSpPr/>
+          <p:nvPr/>
+        </p:nvCxnSpPr>
+        <p:spPr>
+          <a:xfrm>
+            <a:off x="2864219" y="3830634"/>
+            <a:ext cx="6203577" cy="0"/>
+          </a:xfrm>
+          <a:prstGeom prst="line">
+            <a:avLst/>
+          </a:prstGeom>
+        </p:spPr>
+        <p:style>
+          <a:lnRef idx="1">
+            <a:schemeClr val="accent1"/>
+          </a:lnRef>
+          <a:fillRef idx="0">
+            <a:schemeClr val="accent1"/>
+          </a:fillRef>
+          <a:effectRef idx="0">
+            <a:schemeClr val="accent1"/>
+          </a:effectRef>
+          <a:fontRef idx="minor">
+            <a:schemeClr val="tx1"/>
+          </a:fontRef>
+        </p:style>
+      </p:cxnSp>
+      <p:sp>
+        <p:nvSpPr>
+          <p:cNvPr id="5" name="橢圓 4">
+            <a:extLst>
+              <a:ext uri="{FF2B5EF4-FFF2-40B4-BE49-F238E27FC236}">
+                <a16:creationId xmlns:a16="http://schemas.microsoft.com/office/drawing/2014/main" id="{D7BF09BF-2745-29E9-3F46-82C645FC0638}"/>
+              </a:ext>
+            </a:extLst>
+          </p:cNvPr>
+          <p:cNvSpPr/>
+          <p:nvPr/>
+        </p:nvSpPr>
+        <p:spPr>
+          <a:xfrm>
+            <a:off x="3243268" y="3089711"/>
+            <a:ext cx="367553" cy="367553"/>
+          </a:xfrm>
+          <a:prstGeom prst="ellipse">
+            <a:avLst/>
+          </a:prstGeom>
+        </p:spPr>
+        <p:style>
+          <a:lnRef idx="2">
+            <a:schemeClr val="accent4">
+              <a:shade val="15000"/>
+            </a:schemeClr>
+          </a:lnRef>
+          <a:fillRef idx="1">
+            <a:schemeClr val="accent4"/>
+          </a:fillRef>
+          <a:effectRef idx="0">
+            <a:schemeClr val="accent4"/>
+          </a:effectRef>
+          <a:fontRef idx="minor">
+            <a:schemeClr val="lt1"/>
+          </a:fontRef>
+        </p:style>
+        <p:txBody>
+          <a:bodyPr rtlCol="0" anchor="ctr"/>
+          <a:lstStyle/>
+          <a:p>
+            <a:pPr algn="ctr"/>
+            <a:endParaRPr lang="zh-TW" altLang="en-US" dirty="0"/>
+          </a:p>
+        </p:txBody>
+      </p:sp>
+      <p:sp>
+        <p:nvSpPr>
+          <p:cNvPr id="7" name="文字方塊 6">
+            <a:extLst>
+              <a:ext uri="{FF2B5EF4-FFF2-40B4-BE49-F238E27FC236}">
+                <a16:creationId xmlns:a16="http://schemas.microsoft.com/office/drawing/2014/main" id="{CA7F8A6E-A0BC-4BF9-2B86-5B664B52C6AE}"/>
               </a:ext>
             </a:extLst>
           </p:cNvPr>
@@ -8973,8 +9162,8 @@
         </p:nvSpPr>
         <p:spPr>
           <a:xfrm>
-            <a:off x="1165412" y="3890682"/>
-            <a:ext cx="3877985" cy="369332"/>
+            <a:off x="1775269" y="2989121"/>
+            <a:ext cx="645459" cy="369328"/>
           </a:xfrm>
           <a:prstGeom prst="rect">
             <a:avLst/>
@@ -8982,22 +9171,1142 @@
           <a:noFill/>
         </p:spPr>
         <p:txBody>
+          <a:bodyPr wrap="square">
+            <a:spAutoFit/>
+          </a:bodyPr>
+          <a:lstStyle/>
+          <a:p>
+            <a:pPr algn="ctr"/>
+            <a:r>
+              <a:rPr lang="en-US" altLang="zh-TW" dirty="0"/>
+              <a:t>UAV</a:t>
+            </a:r>
+            <a:endParaRPr lang="zh-TW" altLang="en-US" dirty="0"/>
+          </a:p>
+        </p:txBody>
+      </p:sp>
+      <p:sp>
+        <p:nvSpPr>
+          <p:cNvPr id="8" name="文字方塊 7">
+            <a:extLst>
+              <a:ext uri="{FF2B5EF4-FFF2-40B4-BE49-F238E27FC236}">
+                <a16:creationId xmlns:a16="http://schemas.microsoft.com/office/drawing/2014/main" id="{1E3E8A8A-D37A-3E81-3F09-8CE57CC79829}"/>
+              </a:ext>
+            </a:extLst>
+          </p:cNvPr>
+          <p:cNvSpPr txBox="1"/>
+          <p:nvPr/>
+        </p:nvSpPr>
+        <p:spPr>
+          <a:xfrm>
+            <a:off x="291353" y="3632088"/>
+            <a:ext cx="2595282" cy="646331"/>
+          </a:xfrm>
+          <a:prstGeom prst="rect">
+            <a:avLst/>
+          </a:prstGeom>
+          <a:noFill/>
+        </p:spPr>
+        <p:txBody>
+          <a:bodyPr wrap="square">
+            <a:spAutoFit/>
+          </a:bodyPr>
+          <a:lstStyle/>
+          <a:p>
+            <a:pPr algn="ctr"/>
+            <a:r>
+              <a:rPr lang="en-US" altLang="zh-TW" dirty="0" err="1"/>
+              <a:t>ACT_centerpoint+delay</a:t>
+            </a:r>
+            <a:endParaRPr lang="en-US" altLang="zh-TW" dirty="0"/>
+          </a:p>
+          <a:p>
+            <a:pPr algn="ctr"/>
+            <a:r>
+              <a:rPr lang="en-US" altLang="zh-TW" dirty="0"/>
+              <a:t>(</a:t>
+            </a:r>
+            <a:r>
+              <a:rPr lang="zh-TW" altLang="en-US" dirty="0"/>
+              <a:t>變速</a:t>
+            </a:r>
+            <a:r>
+              <a:rPr lang="en-US" altLang="zh-TW" dirty="0"/>
+              <a:t>)</a:t>
+            </a:r>
+            <a:endParaRPr lang="zh-TW" altLang="en-US" dirty="0"/>
+          </a:p>
+        </p:txBody>
+      </p:sp>
+      <p:cxnSp>
+        <p:nvCxnSpPr>
+          <p:cNvPr id="10" name="直線接點 9">
+            <a:extLst>
+              <a:ext uri="{FF2B5EF4-FFF2-40B4-BE49-F238E27FC236}">
+                <a16:creationId xmlns:a16="http://schemas.microsoft.com/office/drawing/2014/main" id="{DCD29695-99D6-C479-4A5B-60ED8B2DC7DD}"/>
+              </a:ext>
+            </a:extLst>
+          </p:cNvPr>
+          <p:cNvCxnSpPr/>
+          <p:nvPr/>
+        </p:nvCxnSpPr>
+        <p:spPr>
+          <a:xfrm>
+            <a:off x="2864219" y="4472073"/>
+            <a:ext cx="6203577" cy="0"/>
+          </a:xfrm>
+          <a:prstGeom prst="line">
+            <a:avLst/>
+          </a:prstGeom>
+        </p:spPr>
+        <p:style>
+          <a:lnRef idx="1">
+            <a:schemeClr val="accent1"/>
+          </a:lnRef>
+          <a:fillRef idx="0">
+            <a:schemeClr val="accent1"/>
+          </a:fillRef>
+          <a:effectRef idx="0">
+            <a:schemeClr val="accent1"/>
+          </a:effectRef>
+          <a:fontRef idx="minor">
+            <a:schemeClr val="tx1"/>
+          </a:fontRef>
+        </p:style>
+      </p:cxnSp>
+      <p:sp>
+        <p:nvSpPr>
+          <p:cNvPr id="11" name="橢圓 10">
+            <a:extLst>
+              <a:ext uri="{FF2B5EF4-FFF2-40B4-BE49-F238E27FC236}">
+                <a16:creationId xmlns:a16="http://schemas.microsoft.com/office/drawing/2014/main" id="{F3F8ED96-D241-878C-38D6-2F0543515C14}"/>
+              </a:ext>
+            </a:extLst>
+          </p:cNvPr>
+          <p:cNvSpPr/>
+          <p:nvPr/>
+        </p:nvSpPr>
+        <p:spPr>
+          <a:xfrm>
+            <a:off x="6974606" y="4302818"/>
+            <a:ext cx="367553" cy="367553"/>
+          </a:xfrm>
+          <a:prstGeom prst="ellipse">
+            <a:avLst/>
+          </a:prstGeom>
+        </p:spPr>
+        <p:style>
+          <a:lnRef idx="2">
+            <a:schemeClr val="accent5">
+              <a:shade val="15000"/>
+            </a:schemeClr>
+          </a:lnRef>
+          <a:fillRef idx="1">
+            <a:schemeClr val="accent5"/>
+          </a:fillRef>
+          <a:effectRef idx="0">
+            <a:schemeClr val="accent5"/>
+          </a:effectRef>
+          <a:fontRef idx="minor">
+            <a:schemeClr val="lt1"/>
+          </a:fontRef>
+        </p:style>
+        <p:txBody>
+          <a:bodyPr rtlCol="0" anchor="ctr"/>
+          <a:lstStyle/>
+          <a:p>
+            <a:pPr algn="ctr"/>
+            <a:endParaRPr lang="zh-TW" altLang="en-US" dirty="0"/>
+          </a:p>
+        </p:txBody>
+      </p:sp>
+      <p:sp>
+        <p:nvSpPr>
+          <p:cNvPr id="12" name="文字方塊 11">
+            <a:extLst>
+              <a:ext uri="{FF2B5EF4-FFF2-40B4-BE49-F238E27FC236}">
+                <a16:creationId xmlns:a16="http://schemas.microsoft.com/office/drawing/2014/main" id="{26C50692-75DE-D359-68AF-B089A0770DE3}"/>
+              </a:ext>
+            </a:extLst>
+          </p:cNvPr>
+          <p:cNvSpPr txBox="1"/>
+          <p:nvPr/>
+        </p:nvSpPr>
+        <p:spPr>
+          <a:xfrm>
+            <a:off x="151425" y="4273973"/>
+            <a:ext cx="2779058" cy="646331"/>
+          </a:xfrm>
+          <a:prstGeom prst="rect">
+            <a:avLst/>
+          </a:prstGeom>
+          <a:noFill/>
+        </p:spPr>
+        <p:txBody>
+          <a:bodyPr wrap="square">
+            <a:spAutoFit/>
+          </a:bodyPr>
+          <a:lstStyle/>
+          <a:p>
+            <a:pPr algn="ctr"/>
+            <a:r>
+              <a:rPr lang="en-US" altLang="zh-TW" dirty="0" err="1"/>
+              <a:t>SIM_centerpoint</a:t>
+            </a:r>
+            <a:r>
+              <a:rPr lang="en-US" altLang="zh-TW" dirty="0"/>
+              <a:t> +delay</a:t>
+            </a:r>
+          </a:p>
+          <a:p>
+            <a:pPr algn="ctr"/>
+            <a:r>
+              <a:rPr lang="en-US" altLang="zh-TW" dirty="0"/>
+              <a:t>(</a:t>
+            </a:r>
+            <a:r>
+              <a:rPr lang="zh-TW" altLang="en-US" dirty="0"/>
+              <a:t>等速</a:t>
+            </a:r>
+            <a:r>
+              <a:rPr lang="en-US" altLang="zh-TW" dirty="0"/>
+              <a:t>)</a:t>
+            </a:r>
+            <a:endParaRPr lang="zh-TW" altLang="en-US" dirty="0"/>
+          </a:p>
+        </p:txBody>
+      </p:sp>
+      <p:cxnSp>
+        <p:nvCxnSpPr>
+          <p:cNvPr id="14" name="直線接點 13">
+            <a:extLst>
+              <a:ext uri="{FF2B5EF4-FFF2-40B4-BE49-F238E27FC236}">
+                <a16:creationId xmlns:a16="http://schemas.microsoft.com/office/drawing/2014/main" id="{BA9DDC96-400D-D278-C631-93A55F4AAA22}"/>
+              </a:ext>
+            </a:extLst>
+          </p:cNvPr>
+          <p:cNvCxnSpPr>
+            <a:cxnSpLocks/>
+          </p:cNvCxnSpPr>
+          <p:nvPr/>
+        </p:nvCxnSpPr>
+        <p:spPr>
+          <a:xfrm flipH="1">
+            <a:off x="7158381" y="4622646"/>
+            <a:ext cx="1" cy="543681"/>
+          </a:xfrm>
+          <a:prstGeom prst="line">
+            <a:avLst/>
+          </a:prstGeom>
+        </p:spPr>
+        <p:style>
+          <a:lnRef idx="1">
+            <a:schemeClr val="accent1"/>
+          </a:lnRef>
+          <a:fillRef idx="0">
+            <a:schemeClr val="accent1"/>
+          </a:fillRef>
+          <a:effectRef idx="0">
+            <a:schemeClr val="accent1"/>
+          </a:effectRef>
+          <a:fontRef idx="minor">
+            <a:schemeClr val="tx1"/>
+          </a:fontRef>
+        </p:style>
+      </p:cxnSp>
+      <p:cxnSp>
+        <p:nvCxnSpPr>
+          <p:cNvPr id="15" name="直線接點 14">
+            <a:extLst>
+              <a:ext uri="{FF2B5EF4-FFF2-40B4-BE49-F238E27FC236}">
+                <a16:creationId xmlns:a16="http://schemas.microsoft.com/office/drawing/2014/main" id="{B688D214-4078-F124-A7D3-F1C01EC920A4}"/>
+              </a:ext>
+            </a:extLst>
+          </p:cNvPr>
+          <p:cNvCxnSpPr>
+            <a:cxnSpLocks/>
+          </p:cNvCxnSpPr>
+          <p:nvPr/>
+        </p:nvCxnSpPr>
+        <p:spPr>
+          <a:xfrm>
+            <a:off x="6353159" y="4000592"/>
+            <a:ext cx="0" cy="1212405"/>
+          </a:xfrm>
+          <a:prstGeom prst="line">
+            <a:avLst/>
+          </a:prstGeom>
+        </p:spPr>
+        <p:style>
+          <a:lnRef idx="1">
+            <a:schemeClr val="accent1"/>
+          </a:lnRef>
+          <a:fillRef idx="0">
+            <a:schemeClr val="accent1"/>
+          </a:fillRef>
+          <a:effectRef idx="0">
+            <a:schemeClr val="accent1"/>
+          </a:effectRef>
+          <a:fontRef idx="minor">
+            <a:schemeClr val="tx1"/>
+          </a:fontRef>
+        </p:style>
+      </p:cxnSp>
+      <p:sp>
+        <p:nvSpPr>
+          <p:cNvPr id="19" name="箭號: 上-下雙向 18">
+            <a:extLst>
+              <a:ext uri="{FF2B5EF4-FFF2-40B4-BE49-F238E27FC236}">
+                <a16:creationId xmlns:a16="http://schemas.microsoft.com/office/drawing/2014/main" id="{7B8267F8-9A46-94A2-C4E1-8CFC023B1370}"/>
+              </a:ext>
+            </a:extLst>
+          </p:cNvPr>
+          <p:cNvSpPr/>
+          <p:nvPr/>
+        </p:nvSpPr>
+        <p:spPr>
+          <a:xfrm rot="5400000">
+            <a:off x="6594493" y="4711499"/>
+            <a:ext cx="322553" cy="805222"/>
+          </a:xfrm>
+          <a:prstGeom prst="upDownArrow">
+            <a:avLst/>
+          </a:prstGeom>
+        </p:spPr>
+        <p:style>
+          <a:lnRef idx="2">
+            <a:schemeClr val="accent1">
+              <a:shade val="15000"/>
+            </a:schemeClr>
+          </a:lnRef>
+          <a:fillRef idx="1">
+            <a:schemeClr val="accent1"/>
+          </a:fillRef>
+          <a:effectRef idx="0">
+            <a:schemeClr val="accent1"/>
+          </a:effectRef>
+          <a:fontRef idx="minor">
+            <a:schemeClr val="lt1"/>
+          </a:fontRef>
+        </p:style>
+        <p:txBody>
+          <a:bodyPr rtlCol="0" anchor="ctr"/>
+          <a:lstStyle/>
+          <a:p>
+            <a:pPr algn="ctr"/>
+            <a:endParaRPr lang="zh-TW" altLang="en-US"/>
+          </a:p>
+        </p:txBody>
+      </p:sp>
+      <p:sp>
+        <p:nvSpPr>
+          <p:cNvPr id="20" name="文字方塊 19">
+            <a:extLst>
+              <a:ext uri="{FF2B5EF4-FFF2-40B4-BE49-F238E27FC236}">
+                <a16:creationId xmlns:a16="http://schemas.microsoft.com/office/drawing/2014/main" id="{B7E1503F-8E20-C9FE-118D-1828153A90BC}"/>
+              </a:ext>
+            </a:extLst>
+          </p:cNvPr>
+          <p:cNvSpPr txBox="1"/>
+          <p:nvPr/>
+        </p:nvSpPr>
+        <p:spPr>
+          <a:xfrm>
+            <a:off x="6734432" y="4170752"/>
+            <a:ext cx="444352" cy="369332"/>
+          </a:xfrm>
+          <a:prstGeom prst="rect">
+            <a:avLst/>
+          </a:prstGeom>
+          <a:noFill/>
+        </p:spPr>
+        <p:txBody>
           <a:bodyPr wrap="none" rtlCol="0">
             <a:spAutoFit/>
           </a:bodyPr>
           <a:lstStyle/>
           <a:p>
             <a:r>
+              <a:rPr lang="en-US" altLang="zh-TW" dirty="0"/>
+              <a:t>D1</a:t>
+            </a:r>
+            <a:endParaRPr lang="zh-TW" altLang="en-US" dirty="0"/>
+          </a:p>
+        </p:txBody>
+      </p:sp>
+      <p:cxnSp>
+        <p:nvCxnSpPr>
+          <p:cNvPr id="23" name="直線接點 22">
+            <a:extLst>
+              <a:ext uri="{FF2B5EF4-FFF2-40B4-BE49-F238E27FC236}">
+                <a16:creationId xmlns:a16="http://schemas.microsoft.com/office/drawing/2014/main" id="{C86411C5-8114-A224-19A8-D100C9D5DEC0}"/>
+              </a:ext>
+            </a:extLst>
+          </p:cNvPr>
+          <p:cNvCxnSpPr/>
+          <p:nvPr/>
+        </p:nvCxnSpPr>
+        <p:spPr>
+          <a:xfrm>
+            <a:off x="2886635" y="1011194"/>
+            <a:ext cx="6203577" cy="0"/>
+          </a:xfrm>
+          <a:prstGeom prst="line">
+            <a:avLst/>
+          </a:prstGeom>
+        </p:spPr>
+        <p:style>
+          <a:lnRef idx="1">
+            <a:schemeClr val="accent1"/>
+          </a:lnRef>
+          <a:fillRef idx="0">
+            <a:schemeClr val="accent1"/>
+          </a:fillRef>
+          <a:effectRef idx="0">
+            <a:schemeClr val="accent1"/>
+          </a:effectRef>
+          <a:fontRef idx="minor">
+            <a:schemeClr val="tx1"/>
+          </a:fontRef>
+        </p:style>
+      </p:cxnSp>
+      <p:sp>
+        <p:nvSpPr>
+          <p:cNvPr id="24" name="橢圓 23">
+            <a:extLst>
+              <a:ext uri="{FF2B5EF4-FFF2-40B4-BE49-F238E27FC236}">
+                <a16:creationId xmlns:a16="http://schemas.microsoft.com/office/drawing/2014/main" id="{A7923FC6-5221-0CFD-DFE0-F65CA8301623}"/>
+              </a:ext>
+            </a:extLst>
+          </p:cNvPr>
+          <p:cNvSpPr/>
+          <p:nvPr/>
+        </p:nvSpPr>
+        <p:spPr>
+          <a:xfrm>
+            <a:off x="3114257" y="830625"/>
+            <a:ext cx="367553" cy="367553"/>
+          </a:xfrm>
+          <a:prstGeom prst="ellipse">
+            <a:avLst/>
+          </a:prstGeom>
+        </p:spPr>
+        <p:style>
+          <a:lnRef idx="2">
+            <a:schemeClr val="accent6">
+              <a:shade val="15000"/>
+            </a:schemeClr>
+          </a:lnRef>
+          <a:fillRef idx="1">
+            <a:schemeClr val="accent6"/>
+          </a:fillRef>
+          <a:effectRef idx="0">
+            <a:schemeClr val="accent6"/>
+          </a:effectRef>
+          <a:fontRef idx="minor">
+            <a:schemeClr val="lt1"/>
+          </a:fontRef>
+        </p:style>
+        <p:txBody>
+          <a:bodyPr rtlCol="0" anchor="ctr"/>
+          <a:lstStyle/>
+          <a:p>
+            <a:pPr algn="ctr"/>
+            <a:endParaRPr lang="zh-TW" altLang="en-US"/>
+          </a:p>
+        </p:txBody>
+      </p:sp>
+      <p:sp>
+        <p:nvSpPr>
+          <p:cNvPr id="25" name="文字方塊 24">
+            <a:extLst>
+              <a:ext uri="{FF2B5EF4-FFF2-40B4-BE49-F238E27FC236}">
+                <a16:creationId xmlns:a16="http://schemas.microsoft.com/office/drawing/2014/main" id="{89EF5FAB-7814-A90B-A52E-D71CC3AA284B}"/>
+              </a:ext>
+            </a:extLst>
+          </p:cNvPr>
+          <p:cNvSpPr txBox="1"/>
+          <p:nvPr/>
+        </p:nvSpPr>
+        <p:spPr>
+          <a:xfrm>
+            <a:off x="109178" y="719247"/>
+            <a:ext cx="2595282" cy="646331"/>
+          </a:xfrm>
+          <a:prstGeom prst="rect">
+            <a:avLst/>
+          </a:prstGeom>
+          <a:noFill/>
+        </p:spPr>
+        <p:txBody>
+          <a:bodyPr wrap="square">
+            <a:spAutoFit/>
+          </a:bodyPr>
+          <a:lstStyle/>
+          <a:p>
+            <a:pPr algn="ctr"/>
+            <a:r>
+              <a:rPr lang="en-US" altLang="zh-TW" dirty="0" err="1"/>
+              <a:t>ACT_centerpoint+delay</a:t>
+            </a:r>
+            <a:endParaRPr lang="en-US" altLang="zh-TW" dirty="0"/>
+          </a:p>
+          <a:p>
+            <a:pPr algn="ctr"/>
+            <a:r>
+              <a:rPr lang="en-US" altLang="zh-TW" dirty="0"/>
+              <a:t>(</a:t>
+            </a:r>
+            <a:r>
               <a:rPr lang="zh-TW" altLang="en-US" dirty="0"/>
-              <a:t>比較使用預測跟沒有使用預測的區別</a:t>
-            </a:r>
+              <a:t>變速</a:t>
+            </a:r>
+            <a:r>
+              <a:rPr lang="en-US" altLang="zh-TW" dirty="0"/>
+              <a:t>)</a:t>
+            </a:r>
+            <a:endParaRPr lang="zh-TW" altLang="en-US" dirty="0"/>
+          </a:p>
+        </p:txBody>
+      </p:sp>
+      <p:sp>
+        <p:nvSpPr>
+          <p:cNvPr id="36" name="文字方塊 35">
+            <a:extLst>
+              <a:ext uri="{FF2B5EF4-FFF2-40B4-BE49-F238E27FC236}">
+                <a16:creationId xmlns:a16="http://schemas.microsoft.com/office/drawing/2014/main" id="{A02DAF74-CB5F-7177-F6D9-21D8981535CE}"/>
+              </a:ext>
+            </a:extLst>
+          </p:cNvPr>
+          <p:cNvSpPr txBox="1"/>
+          <p:nvPr/>
+        </p:nvSpPr>
+        <p:spPr>
+          <a:xfrm>
+            <a:off x="9547916" y="1082302"/>
+            <a:ext cx="1473480" cy="369332"/>
+          </a:xfrm>
+          <a:prstGeom prst="rect">
+            <a:avLst/>
+          </a:prstGeom>
+          <a:noFill/>
+        </p:spPr>
+        <p:txBody>
+          <a:bodyPr wrap="none" rtlCol="0">
+            <a:spAutoFit/>
+          </a:bodyPr>
+          <a:lstStyle/>
+          <a:p>
+            <a:r>
+              <a:rPr lang="en-US" altLang="zh-TW" dirty="0"/>
+              <a:t>D2  </a:t>
+            </a:r>
+            <a:r>
+              <a:rPr lang="zh-TW" altLang="en-US" dirty="0"/>
+              <a:t>越大越好</a:t>
+            </a:r>
+          </a:p>
+        </p:txBody>
+      </p:sp>
+      <p:sp>
+        <p:nvSpPr>
+          <p:cNvPr id="38" name="文字方塊 37">
+            <a:extLst>
+              <a:ext uri="{FF2B5EF4-FFF2-40B4-BE49-F238E27FC236}">
+                <a16:creationId xmlns:a16="http://schemas.microsoft.com/office/drawing/2014/main" id="{CE0A18BE-440C-B39B-C560-0ABE192F63AE}"/>
+              </a:ext>
+            </a:extLst>
+          </p:cNvPr>
+          <p:cNvSpPr txBox="1"/>
+          <p:nvPr/>
+        </p:nvSpPr>
+        <p:spPr>
+          <a:xfrm>
+            <a:off x="2841802" y="294123"/>
+            <a:ext cx="781573" cy="369332"/>
+          </a:xfrm>
+          <a:prstGeom prst="rect">
+            <a:avLst/>
+          </a:prstGeom>
+          <a:noFill/>
+        </p:spPr>
+        <p:txBody>
+          <a:bodyPr wrap="square">
+            <a:spAutoFit/>
+          </a:bodyPr>
+          <a:lstStyle/>
+          <a:p>
+            <a:r>
+              <a:rPr lang="en-US" altLang="zh-TW" sz="1800" b="1" dirty="0"/>
+              <a:t>t = 0 </a:t>
+            </a:r>
+            <a:endParaRPr lang="zh-TW" altLang="en-US" dirty="0"/>
+          </a:p>
+        </p:txBody>
+      </p:sp>
+      <p:sp>
+        <p:nvSpPr>
+          <p:cNvPr id="39" name="文字方塊 38">
+            <a:extLst>
+              <a:ext uri="{FF2B5EF4-FFF2-40B4-BE49-F238E27FC236}">
+                <a16:creationId xmlns:a16="http://schemas.microsoft.com/office/drawing/2014/main" id="{E25F1816-443F-FA9D-7822-1B9F03377C33}"/>
+              </a:ext>
+            </a:extLst>
+          </p:cNvPr>
+          <p:cNvSpPr txBox="1"/>
+          <p:nvPr/>
+        </p:nvSpPr>
+        <p:spPr>
+          <a:xfrm>
+            <a:off x="3623374" y="284006"/>
+            <a:ext cx="781573" cy="369332"/>
+          </a:xfrm>
+          <a:prstGeom prst="rect">
+            <a:avLst/>
+          </a:prstGeom>
+          <a:noFill/>
+        </p:spPr>
+        <p:txBody>
+          <a:bodyPr wrap="square">
+            <a:spAutoFit/>
+          </a:bodyPr>
+          <a:lstStyle/>
+          <a:p>
+            <a:r>
+              <a:rPr lang="en-US" altLang="zh-TW" sz="1800" b="1" dirty="0"/>
+              <a:t>t = 1 </a:t>
+            </a:r>
+            <a:endParaRPr lang="zh-TW" altLang="en-US" dirty="0"/>
+          </a:p>
+        </p:txBody>
+      </p:sp>
+      <p:sp>
+        <p:nvSpPr>
+          <p:cNvPr id="43" name="文字方塊 42">
+            <a:extLst>
+              <a:ext uri="{FF2B5EF4-FFF2-40B4-BE49-F238E27FC236}">
+                <a16:creationId xmlns:a16="http://schemas.microsoft.com/office/drawing/2014/main" id="{9449314C-7143-FC23-0AE7-8D70E9D40C0C}"/>
+              </a:ext>
+            </a:extLst>
+          </p:cNvPr>
+          <p:cNvSpPr txBox="1"/>
+          <p:nvPr/>
+        </p:nvSpPr>
+        <p:spPr>
+          <a:xfrm>
+            <a:off x="9624116" y="3770587"/>
+            <a:ext cx="1473480" cy="369332"/>
+          </a:xfrm>
+          <a:prstGeom prst="rect">
+            <a:avLst/>
+          </a:prstGeom>
+          <a:noFill/>
+        </p:spPr>
+        <p:txBody>
+          <a:bodyPr wrap="none" rtlCol="0">
+            <a:spAutoFit/>
+          </a:bodyPr>
+          <a:lstStyle/>
+          <a:p>
+            <a:r>
+              <a:rPr lang="en-US" altLang="zh-TW" dirty="0"/>
+              <a:t>D1  </a:t>
+            </a:r>
+            <a:r>
+              <a:rPr lang="zh-TW" altLang="en-US" dirty="0"/>
+              <a:t>越小越好</a:t>
+            </a:r>
+          </a:p>
+        </p:txBody>
+      </p:sp>
+      <p:cxnSp>
+        <p:nvCxnSpPr>
+          <p:cNvPr id="45" name="直線接點 44">
+            <a:extLst>
+              <a:ext uri="{FF2B5EF4-FFF2-40B4-BE49-F238E27FC236}">
+                <a16:creationId xmlns:a16="http://schemas.microsoft.com/office/drawing/2014/main" id="{110E90B9-A15D-81C6-E421-DD39EC84D307}"/>
+              </a:ext>
+            </a:extLst>
+          </p:cNvPr>
+          <p:cNvCxnSpPr/>
+          <p:nvPr/>
+        </p:nvCxnSpPr>
+        <p:spPr>
+          <a:xfrm>
+            <a:off x="869576" y="2483224"/>
+            <a:ext cx="10452848" cy="0"/>
+          </a:xfrm>
+          <a:prstGeom prst="line">
+            <a:avLst/>
+          </a:prstGeom>
+          <a:ln w="76200"/>
+        </p:spPr>
+        <p:style>
+          <a:lnRef idx="1">
+            <a:schemeClr val="accent1"/>
+          </a:lnRef>
+          <a:fillRef idx="0">
+            <a:schemeClr val="accent1"/>
+          </a:fillRef>
+          <a:effectRef idx="0">
+            <a:schemeClr val="accent1"/>
+          </a:effectRef>
+          <a:fontRef idx="minor">
+            <a:schemeClr val="tx1"/>
+          </a:fontRef>
+        </p:style>
+      </p:cxnSp>
+      <p:cxnSp>
+        <p:nvCxnSpPr>
+          <p:cNvPr id="47" name="直線接點 46">
+            <a:extLst>
+              <a:ext uri="{FF2B5EF4-FFF2-40B4-BE49-F238E27FC236}">
+                <a16:creationId xmlns:a16="http://schemas.microsoft.com/office/drawing/2014/main" id="{55EC75F8-B8A4-CD7B-DAA7-394C554F1C1D}"/>
+              </a:ext>
+            </a:extLst>
+          </p:cNvPr>
+          <p:cNvCxnSpPr/>
+          <p:nvPr/>
+        </p:nvCxnSpPr>
+        <p:spPr>
+          <a:xfrm>
+            <a:off x="2886635" y="1675644"/>
+            <a:ext cx="6203577" cy="0"/>
+          </a:xfrm>
+          <a:prstGeom prst="line">
+            <a:avLst/>
+          </a:prstGeom>
+        </p:spPr>
+        <p:style>
+          <a:lnRef idx="1">
+            <a:schemeClr val="accent1"/>
+          </a:lnRef>
+          <a:fillRef idx="0">
+            <a:schemeClr val="accent1"/>
+          </a:fillRef>
+          <a:effectRef idx="0">
+            <a:schemeClr val="accent1"/>
+          </a:effectRef>
+          <a:fontRef idx="minor">
+            <a:schemeClr val="tx1"/>
+          </a:fontRef>
+        </p:style>
+      </p:cxnSp>
+      <p:sp>
+        <p:nvSpPr>
+          <p:cNvPr id="48" name="文字方塊 47">
+            <a:extLst>
+              <a:ext uri="{FF2B5EF4-FFF2-40B4-BE49-F238E27FC236}">
+                <a16:creationId xmlns:a16="http://schemas.microsoft.com/office/drawing/2014/main" id="{F5179E83-B4D0-314E-5E94-531387393E94}"/>
+              </a:ext>
+            </a:extLst>
+          </p:cNvPr>
+          <p:cNvSpPr txBox="1"/>
+          <p:nvPr/>
+        </p:nvSpPr>
+        <p:spPr>
+          <a:xfrm>
+            <a:off x="1972235" y="1490092"/>
+            <a:ext cx="645459" cy="369328"/>
+          </a:xfrm>
+          <a:prstGeom prst="rect">
+            <a:avLst/>
+          </a:prstGeom>
+          <a:noFill/>
+        </p:spPr>
+        <p:txBody>
+          <a:bodyPr wrap="square">
+            <a:spAutoFit/>
+          </a:bodyPr>
+          <a:lstStyle/>
+          <a:p>
+            <a:pPr algn="ctr"/>
+            <a:r>
+              <a:rPr lang="en-US" altLang="zh-TW" dirty="0"/>
+              <a:t>UAV</a:t>
+            </a:r>
+            <a:endParaRPr lang="zh-TW" altLang="en-US" dirty="0"/>
+          </a:p>
+        </p:txBody>
+      </p:sp>
+      <p:sp>
+        <p:nvSpPr>
+          <p:cNvPr id="40" name="橢圓 39">
+            <a:extLst>
+              <a:ext uri="{FF2B5EF4-FFF2-40B4-BE49-F238E27FC236}">
+                <a16:creationId xmlns:a16="http://schemas.microsoft.com/office/drawing/2014/main" id="{528CA945-BCDB-27E4-596A-39A54D6BE135}"/>
+              </a:ext>
+            </a:extLst>
+          </p:cNvPr>
+          <p:cNvSpPr/>
+          <p:nvPr/>
+        </p:nvSpPr>
+        <p:spPr>
+          <a:xfrm>
+            <a:off x="3873712" y="1507406"/>
+            <a:ext cx="367553" cy="367553"/>
+          </a:xfrm>
+          <a:prstGeom prst="ellipse">
+            <a:avLst/>
+          </a:prstGeom>
+        </p:spPr>
+        <p:style>
+          <a:lnRef idx="2">
+            <a:schemeClr val="accent4">
+              <a:shade val="15000"/>
+            </a:schemeClr>
+          </a:lnRef>
+          <a:fillRef idx="1">
+            <a:schemeClr val="accent4"/>
+          </a:fillRef>
+          <a:effectRef idx="0">
+            <a:schemeClr val="accent4"/>
+          </a:effectRef>
+          <a:fontRef idx="minor">
+            <a:schemeClr val="lt1"/>
+          </a:fontRef>
+        </p:style>
+        <p:txBody>
+          <a:bodyPr rtlCol="0" anchor="ctr"/>
+          <a:lstStyle/>
+          <a:p>
+            <a:pPr algn="ctr"/>
+            <a:endParaRPr lang="zh-TW" altLang="en-US"/>
+          </a:p>
+        </p:txBody>
+      </p:sp>
+      <p:sp>
+        <p:nvSpPr>
+          <p:cNvPr id="49" name="橢圓 48">
+            <a:extLst>
+              <a:ext uri="{FF2B5EF4-FFF2-40B4-BE49-F238E27FC236}">
+                <a16:creationId xmlns:a16="http://schemas.microsoft.com/office/drawing/2014/main" id="{9833BE5F-0090-8EC8-A13F-ACD8191EEBAA}"/>
+              </a:ext>
+            </a:extLst>
+          </p:cNvPr>
+          <p:cNvSpPr/>
+          <p:nvPr/>
+        </p:nvSpPr>
+        <p:spPr>
+          <a:xfrm>
+            <a:off x="3128074" y="3651618"/>
+            <a:ext cx="367553" cy="367553"/>
+          </a:xfrm>
+          <a:prstGeom prst="ellipse">
+            <a:avLst/>
+          </a:prstGeom>
+        </p:spPr>
+        <p:style>
+          <a:lnRef idx="2">
+            <a:schemeClr val="accent6">
+              <a:shade val="15000"/>
+            </a:schemeClr>
+          </a:lnRef>
+          <a:fillRef idx="1">
+            <a:schemeClr val="accent6"/>
+          </a:fillRef>
+          <a:effectRef idx="0">
+            <a:schemeClr val="accent6"/>
+          </a:effectRef>
+          <a:fontRef idx="minor">
+            <a:schemeClr val="lt1"/>
+          </a:fontRef>
+        </p:style>
+        <p:txBody>
+          <a:bodyPr rtlCol="0" anchor="ctr"/>
+          <a:lstStyle/>
+          <a:p>
+            <a:pPr algn="ctr"/>
+            <a:endParaRPr lang="zh-TW" altLang="en-US" dirty="0"/>
+          </a:p>
+        </p:txBody>
+      </p:sp>
+      <p:sp>
+        <p:nvSpPr>
+          <p:cNvPr id="51" name="橢圓 50">
+            <a:extLst>
+              <a:ext uri="{FF2B5EF4-FFF2-40B4-BE49-F238E27FC236}">
+                <a16:creationId xmlns:a16="http://schemas.microsoft.com/office/drawing/2014/main" id="{06A7C437-8A78-037A-5AE3-147658D913F6}"/>
+              </a:ext>
+            </a:extLst>
+          </p:cNvPr>
+          <p:cNvSpPr/>
+          <p:nvPr/>
+        </p:nvSpPr>
+        <p:spPr>
+          <a:xfrm>
+            <a:off x="6192318" y="3627234"/>
+            <a:ext cx="367553" cy="367553"/>
+          </a:xfrm>
+          <a:prstGeom prst="ellipse">
+            <a:avLst/>
+          </a:prstGeom>
+        </p:spPr>
+        <p:style>
+          <a:lnRef idx="2">
+            <a:schemeClr val="accent6">
+              <a:shade val="15000"/>
+            </a:schemeClr>
+          </a:lnRef>
+          <a:fillRef idx="1">
+            <a:schemeClr val="accent6"/>
+          </a:fillRef>
+          <a:effectRef idx="0">
+            <a:schemeClr val="accent6"/>
+          </a:effectRef>
+          <a:fontRef idx="minor">
+            <a:schemeClr val="lt1"/>
+          </a:fontRef>
+        </p:style>
+        <p:txBody>
+          <a:bodyPr rtlCol="0" anchor="ctr"/>
+          <a:lstStyle/>
+          <a:p>
+            <a:pPr algn="ctr"/>
+            <a:endParaRPr lang="zh-TW" altLang="en-US" dirty="0"/>
+          </a:p>
+        </p:txBody>
+      </p:sp>
+      <p:sp>
+        <p:nvSpPr>
+          <p:cNvPr id="53" name="文字方塊 52">
+            <a:extLst>
+              <a:ext uri="{FF2B5EF4-FFF2-40B4-BE49-F238E27FC236}">
+                <a16:creationId xmlns:a16="http://schemas.microsoft.com/office/drawing/2014/main" id="{847AFB9C-2C08-527C-73D6-2B600344DFC5}"/>
+              </a:ext>
+            </a:extLst>
+          </p:cNvPr>
+          <p:cNvSpPr txBox="1"/>
+          <p:nvPr/>
+        </p:nvSpPr>
+        <p:spPr>
+          <a:xfrm>
+            <a:off x="3985423" y="4744777"/>
+            <a:ext cx="495300" cy="369332"/>
+          </a:xfrm>
+          <a:prstGeom prst="rect">
+            <a:avLst/>
+          </a:prstGeom>
+          <a:noFill/>
+        </p:spPr>
+        <p:txBody>
+          <a:bodyPr wrap="square">
+            <a:spAutoFit/>
+          </a:bodyPr>
+          <a:lstStyle/>
+          <a:p>
+            <a:r>
+              <a:rPr lang="en-US" altLang="zh-TW" dirty="0"/>
+              <a:t>3s</a:t>
+            </a:r>
+            <a:endParaRPr lang="zh-TW" altLang="en-US" dirty="0"/>
+          </a:p>
+        </p:txBody>
+      </p:sp>
+      <p:sp>
+        <p:nvSpPr>
+          <p:cNvPr id="55" name="橢圓 54">
+            <a:extLst>
+              <a:ext uri="{FF2B5EF4-FFF2-40B4-BE49-F238E27FC236}">
+                <a16:creationId xmlns:a16="http://schemas.microsoft.com/office/drawing/2014/main" id="{FF7C5818-7D1B-2FDD-113C-6FA441350AC0}"/>
+              </a:ext>
+            </a:extLst>
+          </p:cNvPr>
+          <p:cNvSpPr/>
+          <p:nvPr/>
+        </p:nvSpPr>
+        <p:spPr>
+          <a:xfrm>
+            <a:off x="3350916" y="1429926"/>
+            <a:ext cx="367553" cy="367553"/>
+          </a:xfrm>
+          <a:prstGeom prst="ellipse">
+            <a:avLst/>
+          </a:prstGeom>
+        </p:spPr>
+        <p:style>
+          <a:lnRef idx="2">
+            <a:schemeClr val="accent4">
+              <a:shade val="15000"/>
+            </a:schemeClr>
+          </a:lnRef>
+          <a:fillRef idx="1">
+            <a:schemeClr val="accent4"/>
+          </a:fillRef>
+          <a:effectRef idx="0">
+            <a:schemeClr val="accent4"/>
+          </a:effectRef>
+          <a:fontRef idx="minor">
+            <a:schemeClr val="lt1"/>
+          </a:fontRef>
+        </p:style>
+        <p:txBody>
+          <a:bodyPr rtlCol="0" anchor="ctr"/>
+          <a:lstStyle/>
+          <a:p>
+            <a:pPr algn="ctr"/>
+            <a:endParaRPr lang="zh-TW" altLang="en-US"/>
+          </a:p>
+        </p:txBody>
+      </p:sp>
+      <p:sp>
+        <p:nvSpPr>
+          <p:cNvPr id="56" name="橢圓 55">
+            <a:extLst>
+              <a:ext uri="{FF2B5EF4-FFF2-40B4-BE49-F238E27FC236}">
+                <a16:creationId xmlns:a16="http://schemas.microsoft.com/office/drawing/2014/main" id="{D6E41F7B-991B-70DD-23D7-CD27EA9C36E2}"/>
+              </a:ext>
+            </a:extLst>
+          </p:cNvPr>
+          <p:cNvSpPr/>
+          <p:nvPr/>
+        </p:nvSpPr>
+        <p:spPr>
+          <a:xfrm>
+            <a:off x="3931982" y="844596"/>
+            <a:ext cx="367553" cy="367553"/>
+          </a:xfrm>
+          <a:prstGeom prst="ellipse">
+            <a:avLst/>
+          </a:prstGeom>
+        </p:spPr>
+        <p:style>
+          <a:lnRef idx="2">
+            <a:schemeClr val="accent6">
+              <a:shade val="15000"/>
+            </a:schemeClr>
+          </a:lnRef>
+          <a:fillRef idx="1">
+            <a:schemeClr val="accent6"/>
+          </a:fillRef>
+          <a:effectRef idx="0">
+            <a:schemeClr val="accent6"/>
+          </a:effectRef>
+          <a:fontRef idx="minor">
+            <a:schemeClr val="lt1"/>
+          </a:fontRef>
+        </p:style>
+        <p:txBody>
+          <a:bodyPr rtlCol="0" anchor="ctr"/>
+          <a:lstStyle/>
+          <a:p>
+            <a:pPr algn="ctr"/>
+            <a:endParaRPr lang="zh-TW" altLang="en-US"/>
+          </a:p>
+        </p:txBody>
+      </p:sp>
+      <p:sp>
+        <p:nvSpPr>
+          <p:cNvPr id="54" name="文字方塊 53">
+            <a:extLst>
+              <a:ext uri="{FF2B5EF4-FFF2-40B4-BE49-F238E27FC236}">
+                <a16:creationId xmlns:a16="http://schemas.microsoft.com/office/drawing/2014/main" id="{C5C9CEFB-4410-9D6D-1511-BDDCB07D30D9}"/>
+              </a:ext>
+            </a:extLst>
+          </p:cNvPr>
+          <p:cNvSpPr txBox="1"/>
+          <p:nvPr/>
+        </p:nvSpPr>
+        <p:spPr>
+          <a:xfrm>
+            <a:off x="3363171" y="1497182"/>
+            <a:ext cx="495300" cy="369332"/>
+          </a:xfrm>
+          <a:prstGeom prst="rect">
+            <a:avLst/>
+          </a:prstGeom>
+          <a:noFill/>
+        </p:spPr>
+        <p:txBody>
+          <a:bodyPr wrap="square">
+            <a:spAutoFit/>
+          </a:bodyPr>
+          <a:lstStyle/>
+          <a:p>
+            <a:r>
+              <a:rPr lang="en-US" altLang="zh-TW" dirty="0"/>
+              <a:t>1s</a:t>
+            </a:r>
+            <a:endParaRPr lang="zh-TW" altLang="en-US" dirty="0"/>
+          </a:p>
+        </p:txBody>
+      </p:sp>
+      <p:sp>
+        <p:nvSpPr>
+          <p:cNvPr id="57" name="文字方塊 56">
+            <a:extLst>
+              <a:ext uri="{FF2B5EF4-FFF2-40B4-BE49-F238E27FC236}">
+                <a16:creationId xmlns:a16="http://schemas.microsoft.com/office/drawing/2014/main" id="{EE5601D9-16A1-6C9A-E643-CEB22541F8E6}"/>
+              </a:ext>
+            </a:extLst>
+          </p:cNvPr>
+          <p:cNvSpPr txBox="1"/>
+          <p:nvPr/>
+        </p:nvSpPr>
+        <p:spPr>
+          <a:xfrm>
+            <a:off x="3926991" y="846992"/>
+            <a:ext cx="495300" cy="369332"/>
+          </a:xfrm>
+          <a:prstGeom prst="rect">
+            <a:avLst/>
+          </a:prstGeom>
+          <a:noFill/>
+        </p:spPr>
+        <p:txBody>
+          <a:bodyPr wrap="square">
+            <a:spAutoFit/>
+          </a:bodyPr>
+          <a:lstStyle/>
+          <a:p>
+            <a:r>
+              <a:rPr lang="en-US" altLang="zh-TW" dirty="0"/>
+              <a:t>1s</a:t>
+            </a:r>
+            <a:endParaRPr lang="zh-TW" altLang="en-US" dirty="0"/>
+          </a:p>
+        </p:txBody>
+      </p:sp>
+      <p:sp>
+        <p:nvSpPr>
+          <p:cNvPr id="58" name="文字方塊 57">
+            <a:extLst>
+              <a:ext uri="{FF2B5EF4-FFF2-40B4-BE49-F238E27FC236}">
+                <a16:creationId xmlns:a16="http://schemas.microsoft.com/office/drawing/2014/main" id="{F3EA5FAC-871F-1D20-7BF7-A9102F56D91D}"/>
+              </a:ext>
+            </a:extLst>
+          </p:cNvPr>
+          <p:cNvSpPr txBox="1"/>
+          <p:nvPr/>
+        </p:nvSpPr>
+        <p:spPr>
+          <a:xfrm>
+            <a:off x="3128074" y="5744747"/>
+            <a:ext cx="495300" cy="369332"/>
+          </a:xfrm>
+          <a:prstGeom prst="rect">
+            <a:avLst/>
+          </a:prstGeom>
+          <a:noFill/>
+        </p:spPr>
+        <p:txBody>
+          <a:bodyPr wrap="square">
+            <a:spAutoFit/>
+          </a:bodyPr>
+          <a:lstStyle/>
+          <a:p>
+            <a:r>
+              <a:rPr lang="en-US" altLang="zh-TW" dirty="0"/>
+              <a:t>1s</a:t>
+            </a:r>
+            <a:endParaRPr lang="zh-TW" altLang="en-US" dirty="0"/>
           </a:p>
         </p:txBody>
       </p:sp>
     </p:spTree>
     <p:extLst>
       <p:ext uri="{BB962C8B-B14F-4D97-AF65-F5344CB8AC3E}">
-        <p14:creationId xmlns:p14="http://schemas.microsoft.com/office/powerpoint/2010/main" val="3309653919"/>
+        <p14:creationId xmlns:p14="http://schemas.microsoft.com/office/powerpoint/2010/main" val="3447988354"/>
       </p:ext>
     </p:extLst>
   </p:cSld>
